--- a/presentations/AI/ArtificialIntelligence.pptx
+++ b/presentations/AI/ArtificialIntelligence.pptx
@@ -5,14 +5,29 @@
     <p:sldMasterId id="2147483648" r:id="rId1"/>
   </p:sldMasterIdLst>
   <p:notesMasterIdLst>
-    <p:notesMasterId r:id="rId7"/>
+    <p:notesMasterId r:id="rId22"/>
   </p:notesMasterIdLst>
   <p:sldIdLst>
     <p:sldId id="256" r:id="rId2"/>
     <p:sldId id="268" r:id="rId3"/>
     <p:sldId id="427" r:id="rId4"/>
     <p:sldId id="428" r:id="rId5"/>
-    <p:sldId id="269" r:id="rId6"/>
+    <p:sldId id="429" r:id="rId6"/>
+    <p:sldId id="430" r:id="rId7"/>
+    <p:sldId id="431" r:id="rId8"/>
+    <p:sldId id="432" r:id="rId9"/>
+    <p:sldId id="433" r:id="rId10"/>
+    <p:sldId id="434" r:id="rId11"/>
+    <p:sldId id="435" r:id="rId12"/>
+    <p:sldId id="438" r:id="rId13"/>
+    <p:sldId id="436" r:id="rId14"/>
+    <p:sldId id="437" r:id="rId15"/>
+    <p:sldId id="440" r:id="rId16"/>
+    <p:sldId id="439" r:id="rId17"/>
+    <p:sldId id="441" r:id="rId18"/>
+    <p:sldId id="442" r:id="rId19"/>
+    <p:sldId id="443" r:id="rId20"/>
+    <p:sldId id="269" r:id="rId21"/>
   </p:sldIdLst>
   <p:sldSz cx="9144000" cy="6858000" type="screen4x3"/>
   <p:notesSz cx="6858000" cy="9144000"/>
@@ -3493,6 +3508,1454 @@
 </p:sld>
 </file>
 
+<file path=ppt/slides/slide10.xml><?xml version="1.0" encoding="utf-8"?>
+<p:sld xmlns:a="http://schemas.openxmlformats.org/drawingml/2006/main" xmlns:r="http://schemas.openxmlformats.org/officeDocument/2006/relationships" xmlns:p="http://schemas.openxmlformats.org/presentationml/2006/main">
+  <p:cSld>
+    <p:spTree>
+      <p:nvGrpSpPr>
+        <p:cNvPr id="1" name=""/>
+        <p:cNvGrpSpPr/>
+        <p:nvPr/>
+      </p:nvGrpSpPr>
+      <p:grpSpPr>
+        <a:xfrm>
+          <a:off x="0" y="0"/>
+          <a:ext cx="0" cy="0"/>
+          <a:chOff x="0" y="0"/>
+          <a:chExt cx="0" cy="0"/>
+        </a:xfrm>
+      </p:grpSpPr>
+      <p:sp>
+        <p:nvSpPr>
+          <p:cNvPr id="2" name="Title 1"/>
+          <p:cNvSpPr>
+            <a:spLocks noGrp="1"/>
+          </p:cNvSpPr>
+          <p:nvPr>
+            <p:ph type="title"/>
+          </p:nvPr>
+        </p:nvSpPr>
+        <p:spPr/>
+        <p:txBody>
+          <a:bodyPr>
+            <a:normAutofit/>
+          </a:bodyPr>
+          <a:lstStyle/>
+          <a:p>
+            <a:r>
+              <a:rPr lang="en-US" dirty="0" smtClean="0"/>
+              <a:t>ML Classification  </a:t>
+            </a:r>
+            <a:endParaRPr lang="en-US" dirty="0"/>
+          </a:p>
+        </p:txBody>
+      </p:sp>
+      <p:sp>
+        <p:nvSpPr>
+          <p:cNvPr id="3" name="Content Placeholder 2"/>
+          <p:cNvSpPr>
+            <a:spLocks noGrp="1"/>
+          </p:cNvSpPr>
+          <p:nvPr>
+            <p:ph idx="1"/>
+          </p:nvPr>
+        </p:nvSpPr>
+        <p:spPr/>
+        <p:txBody>
+          <a:bodyPr>
+            <a:normAutofit/>
+          </a:bodyPr>
+          <a:lstStyle/>
+          <a:p>
+            <a:r>
+              <a:rPr lang="en-IN" dirty="0" smtClean="0"/>
+              <a:t>Supervised learning</a:t>
+            </a:r>
+          </a:p>
+          <a:p>
+            <a:r>
+              <a:rPr lang="en-IN" dirty="0" smtClean="0"/>
+              <a:t>Unsupervised learning</a:t>
+            </a:r>
+          </a:p>
+          <a:p>
+            <a:r>
+              <a:rPr lang="en-IN" dirty="0" smtClean="0"/>
+              <a:t>Reinforcement learning</a:t>
+            </a:r>
+          </a:p>
+          <a:p>
+            <a:r>
+              <a:rPr lang="en-IN" dirty="0" smtClean="0"/>
+              <a:t>Semi supervised learning</a:t>
+            </a:r>
+          </a:p>
+          <a:p>
+            <a:r>
+              <a:rPr lang="en-IN" dirty="0" smtClean="0"/>
+              <a:t>Self supervised learning</a:t>
+            </a:r>
+            <a:endParaRPr lang="en-US" dirty="0" smtClean="0"/>
+          </a:p>
+        </p:txBody>
+      </p:sp>
+    </p:spTree>
+  </p:cSld>
+  <p:clrMapOvr>
+    <a:masterClrMapping/>
+  </p:clrMapOvr>
+  <p:timing>
+    <p:tnLst>
+      <p:par>
+        <p:cTn id="1" dur="indefinite" restart="never" nodeType="tmRoot"/>
+      </p:par>
+    </p:tnLst>
+  </p:timing>
+</p:sld>
+</file>
+
+<file path=ppt/slides/slide11.xml><?xml version="1.0" encoding="utf-8"?>
+<p:sld xmlns:a="http://schemas.openxmlformats.org/drawingml/2006/main" xmlns:r="http://schemas.openxmlformats.org/officeDocument/2006/relationships" xmlns:p="http://schemas.openxmlformats.org/presentationml/2006/main">
+  <p:cSld>
+    <p:spTree>
+      <p:nvGrpSpPr>
+        <p:cNvPr id="1" name=""/>
+        <p:cNvGrpSpPr/>
+        <p:nvPr/>
+      </p:nvGrpSpPr>
+      <p:grpSpPr>
+        <a:xfrm>
+          <a:off x="0" y="0"/>
+          <a:ext cx="0" cy="0"/>
+          <a:chOff x="0" y="0"/>
+          <a:chExt cx="0" cy="0"/>
+        </a:xfrm>
+      </p:grpSpPr>
+      <p:sp>
+        <p:nvSpPr>
+          <p:cNvPr id="2" name="Title 1"/>
+          <p:cNvSpPr>
+            <a:spLocks noGrp="1"/>
+          </p:cNvSpPr>
+          <p:nvPr>
+            <p:ph type="title"/>
+          </p:nvPr>
+        </p:nvSpPr>
+        <p:spPr/>
+        <p:txBody>
+          <a:bodyPr>
+            <a:normAutofit/>
+          </a:bodyPr>
+          <a:lstStyle/>
+          <a:p>
+            <a:r>
+              <a:rPr lang="en-US" dirty="0" smtClean="0"/>
+              <a:t>Supervised </a:t>
+            </a:r>
+            <a:r>
+              <a:rPr lang="en-US" dirty="0" smtClean="0"/>
+              <a:t>Learning </a:t>
+            </a:r>
+            <a:r>
+              <a:rPr lang="en-US" dirty="0" smtClean="0"/>
+              <a:t>– What ?  </a:t>
+            </a:r>
+            <a:endParaRPr lang="en-US" dirty="0"/>
+          </a:p>
+        </p:txBody>
+      </p:sp>
+      <p:sp>
+        <p:nvSpPr>
+          <p:cNvPr id="3" name="Content Placeholder 2"/>
+          <p:cNvSpPr>
+            <a:spLocks noGrp="1"/>
+          </p:cNvSpPr>
+          <p:nvPr>
+            <p:ph idx="1"/>
+          </p:nvPr>
+        </p:nvSpPr>
+        <p:spPr/>
+        <p:txBody>
+          <a:bodyPr>
+            <a:normAutofit/>
+          </a:bodyPr>
+          <a:lstStyle/>
+          <a:p>
+            <a:r>
+              <a:rPr lang="en-US" dirty="0" smtClean="0"/>
+              <a:t>Labeled dataset </a:t>
+            </a:r>
+            <a:endParaRPr lang="en-US" dirty="0" smtClean="0"/>
+          </a:p>
+          <a:p>
+            <a:r>
+              <a:rPr lang="en-US" dirty="0" smtClean="0"/>
+              <a:t>Annotated </a:t>
+            </a:r>
+            <a:r>
+              <a:rPr lang="en-US" dirty="0" smtClean="0"/>
+              <a:t>dataset </a:t>
+            </a:r>
+            <a:endParaRPr lang="en-US" dirty="0" smtClean="0"/>
+          </a:p>
+          <a:p>
+            <a:r>
+              <a:rPr lang="en-US" dirty="0" smtClean="0"/>
+              <a:t>Paired </a:t>
+            </a:r>
+            <a:r>
+              <a:rPr lang="en-US" dirty="0" smtClean="0"/>
+              <a:t>input variables and output variables</a:t>
+            </a:r>
+          </a:p>
+          <a:p>
+            <a:r>
+              <a:rPr lang="en-US" dirty="0" smtClean="0"/>
+              <a:t>Compute mapping from input variables to output variables</a:t>
+            </a:r>
+            <a:endParaRPr lang="en-US" dirty="0" smtClean="0"/>
+          </a:p>
+        </p:txBody>
+      </p:sp>
+    </p:spTree>
+  </p:cSld>
+  <p:clrMapOvr>
+    <a:masterClrMapping/>
+  </p:clrMapOvr>
+  <p:timing>
+    <p:tnLst>
+      <p:par>
+        <p:cTn id="1" dur="indefinite" restart="never" nodeType="tmRoot"/>
+      </p:par>
+    </p:tnLst>
+  </p:timing>
+</p:sld>
+</file>
+
+<file path=ppt/slides/slide12.xml><?xml version="1.0" encoding="utf-8"?>
+<p:sld xmlns:a="http://schemas.openxmlformats.org/drawingml/2006/main" xmlns:r="http://schemas.openxmlformats.org/officeDocument/2006/relationships" xmlns:p="http://schemas.openxmlformats.org/presentationml/2006/main">
+  <p:cSld>
+    <p:spTree>
+      <p:nvGrpSpPr>
+        <p:cNvPr id="1" name=""/>
+        <p:cNvGrpSpPr/>
+        <p:nvPr/>
+      </p:nvGrpSpPr>
+      <p:grpSpPr>
+        <a:xfrm>
+          <a:off x="0" y="0"/>
+          <a:ext cx="0" cy="0"/>
+          <a:chOff x="0" y="0"/>
+          <a:chExt cx="0" cy="0"/>
+        </a:xfrm>
+      </p:grpSpPr>
+      <p:sp>
+        <p:nvSpPr>
+          <p:cNvPr id="2" name="Title 1"/>
+          <p:cNvSpPr>
+            <a:spLocks noGrp="1"/>
+          </p:cNvSpPr>
+          <p:nvPr>
+            <p:ph type="title"/>
+          </p:nvPr>
+        </p:nvSpPr>
+        <p:spPr/>
+        <p:txBody>
+          <a:bodyPr>
+            <a:normAutofit fontScale="90000"/>
+          </a:bodyPr>
+          <a:lstStyle/>
+          <a:p>
+            <a:r>
+              <a:rPr lang="en-US" dirty="0" smtClean="0"/>
+              <a:t>Supervised </a:t>
+            </a:r>
+            <a:r>
+              <a:rPr lang="en-US" dirty="0" smtClean="0"/>
+              <a:t>Learning </a:t>
+            </a:r>
+            <a:r>
+              <a:rPr lang="en-US" dirty="0" smtClean="0"/>
+              <a:t>– Classification  </a:t>
+            </a:r>
+            <a:endParaRPr lang="en-US" dirty="0"/>
+          </a:p>
+        </p:txBody>
+      </p:sp>
+      <p:sp>
+        <p:nvSpPr>
+          <p:cNvPr id="3" name="Content Placeholder 2"/>
+          <p:cNvSpPr>
+            <a:spLocks noGrp="1"/>
+          </p:cNvSpPr>
+          <p:nvPr>
+            <p:ph idx="1"/>
+          </p:nvPr>
+        </p:nvSpPr>
+        <p:spPr/>
+        <p:txBody>
+          <a:bodyPr>
+            <a:normAutofit/>
+          </a:bodyPr>
+          <a:lstStyle/>
+          <a:p>
+            <a:r>
+              <a:rPr lang="en-IN" dirty="0" smtClean="0"/>
+              <a:t>Regression </a:t>
+            </a:r>
+            <a:r>
+              <a:rPr lang="en-IN" dirty="0" smtClean="0"/>
+              <a:t>model </a:t>
+            </a:r>
+            <a:endParaRPr lang="en-IN" dirty="0" smtClean="0"/>
+          </a:p>
+          <a:p>
+            <a:pPr lvl="1"/>
+            <a:r>
+              <a:rPr lang="en-IN" dirty="0" smtClean="0"/>
+              <a:t>Assign </a:t>
+            </a:r>
+            <a:r>
+              <a:rPr lang="en-IN" dirty="0" smtClean="0"/>
+              <a:t>continuous numerical values to dataset </a:t>
+            </a:r>
+            <a:r>
+              <a:rPr lang="en-IN" dirty="0" smtClean="0"/>
+              <a:t>inputs</a:t>
+            </a:r>
+          </a:p>
+          <a:p>
+            <a:pPr lvl="1"/>
+            <a:r>
+              <a:rPr lang="en-IN" dirty="0" smtClean="0"/>
+              <a:t>Example – House price prediction</a:t>
+            </a:r>
+          </a:p>
+          <a:p>
+            <a:r>
+              <a:rPr lang="en-IN" dirty="0" smtClean="0"/>
+              <a:t>Classification model </a:t>
+            </a:r>
+          </a:p>
+          <a:p>
+            <a:pPr lvl="1"/>
+            <a:r>
+              <a:rPr lang="en-IN" dirty="0" smtClean="0"/>
+              <a:t>Assign discrete label or labels from predefined set of categories to dataset inputs</a:t>
+            </a:r>
+          </a:p>
+          <a:p>
+            <a:pPr lvl="1"/>
+            <a:r>
+              <a:rPr lang="en-IN" dirty="0" smtClean="0"/>
+              <a:t>Example – Face </a:t>
+            </a:r>
+            <a:r>
+              <a:rPr lang="en-IN" dirty="0" smtClean="0"/>
+              <a:t>recognition</a:t>
+            </a:r>
+            <a:endParaRPr lang="en-IN" dirty="0" smtClean="0"/>
+          </a:p>
+          <a:p>
+            <a:endParaRPr lang="en-US" dirty="0" smtClean="0"/>
+          </a:p>
+        </p:txBody>
+      </p:sp>
+    </p:spTree>
+  </p:cSld>
+  <p:clrMapOvr>
+    <a:masterClrMapping/>
+  </p:clrMapOvr>
+  <p:timing>
+    <p:tnLst>
+      <p:par>
+        <p:cTn id="1" dur="indefinite" restart="never" nodeType="tmRoot"/>
+      </p:par>
+    </p:tnLst>
+  </p:timing>
+</p:sld>
+</file>
+
+<file path=ppt/slides/slide13.xml><?xml version="1.0" encoding="utf-8"?>
+<p:sld xmlns:a="http://schemas.openxmlformats.org/drawingml/2006/main" xmlns:r="http://schemas.openxmlformats.org/officeDocument/2006/relationships" xmlns:p="http://schemas.openxmlformats.org/presentationml/2006/main">
+  <p:cSld>
+    <p:spTree>
+      <p:nvGrpSpPr>
+        <p:cNvPr id="1" name=""/>
+        <p:cNvGrpSpPr/>
+        <p:nvPr/>
+      </p:nvGrpSpPr>
+      <p:grpSpPr>
+        <a:xfrm>
+          <a:off x="0" y="0"/>
+          <a:ext cx="0" cy="0"/>
+          <a:chOff x="0" y="0"/>
+          <a:chExt cx="0" cy="0"/>
+        </a:xfrm>
+      </p:grpSpPr>
+      <p:sp>
+        <p:nvSpPr>
+          <p:cNvPr id="2" name="Title 1"/>
+          <p:cNvSpPr>
+            <a:spLocks noGrp="1"/>
+          </p:cNvSpPr>
+          <p:nvPr>
+            <p:ph type="title"/>
+          </p:nvPr>
+        </p:nvSpPr>
+        <p:spPr/>
+        <p:txBody>
+          <a:bodyPr>
+            <a:normAutofit/>
+          </a:bodyPr>
+          <a:lstStyle/>
+          <a:p>
+            <a:r>
+              <a:rPr lang="en-US" dirty="0" smtClean="0"/>
+              <a:t>Supervised </a:t>
+            </a:r>
+            <a:r>
+              <a:rPr lang="en-US" dirty="0" smtClean="0"/>
+              <a:t>Learning – Example (1)  </a:t>
+            </a:r>
+            <a:endParaRPr lang="en-US" dirty="0"/>
+          </a:p>
+        </p:txBody>
+      </p:sp>
+      <p:sp>
+        <p:nvSpPr>
+          <p:cNvPr id="3" name="Content Placeholder 2"/>
+          <p:cNvSpPr>
+            <a:spLocks noGrp="1"/>
+          </p:cNvSpPr>
+          <p:nvPr>
+            <p:ph idx="1"/>
+          </p:nvPr>
+        </p:nvSpPr>
+        <p:spPr/>
+        <p:txBody>
+          <a:bodyPr>
+            <a:normAutofit lnSpcReduction="10000"/>
+          </a:bodyPr>
+          <a:lstStyle/>
+          <a:p>
+            <a:r>
+              <a:rPr lang="en-IN" dirty="0" smtClean="0"/>
+              <a:t>House price prediction </a:t>
+            </a:r>
+            <a:r>
+              <a:rPr lang="en-IN" dirty="0" smtClean="0"/>
+              <a:t>– Regression model</a:t>
+            </a:r>
+            <a:endParaRPr lang="en-IN" dirty="0" smtClean="0"/>
+          </a:p>
+          <a:p>
+            <a:pPr lvl="1"/>
+            <a:r>
+              <a:rPr lang="en-IN" dirty="0" smtClean="0"/>
+              <a:t>Input variables </a:t>
+            </a:r>
+            <a:endParaRPr lang="en-IN" dirty="0" smtClean="0"/>
+          </a:p>
+          <a:p>
+            <a:pPr lvl="2"/>
+            <a:r>
+              <a:rPr lang="en-IN" dirty="0" smtClean="0"/>
+              <a:t>Number of bedrooms</a:t>
+            </a:r>
+          </a:p>
+          <a:p>
+            <a:pPr lvl="2"/>
+            <a:r>
+              <a:rPr lang="en-IN" dirty="0" smtClean="0"/>
+              <a:t>Area </a:t>
+            </a:r>
+            <a:r>
+              <a:rPr lang="en-IN" dirty="0" smtClean="0"/>
+              <a:t>of </a:t>
+            </a:r>
+            <a:r>
+              <a:rPr lang="en-IN" dirty="0" smtClean="0"/>
+              <a:t>house </a:t>
+            </a:r>
+          </a:p>
+          <a:p>
+            <a:pPr lvl="2"/>
+            <a:r>
+              <a:rPr lang="en-IN" dirty="0" smtClean="0"/>
+              <a:t>Locality </a:t>
+            </a:r>
+            <a:r>
+              <a:rPr lang="en-IN" dirty="0" smtClean="0"/>
+              <a:t>of house and so on</a:t>
+            </a:r>
+          </a:p>
+          <a:p>
+            <a:pPr lvl="1"/>
+            <a:r>
+              <a:rPr lang="en-IN" dirty="0" smtClean="0"/>
+              <a:t>Output variable </a:t>
+            </a:r>
+            <a:endParaRPr lang="en-IN" dirty="0" smtClean="0"/>
+          </a:p>
+          <a:p>
+            <a:pPr lvl="2"/>
+            <a:r>
+              <a:rPr lang="en-IN" dirty="0" smtClean="0"/>
+              <a:t>Price of </a:t>
+            </a:r>
+            <a:r>
+              <a:rPr lang="en-IN" dirty="0" smtClean="0"/>
+              <a:t>house</a:t>
+            </a:r>
+          </a:p>
+          <a:p>
+            <a:pPr lvl="1"/>
+            <a:r>
+              <a:rPr lang="en-IN" dirty="0" smtClean="0"/>
+              <a:t>Optimization function </a:t>
+            </a:r>
+            <a:endParaRPr lang="en-IN" dirty="0" smtClean="0"/>
+          </a:p>
+          <a:p>
+            <a:pPr lvl="2"/>
+            <a:r>
+              <a:rPr lang="en-IN" dirty="0" smtClean="0"/>
+              <a:t>Reduce error </a:t>
+            </a:r>
+            <a:r>
+              <a:rPr lang="en-IN" dirty="0" smtClean="0"/>
+              <a:t>between predicted and actual price of </a:t>
+            </a:r>
+            <a:r>
+              <a:rPr lang="en-IN" dirty="0" smtClean="0"/>
+              <a:t>house</a:t>
+            </a:r>
+            <a:endParaRPr lang="en-US" dirty="0" smtClean="0"/>
+          </a:p>
+        </p:txBody>
+      </p:sp>
+    </p:spTree>
+  </p:cSld>
+  <p:clrMapOvr>
+    <a:masterClrMapping/>
+  </p:clrMapOvr>
+  <p:timing>
+    <p:tnLst>
+      <p:par>
+        <p:cTn id="1" dur="indefinite" restart="never" nodeType="tmRoot"/>
+      </p:par>
+    </p:tnLst>
+  </p:timing>
+</p:sld>
+</file>
+
+<file path=ppt/slides/slide14.xml><?xml version="1.0" encoding="utf-8"?>
+<p:sld xmlns:a="http://schemas.openxmlformats.org/drawingml/2006/main" xmlns:r="http://schemas.openxmlformats.org/officeDocument/2006/relationships" xmlns:p="http://schemas.openxmlformats.org/presentationml/2006/main">
+  <p:cSld>
+    <p:spTree>
+      <p:nvGrpSpPr>
+        <p:cNvPr id="1" name=""/>
+        <p:cNvGrpSpPr/>
+        <p:nvPr/>
+      </p:nvGrpSpPr>
+      <p:grpSpPr>
+        <a:xfrm>
+          <a:off x="0" y="0"/>
+          <a:ext cx="0" cy="0"/>
+          <a:chOff x="0" y="0"/>
+          <a:chExt cx="0" cy="0"/>
+        </a:xfrm>
+      </p:grpSpPr>
+      <p:sp>
+        <p:nvSpPr>
+          <p:cNvPr id="2" name="Title 1"/>
+          <p:cNvSpPr>
+            <a:spLocks noGrp="1"/>
+          </p:cNvSpPr>
+          <p:nvPr>
+            <p:ph type="title"/>
+          </p:nvPr>
+        </p:nvSpPr>
+        <p:spPr/>
+        <p:txBody>
+          <a:bodyPr>
+            <a:normAutofit/>
+          </a:bodyPr>
+          <a:lstStyle/>
+          <a:p>
+            <a:r>
+              <a:rPr lang="en-US" dirty="0" smtClean="0"/>
+              <a:t>Supervised </a:t>
+            </a:r>
+            <a:r>
+              <a:rPr lang="en-US" dirty="0" smtClean="0"/>
+              <a:t>Learning – Example (2)  </a:t>
+            </a:r>
+            <a:endParaRPr lang="en-US" dirty="0"/>
+          </a:p>
+        </p:txBody>
+      </p:sp>
+      <p:sp>
+        <p:nvSpPr>
+          <p:cNvPr id="3" name="Content Placeholder 2"/>
+          <p:cNvSpPr>
+            <a:spLocks noGrp="1"/>
+          </p:cNvSpPr>
+          <p:nvPr>
+            <p:ph idx="1"/>
+          </p:nvPr>
+        </p:nvSpPr>
+        <p:spPr/>
+        <p:txBody>
+          <a:bodyPr>
+            <a:normAutofit/>
+          </a:bodyPr>
+          <a:lstStyle/>
+          <a:p>
+            <a:r>
+              <a:rPr lang="en-IN" dirty="0" smtClean="0"/>
+              <a:t>Face </a:t>
+            </a:r>
+            <a:r>
+              <a:rPr lang="en-IN" dirty="0" smtClean="0"/>
+              <a:t>recognition </a:t>
+            </a:r>
+            <a:r>
+              <a:rPr lang="en-IN" dirty="0" smtClean="0"/>
+              <a:t>– Classification model</a:t>
+            </a:r>
+            <a:endParaRPr lang="en-IN" dirty="0" smtClean="0"/>
+          </a:p>
+          <a:p>
+            <a:pPr lvl="1"/>
+            <a:r>
+              <a:rPr lang="en-IN" dirty="0" smtClean="0"/>
+              <a:t>Input variables </a:t>
+            </a:r>
+            <a:endParaRPr lang="en-IN" dirty="0" smtClean="0"/>
+          </a:p>
+          <a:p>
+            <a:pPr lvl="2"/>
+            <a:r>
+              <a:rPr lang="en-IN" dirty="0" smtClean="0"/>
+              <a:t>Input cropped </a:t>
+            </a:r>
+            <a:r>
+              <a:rPr lang="en-IN" dirty="0" smtClean="0"/>
+              <a:t>images</a:t>
+            </a:r>
+          </a:p>
+          <a:p>
+            <a:pPr lvl="1"/>
+            <a:r>
+              <a:rPr lang="en-IN" dirty="0" smtClean="0"/>
+              <a:t>Output variable </a:t>
+            </a:r>
+            <a:endParaRPr lang="en-IN" dirty="0" smtClean="0"/>
+          </a:p>
+          <a:p>
+            <a:pPr lvl="2"/>
+            <a:r>
+              <a:rPr lang="en-IN" dirty="0" smtClean="0"/>
+              <a:t>Identity of </a:t>
+            </a:r>
+            <a:r>
+              <a:rPr lang="en-IN" dirty="0" smtClean="0"/>
+              <a:t>person</a:t>
+            </a:r>
+          </a:p>
+          <a:p>
+            <a:pPr lvl="1"/>
+            <a:r>
+              <a:rPr lang="en-IN" dirty="0" smtClean="0"/>
+              <a:t>Optimization function </a:t>
+            </a:r>
+            <a:endParaRPr lang="en-IN" dirty="0" smtClean="0"/>
+          </a:p>
+          <a:p>
+            <a:pPr lvl="2"/>
+            <a:r>
+              <a:rPr lang="en-IN" dirty="0" smtClean="0"/>
+              <a:t>Reduce classification </a:t>
+            </a:r>
+            <a:r>
+              <a:rPr lang="en-IN" dirty="0" smtClean="0"/>
+              <a:t>error</a:t>
+            </a:r>
+            <a:endParaRPr lang="en-US" dirty="0" smtClean="0"/>
+          </a:p>
+        </p:txBody>
+      </p:sp>
+    </p:spTree>
+  </p:cSld>
+  <p:clrMapOvr>
+    <a:masterClrMapping/>
+  </p:clrMapOvr>
+  <p:timing>
+    <p:tnLst>
+      <p:par>
+        <p:cTn id="1" dur="indefinite" restart="never" nodeType="tmRoot"/>
+      </p:par>
+    </p:tnLst>
+  </p:timing>
+</p:sld>
+</file>
+
+<file path=ppt/slides/slide15.xml><?xml version="1.0" encoding="utf-8"?>
+<p:sld xmlns:a="http://schemas.openxmlformats.org/drawingml/2006/main" xmlns:r="http://schemas.openxmlformats.org/officeDocument/2006/relationships" xmlns:p="http://schemas.openxmlformats.org/presentationml/2006/main">
+  <p:cSld>
+    <p:spTree>
+      <p:nvGrpSpPr>
+        <p:cNvPr id="1" name=""/>
+        <p:cNvGrpSpPr/>
+        <p:nvPr/>
+      </p:nvGrpSpPr>
+      <p:grpSpPr>
+        <a:xfrm>
+          <a:off x="0" y="0"/>
+          <a:ext cx="0" cy="0"/>
+          <a:chOff x="0" y="0"/>
+          <a:chExt cx="0" cy="0"/>
+        </a:xfrm>
+      </p:grpSpPr>
+      <p:sp>
+        <p:nvSpPr>
+          <p:cNvPr id="2" name="Title 1"/>
+          <p:cNvSpPr>
+            <a:spLocks noGrp="1"/>
+          </p:cNvSpPr>
+          <p:nvPr>
+            <p:ph type="title"/>
+          </p:nvPr>
+        </p:nvSpPr>
+        <p:spPr/>
+        <p:txBody>
+          <a:bodyPr>
+            <a:normAutofit/>
+          </a:bodyPr>
+          <a:lstStyle/>
+          <a:p>
+            <a:r>
+              <a:rPr lang="en-US" dirty="0" smtClean="0"/>
+              <a:t>Unsupervised </a:t>
+            </a:r>
+            <a:r>
+              <a:rPr lang="en-US" dirty="0" smtClean="0"/>
+              <a:t>Learning </a:t>
+            </a:r>
+            <a:r>
+              <a:rPr lang="en-US" dirty="0" smtClean="0"/>
+              <a:t>– What ?  </a:t>
+            </a:r>
+            <a:endParaRPr lang="en-US" dirty="0"/>
+          </a:p>
+        </p:txBody>
+      </p:sp>
+      <p:sp>
+        <p:nvSpPr>
+          <p:cNvPr id="3" name="Content Placeholder 2"/>
+          <p:cNvSpPr>
+            <a:spLocks noGrp="1"/>
+          </p:cNvSpPr>
+          <p:nvPr>
+            <p:ph idx="1"/>
+          </p:nvPr>
+        </p:nvSpPr>
+        <p:spPr/>
+        <p:txBody>
+          <a:bodyPr>
+            <a:normAutofit/>
+          </a:bodyPr>
+          <a:lstStyle/>
+          <a:p>
+            <a:r>
+              <a:rPr lang="en-IN" dirty="0" smtClean="0"/>
+              <a:t>Unlabeled dataset </a:t>
+            </a:r>
+            <a:endParaRPr lang="en-IN" dirty="0" smtClean="0"/>
+          </a:p>
+          <a:p>
+            <a:r>
+              <a:rPr lang="en-IN" dirty="0" smtClean="0"/>
+              <a:t>No </a:t>
+            </a:r>
+            <a:r>
+              <a:rPr lang="en-IN" dirty="0" smtClean="0"/>
+              <a:t>annotations </a:t>
+            </a:r>
+            <a:endParaRPr lang="en-IN" dirty="0" smtClean="0"/>
+          </a:p>
+          <a:p>
+            <a:r>
+              <a:rPr lang="en-IN" dirty="0" smtClean="0"/>
+              <a:t>Only </a:t>
+            </a:r>
+            <a:r>
+              <a:rPr lang="en-IN" dirty="0" smtClean="0"/>
+              <a:t>input variables </a:t>
+            </a:r>
+            <a:endParaRPr lang="en-IN" dirty="0" smtClean="0"/>
+          </a:p>
+          <a:p>
+            <a:r>
+              <a:rPr lang="en-IN" dirty="0" smtClean="0"/>
+              <a:t>No </a:t>
+            </a:r>
+            <a:r>
+              <a:rPr lang="en-IN" dirty="0" smtClean="0"/>
+              <a:t>output variables or output </a:t>
+            </a:r>
+            <a:r>
+              <a:rPr lang="en-IN" dirty="0" smtClean="0"/>
+              <a:t>annotations</a:t>
+            </a:r>
+            <a:endParaRPr lang="en-IN" dirty="0" smtClean="0"/>
+          </a:p>
+        </p:txBody>
+      </p:sp>
+    </p:spTree>
+  </p:cSld>
+  <p:clrMapOvr>
+    <a:masterClrMapping/>
+  </p:clrMapOvr>
+  <p:timing>
+    <p:tnLst>
+      <p:par>
+        <p:cTn id="1" dur="indefinite" restart="never" nodeType="tmRoot"/>
+      </p:par>
+    </p:tnLst>
+  </p:timing>
+</p:sld>
+</file>
+
+<file path=ppt/slides/slide16.xml><?xml version="1.0" encoding="utf-8"?>
+<p:sld xmlns:a="http://schemas.openxmlformats.org/drawingml/2006/main" xmlns:r="http://schemas.openxmlformats.org/officeDocument/2006/relationships" xmlns:p="http://schemas.openxmlformats.org/presentationml/2006/main">
+  <p:cSld>
+    <p:spTree>
+      <p:nvGrpSpPr>
+        <p:cNvPr id="1" name=""/>
+        <p:cNvGrpSpPr/>
+        <p:nvPr/>
+      </p:nvGrpSpPr>
+      <p:grpSpPr>
+        <a:xfrm>
+          <a:off x="0" y="0"/>
+          <a:ext cx="0" cy="0"/>
+          <a:chOff x="0" y="0"/>
+          <a:chExt cx="0" cy="0"/>
+        </a:xfrm>
+      </p:grpSpPr>
+      <p:sp>
+        <p:nvSpPr>
+          <p:cNvPr id="2" name="Title 1"/>
+          <p:cNvSpPr>
+            <a:spLocks noGrp="1"/>
+          </p:cNvSpPr>
+          <p:nvPr>
+            <p:ph type="title"/>
+          </p:nvPr>
+        </p:nvSpPr>
+        <p:spPr/>
+        <p:txBody>
+          <a:bodyPr>
+            <a:normAutofit fontScale="90000"/>
+          </a:bodyPr>
+          <a:lstStyle/>
+          <a:p>
+            <a:r>
+              <a:rPr lang="en-US" dirty="0" smtClean="0"/>
+              <a:t>Unsupervised </a:t>
+            </a:r>
+            <a:r>
+              <a:rPr lang="en-US" dirty="0" smtClean="0"/>
+              <a:t>Learning </a:t>
+            </a:r>
+            <a:r>
+              <a:rPr lang="en-US" dirty="0" smtClean="0"/>
+              <a:t>– Classification  </a:t>
+            </a:r>
+            <a:endParaRPr lang="en-US" dirty="0"/>
+          </a:p>
+        </p:txBody>
+      </p:sp>
+      <p:sp>
+        <p:nvSpPr>
+          <p:cNvPr id="3" name="Content Placeholder 2"/>
+          <p:cNvSpPr>
+            <a:spLocks noGrp="1"/>
+          </p:cNvSpPr>
+          <p:nvPr>
+            <p:ph idx="1"/>
+          </p:nvPr>
+        </p:nvSpPr>
+        <p:spPr/>
+        <p:txBody>
+          <a:bodyPr>
+            <a:normAutofit/>
+          </a:bodyPr>
+          <a:lstStyle/>
+          <a:p>
+            <a:r>
+              <a:rPr lang="en-IN" dirty="0" smtClean="0"/>
+              <a:t>Clustering</a:t>
+            </a:r>
+          </a:p>
+          <a:p>
+            <a:pPr lvl="1"/>
+            <a:r>
+              <a:rPr lang="en-IN" dirty="0" smtClean="0"/>
+              <a:t>Cluster </a:t>
+            </a:r>
+            <a:r>
+              <a:rPr lang="en-IN" dirty="0" smtClean="0"/>
+              <a:t>or group input </a:t>
+            </a:r>
+            <a:r>
+              <a:rPr lang="en-IN" dirty="0" smtClean="0"/>
+              <a:t>variables</a:t>
+            </a:r>
+          </a:p>
+          <a:p>
+            <a:r>
+              <a:rPr lang="en-IN" dirty="0" smtClean="0"/>
+              <a:t>Feature </a:t>
+            </a:r>
+            <a:r>
+              <a:rPr lang="en-IN" dirty="0" smtClean="0"/>
+              <a:t>learning</a:t>
+            </a:r>
+          </a:p>
+          <a:p>
+            <a:pPr lvl="1"/>
+            <a:r>
+              <a:rPr lang="en-IN" dirty="0" smtClean="0"/>
+              <a:t>Learn </a:t>
+            </a:r>
+            <a:r>
+              <a:rPr lang="en-IN" dirty="0" smtClean="0"/>
+              <a:t>features or patterns from input </a:t>
+            </a:r>
+            <a:r>
+              <a:rPr lang="en-IN" dirty="0" smtClean="0"/>
+              <a:t>variables</a:t>
+            </a:r>
+            <a:endParaRPr lang="en-IN" dirty="0" smtClean="0"/>
+          </a:p>
+          <a:p>
+            <a:r>
+              <a:rPr lang="en-IN" dirty="0" smtClean="0"/>
+              <a:t>Association </a:t>
+            </a:r>
+            <a:r>
+              <a:rPr lang="en-IN" dirty="0" smtClean="0"/>
+              <a:t>rules </a:t>
+            </a:r>
+            <a:r>
+              <a:rPr lang="en-IN" dirty="0" smtClean="0"/>
+              <a:t>learning </a:t>
+            </a:r>
+            <a:endParaRPr lang="en-IN" dirty="0" smtClean="0"/>
+          </a:p>
+          <a:p>
+            <a:pPr lvl="1"/>
+            <a:r>
+              <a:rPr lang="en-IN" dirty="0" smtClean="0"/>
+              <a:t>Find </a:t>
+            </a:r>
+            <a:r>
+              <a:rPr lang="en-IN" dirty="0" smtClean="0"/>
+              <a:t>relationships between input </a:t>
+            </a:r>
+            <a:r>
+              <a:rPr lang="en-IN" dirty="0" smtClean="0"/>
+              <a:t>variables</a:t>
+            </a:r>
+            <a:endParaRPr lang="en-US" dirty="0" smtClean="0"/>
+          </a:p>
+        </p:txBody>
+      </p:sp>
+    </p:spTree>
+  </p:cSld>
+  <p:clrMapOvr>
+    <a:masterClrMapping/>
+  </p:clrMapOvr>
+  <p:timing>
+    <p:tnLst>
+      <p:par>
+        <p:cTn id="1" dur="indefinite" restart="never" nodeType="tmRoot"/>
+      </p:par>
+    </p:tnLst>
+  </p:timing>
+</p:sld>
+</file>
+
+<file path=ppt/slides/slide17.xml><?xml version="1.0" encoding="utf-8"?>
+<p:sld xmlns:a="http://schemas.openxmlformats.org/drawingml/2006/main" xmlns:r="http://schemas.openxmlformats.org/officeDocument/2006/relationships" xmlns:p="http://schemas.openxmlformats.org/presentationml/2006/main">
+  <p:cSld>
+    <p:spTree>
+      <p:nvGrpSpPr>
+        <p:cNvPr id="1" name=""/>
+        <p:cNvGrpSpPr/>
+        <p:nvPr/>
+      </p:nvGrpSpPr>
+      <p:grpSpPr>
+        <a:xfrm>
+          <a:off x="0" y="0"/>
+          <a:ext cx="0" cy="0"/>
+          <a:chOff x="0" y="0"/>
+          <a:chExt cx="0" cy="0"/>
+        </a:xfrm>
+      </p:grpSpPr>
+      <p:sp>
+        <p:nvSpPr>
+          <p:cNvPr id="2" name="Title 1"/>
+          <p:cNvSpPr>
+            <a:spLocks noGrp="1"/>
+          </p:cNvSpPr>
+          <p:nvPr>
+            <p:ph type="title"/>
+          </p:nvPr>
+        </p:nvSpPr>
+        <p:spPr/>
+        <p:txBody>
+          <a:bodyPr>
+            <a:normAutofit/>
+          </a:bodyPr>
+          <a:lstStyle/>
+          <a:p>
+            <a:r>
+              <a:rPr lang="en-US" dirty="0" smtClean="0"/>
+              <a:t>Unsupervised </a:t>
+            </a:r>
+            <a:r>
+              <a:rPr lang="en-US" dirty="0" smtClean="0"/>
+              <a:t>Learning – Examples  </a:t>
+            </a:r>
+            <a:endParaRPr lang="en-US" dirty="0"/>
+          </a:p>
+        </p:txBody>
+      </p:sp>
+      <p:sp>
+        <p:nvSpPr>
+          <p:cNvPr id="3" name="Content Placeholder 2"/>
+          <p:cNvSpPr>
+            <a:spLocks noGrp="1"/>
+          </p:cNvSpPr>
+          <p:nvPr>
+            <p:ph idx="1"/>
+          </p:nvPr>
+        </p:nvSpPr>
+        <p:spPr/>
+        <p:txBody>
+          <a:bodyPr>
+            <a:normAutofit/>
+          </a:bodyPr>
+          <a:lstStyle/>
+          <a:p>
+            <a:r>
+              <a:rPr lang="en-IN" dirty="0" smtClean="0"/>
+              <a:t>Association </a:t>
+            </a:r>
+            <a:r>
+              <a:rPr lang="en-IN" dirty="0" smtClean="0"/>
+              <a:t>rule learning </a:t>
+            </a:r>
+          </a:p>
+          <a:p>
+            <a:r>
+              <a:rPr lang="en-IN" dirty="0" err="1" smtClean="0"/>
+              <a:t>Apriori</a:t>
+            </a:r>
+            <a:r>
+              <a:rPr lang="en-IN" dirty="0" smtClean="0"/>
+              <a:t> algorithm</a:t>
+            </a:r>
+            <a:endParaRPr lang="en-IN" dirty="0" smtClean="0"/>
+          </a:p>
+          <a:p>
+            <a:r>
+              <a:rPr lang="en-IN" dirty="0" smtClean="0"/>
+              <a:t>If a person buys Bread then he also buys </a:t>
+            </a:r>
+            <a:r>
+              <a:rPr lang="en-IN" dirty="0" smtClean="0"/>
+              <a:t>Jam.</a:t>
+            </a:r>
+          </a:p>
+          <a:p>
+            <a:pPr lvl="1"/>
+            <a:r>
+              <a:rPr lang="en-IN" dirty="0" smtClean="0"/>
+              <a:t>Bread </a:t>
+            </a:r>
+            <a:r>
+              <a:rPr lang="en-IN" dirty="0" smtClean="0"/>
+              <a:t>and Jam are bought together</a:t>
+            </a:r>
+          </a:p>
+          <a:p>
+            <a:r>
+              <a:rPr lang="en-IN" dirty="0" smtClean="0"/>
+              <a:t>If a person buys Laptop then he also buys </a:t>
+            </a:r>
+            <a:r>
+              <a:rPr lang="en-IN" dirty="0" smtClean="0"/>
+              <a:t>laptop </a:t>
+            </a:r>
+            <a:r>
+              <a:rPr lang="en-IN" dirty="0" smtClean="0"/>
+              <a:t>bag. </a:t>
+            </a:r>
+            <a:endParaRPr lang="en-IN" dirty="0" smtClean="0"/>
+          </a:p>
+          <a:p>
+            <a:pPr lvl="1"/>
+            <a:r>
+              <a:rPr lang="en-IN" dirty="0" smtClean="0"/>
+              <a:t>Laptop </a:t>
+            </a:r>
+            <a:r>
+              <a:rPr lang="en-IN" dirty="0" smtClean="0"/>
+              <a:t>and </a:t>
+            </a:r>
+            <a:r>
+              <a:rPr lang="en-IN" dirty="0" smtClean="0"/>
+              <a:t>laptop </a:t>
+            </a:r>
+            <a:r>
+              <a:rPr lang="en-IN" dirty="0" smtClean="0"/>
+              <a:t>bag are bought together</a:t>
+            </a:r>
+          </a:p>
+          <a:p>
+            <a:endParaRPr lang="en-US" dirty="0" smtClean="0"/>
+          </a:p>
+        </p:txBody>
+      </p:sp>
+    </p:spTree>
+  </p:cSld>
+  <p:clrMapOvr>
+    <a:masterClrMapping/>
+  </p:clrMapOvr>
+  <p:timing>
+    <p:tnLst>
+      <p:par>
+        <p:cTn id="1" dur="indefinite" restart="never" nodeType="tmRoot"/>
+      </p:par>
+    </p:tnLst>
+  </p:timing>
+</p:sld>
+</file>
+
+<file path=ppt/slides/slide18.xml><?xml version="1.0" encoding="utf-8"?>
+<p:sld xmlns:a="http://schemas.openxmlformats.org/drawingml/2006/main" xmlns:r="http://schemas.openxmlformats.org/officeDocument/2006/relationships" xmlns:p="http://schemas.openxmlformats.org/presentationml/2006/main">
+  <p:cSld>
+    <p:spTree>
+      <p:nvGrpSpPr>
+        <p:cNvPr id="1" name=""/>
+        <p:cNvGrpSpPr/>
+        <p:nvPr/>
+      </p:nvGrpSpPr>
+      <p:grpSpPr>
+        <a:xfrm>
+          <a:off x="0" y="0"/>
+          <a:ext cx="0" cy="0"/>
+          <a:chOff x="0" y="0"/>
+          <a:chExt cx="0" cy="0"/>
+        </a:xfrm>
+      </p:grpSpPr>
+      <p:sp>
+        <p:nvSpPr>
+          <p:cNvPr id="2" name="Title 1"/>
+          <p:cNvSpPr>
+            <a:spLocks noGrp="1"/>
+          </p:cNvSpPr>
+          <p:nvPr>
+            <p:ph type="title"/>
+          </p:nvPr>
+        </p:nvSpPr>
+        <p:spPr/>
+        <p:txBody>
+          <a:bodyPr>
+            <a:normAutofit/>
+          </a:bodyPr>
+          <a:lstStyle/>
+          <a:p>
+            <a:r>
+              <a:rPr lang="en-US" dirty="0" smtClean="0"/>
+              <a:t>Unsupervised </a:t>
+            </a:r>
+            <a:r>
+              <a:rPr lang="en-US" dirty="0" smtClean="0"/>
+              <a:t>Learning – Examples  </a:t>
+            </a:r>
+            <a:endParaRPr lang="en-US" dirty="0"/>
+          </a:p>
+        </p:txBody>
+      </p:sp>
+      <p:sp>
+        <p:nvSpPr>
+          <p:cNvPr id="3" name="Content Placeholder 2"/>
+          <p:cNvSpPr>
+            <a:spLocks noGrp="1"/>
+          </p:cNvSpPr>
+          <p:nvPr>
+            <p:ph idx="1"/>
+          </p:nvPr>
+        </p:nvSpPr>
+        <p:spPr/>
+        <p:txBody>
+          <a:bodyPr>
+            <a:normAutofit fontScale="92500" lnSpcReduction="10000"/>
+          </a:bodyPr>
+          <a:lstStyle/>
+          <a:p>
+            <a:r>
+              <a:rPr lang="en-IN" dirty="0" smtClean="0"/>
+              <a:t>Clustering</a:t>
+            </a:r>
+            <a:endParaRPr lang="en-IN" dirty="0" smtClean="0"/>
+          </a:p>
+          <a:p>
+            <a:r>
+              <a:rPr lang="en-IN" dirty="0" smtClean="0"/>
+              <a:t>Customer </a:t>
+            </a:r>
+            <a:r>
+              <a:rPr lang="en-IN" dirty="0" smtClean="0"/>
+              <a:t>segmentation for different shirt sizes</a:t>
+            </a:r>
+            <a:endParaRPr lang="en-IN" dirty="0" smtClean="0"/>
+          </a:p>
+          <a:p>
+            <a:pPr lvl="1"/>
+            <a:r>
+              <a:rPr lang="en-IN" dirty="0" smtClean="0"/>
+              <a:t>Input variables </a:t>
+            </a:r>
+            <a:endParaRPr lang="en-IN" dirty="0" smtClean="0"/>
+          </a:p>
+          <a:p>
+            <a:pPr lvl="2"/>
+            <a:r>
+              <a:rPr lang="en-IN" dirty="0" smtClean="0"/>
+              <a:t>Number of </a:t>
+            </a:r>
+            <a:r>
+              <a:rPr lang="en-IN" dirty="0" smtClean="0"/>
+              <a:t>size measurements for </a:t>
+            </a:r>
+            <a:r>
+              <a:rPr lang="en-IN" dirty="0" smtClean="0"/>
+              <a:t>customers</a:t>
+            </a:r>
+          </a:p>
+          <a:p>
+            <a:pPr lvl="1"/>
+            <a:r>
+              <a:rPr lang="en-IN" dirty="0" smtClean="0"/>
+              <a:t>Output </a:t>
+            </a:r>
+          </a:p>
+          <a:p>
+            <a:pPr lvl="2"/>
+            <a:r>
+              <a:rPr lang="en-IN" dirty="0" smtClean="0"/>
+              <a:t>Clustered number </a:t>
+            </a:r>
+            <a:r>
+              <a:rPr lang="en-IN" dirty="0" smtClean="0"/>
+              <a:t>of shirt sizes </a:t>
+            </a:r>
+            <a:r>
+              <a:rPr lang="en-IN" dirty="0" smtClean="0"/>
+              <a:t>(small, </a:t>
+            </a:r>
+            <a:r>
+              <a:rPr lang="en-IN" dirty="0" smtClean="0"/>
+              <a:t>medium, </a:t>
+            </a:r>
+            <a:r>
+              <a:rPr lang="en-IN" dirty="0" smtClean="0"/>
+              <a:t>and large)</a:t>
+            </a:r>
+            <a:endParaRPr lang="en-IN" dirty="0" smtClean="0"/>
+          </a:p>
+          <a:p>
+            <a:pPr lvl="1"/>
+            <a:r>
+              <a:rPr lang="en-IN" dirty="0" smtClean="0"/>
+              <a:t>Optimization function </a:t>
+            </a:r>
+            <a:endParaRPr lang="en-IN" dirty="0" smtClean="0"/>
+          </a:p>
+          <a:p>
+            <a:pPr lvl="2"/>
+            <a:r>
+              <a:rPr lang="en-IN" dirty="0" smtClean="0"/>
+              <a:t>No </a:t>
+            </a:r>
+            <a:r>
+              <a:rPr lang="en-IN" dirty="0" smtClean="0"/>
+              <a:t>accuracy</a:t>
+            </a:r>
+          </a:p>
+          <a:p>
+            <a:pPr lvl="2"/>
+            <a:r>
+              <a:rPr lang="en-IN" dirty="0" smtClean="0"/>
+              <a:t>Decrease distance between samples from same cluster</a:t>
+            </a:r>
+          </a:p>
+          <a:p>
+            <a:pPr lvl="2"/>
+            <a:r>
+              <a:rPr lang="en-IN" dirty="0" smtClean="0"/>
+              <a:t>Increase distance between samples from different </a:t>
+            </a:r>
+            <a:r>
+              <a:rPr lang="en-IN" dirty="0" smtClean="0"/>
+              <a:t>clusters</a:t>
+            </a:r>
+            <a:endParaRPr lang="en-US" dirty="0" smtClean="0"/>
+          </a:p>
+        </p:txBody>
+      </p:sp>
+    </p:spTree>
+  </p:cSld>
+  <p:clrMapOvr>
+    <a:masterClrMapping/>
+  </p:clrMapOvr>
+  <p:timing>
+    <p:tnLst>
+      <p:par>
+        <p:cTn id="1" dur="indefinite" restart="never" nodeType="tmRoot"/>
+      </p:par>
+    </p:tnLst>
+  </p:timing>
+</p:sld>
+</file>
+
+<file path=ppt/slides/slide19.xml><?xml version="1.0" encoding="utf-8"?>
+<p:sld xmlns:a="http://schemas.openxmlformats.org/drawingml/2006/main" xmlns:r="http://schemas.openxmlformats.org/officeDocument/2006/relationships" xmlns:p="http://schemas.openxmlformats.org/presentationml/2006/main">
+  <p:cSld>
+    <p:spTree>
+      <p:nvGrpSpPr>
+        <p:cNvPr id="1" name=""/>
+        <p:cNvGrpSpPr/>
+        <p:nvPr/>
+      </p:nvGrpSpPr>
+      <p:grpSpPr>
+        <a:xfrm>
+          <a:off x="0" y="0"/>
+          <a:ext cx="0" cy="0"/>
+          <a:chOff x="0" y="0"/>
+          <a:chExt cx="0" cy="0"/>
+        </a:xfrm>
+      </p:grpSpPr>
+      <p:sp>
+        <p:nvSpPr>
+          <p:cNvPr id="2" name="Title 1"/>
+          <p:cNvSpPr>
+            <a:spLocks noGrp="1"/>
+          </p:cNvSpPr>
+          <p:nvPr>
+            <p:ph type="title"/>
+          </p:nvPr>
+        </p:nvSpPr>
+        <p:spPr/>
+        <p:txBody>
+          <a:bodyPr>
+            <a:normAutofit/>
+          </a:bodyPr>
+          <a:lstStyle/>
+          <a:p>
+            <a:r>
+              <a:rPr lang="en-US" dirty="0" smtClean="0"/>
+              <a:t>Unsupervised </a:t>
+            </a:r>
+            <a:r>
+              <a:rPr lang="en-US" dirty="0" smtClean="0"/>
+              <a:t>Learning – Examples  </a:t>
+            </a:r>
+            <a:endParaRPr lang="en-US" dirty="0"/>
+          </a:p>
+        </p:txBody>
+      </p:sp>
+      <p:sp>
+        <p:nvSpPr>
+          <p:cNvPr id="3" name="Content Placeholder 2"/>
+          <p:cNvSpPr>
+            <a:spLocks noGrp="1"/>
+          </p:cNvSpPr>
+          <p:nvPr>
+            <p:ph idx="1"/>
+          </p:nvPr>
+        </p:nvSpPr>
+        <p:spPr/>
+        <p:txBody>
+          <a:bodyPr>
+            <a:normAutofit/>
+          </a:bodyPr>
+          <a:lstStyle/>
+          <a:p>
+            <a:r>
+              <a:rPr lang="en-IN" dirty="0" smtClean="0"/>
+              <a:t>Feature learning</a:t>
+            </a:r>
+          </a:p>
+          <a:p>
+            <a:r>
+              <a:rPr lang="en-IN" dirty="0" smtClean="0"/>
+              <a:t>Anomaly </a:t>
+            </a:r>
+            <a:r>
+              <a:rPr lang="en-IN" dirty="0" smtClean="0"/>
+              <a:t>detection</a:t>
+            </a:r>
+            <a:endParaRPr lang="en-IN" dirty="0" smtClean="0"/>
+          </a:p>
+          <a:p>
+            <a:pPr lvl="1"/>
+            <a:r>
+              <a:rPr lang="en-IN" dirty="0" smtClean="0"/>
+              <a:t>Use </a:t>
+            </a:r>
+            <a:r>
+              <a:rPr lang="en-IN" dirty="0" smtClean="0"/>
+              <a:t>auto-encoder </a:t>
+            </a:r>
+            <a:r>
+              <a:rPr lang="en-IN" dirty="0" smtClean="0"/>
+              <a:t>for feature learning</a:t>
+            </a:r>
+          </a:p>
+          <a:p>
+            <a:pPr lvl="1"/>
+            <a:r>
+              <a:rPr lang="en-IN" dirty="0" smtClean="0"/>
+              <a:t>Detect anomaly using reconstruction error and threshold</a:t>
+            </a:r>
+            <a:endParaRPr lang="en-US" dirty="0" smtClean="0"/>
+          </a:p>
+        </p:txBody>
+      </p:sp>
+    </p:spTree>
+  </p:cSld>
+  <p:clrMapOvr>
+    <a:masterClrMapping/>
+  </p:clrMapOvr>
+  <p:timing>
+    <p:tnLst>
+      <p:par>
+        <p:cTn id="1" dur="indefinite" restart="never" nodeType="tmRoot"/>
+      </p:par>
+    </p:tnLst>
+  </p:timing>
+</p:sld>
+</file>
+
 <file path=ppt/slides/slide2.xml><?xml version="1.0" encoding="utf-8"?>
 <p:sld xmlns:a="http://schemas.openxmlformats.org/drawingml/2006/main" xmlns:r="http://schemas.openxmlformats.org/officeDocument/2006/relationships" xmlns:p="http://schemas.openxmlformats.org/presentationml/2006/main">
   <p:cSld>
@@ -3559,18 +5022,109 @@
           <a:p>
             <a:r>
               <a:rPr lang="en-US" dirty="0" smtClean="0"/>
-              <a:t>AI Classification</a:t>
+              <a:t>AI </a:t>
+            </a:r>
+            <a:r>
+              <a:rPr lang="en-US" dirty="0" smtClean="0"/>
+              <a:t>Classification</a:t>
+            </a:r>
+          </a:p>
+          <a:p>
+            <a:r>
+              <a:rPr lang="en-US" dirty="0" smtClean="0"/>
+              <a:t>Machine Learning – What </a:t>
+            </a:r>
+            <a:r>
+              <a:rPr lang="en-US" dirty="0" smtClean="0"/>
+              <a:t>?</a:t>
+            </a:r>
+          </a:p>
+          <a:p>
+            <a:r>
+              <a:rPr lang="en-US" dirty="0" smtClean="0"/>
+              <a:t>ML Classification</a:t>
             </a:r>
             <a:endParaRPr lang="en-US" dirty="0" smtClean="0"/>
           </a:p>
           <a:p>
-            <a:r>
-              <a:rPr lang="en-US" dirty="0" smtClean="0"/>
-              <a:t>Conclusions</a:t>
-            </a:r>
-            <a:endParaRPr lang="en-US" dirty="0" smtClean="0"/>
-          </a:p>
-          <a:p>
+            <a:endParaRPr lang="en-US" dirty="0"/>
+          </a:p>
+        </p:txBody>
+      </p:sp>
+    </p:spTree>
+  </p:cSld>
+  <p:clrMapOvr>
+    <a:masterClrMapping/>
+  </p:clrMapOvr>
+  <p:timing>
+    <p:tnLst>
+      <p:par>
+        <p:cTn id="1" dur="indefinite" restart="never" nodeType="tmRoot"/>
+      </p:par>
+    </p:tnLst>
+  </p:timing>
+</p:sld>
+</file>
+
+<file path=ppt/slides/slide20.xml><?xml version="1.0" encoding="utf-8"?>
+<p:sld xmlns:a="http://schemas.openxmlformats.org/drawingml/2006/main" xmlns:r="http://schemas.openxmlformats.org/officeDocument/2006/relationships" xmlns:p="http://schemas.openxmlformats.org/presentationml/2006/main">
+  <p:cSld>
+    <p:spTree>
+      <p:nvGrpSpPr>
+        <p:cNvPr id="1" name=""/>
+        <p:cNvGrpSpPr/>
+        <p:nvPr/>
+      </p:nvGrpSpPr>
+      <p:grpSpPr>
+        <a:xfrm>
+          <a:off x="0" y="0"/>
+          <a:ext cx="0" cy="0"/>
+          <a:chOff x="0" y="0"/>
+          <a:chExt cx="0" cy="0"/>
+        </a:xfrm>
+      </p:grpSpPr>
+      <p:sp>
+        <p:nvSpPr>
+          <p:cNvPr id="2" name="Title 1"/>
+          <p:cNvSpPr>
+            <a:spLocks noGrp="1"/>
+          </p:cNvSpPr>
+          <p:nvPr>
+            <p:ph type="ctrTitle"/>
+          </p:nvPr>
+        </p:nvSpPr>
+        <p:spPr/>
+        <p:txBody>
+          <a:bodyPr/>
+          <a:lstStyle/>
+          <a:p>
+            <a:r>
+              <a:rPr lang="en-US" dirty="0" smtClean="0"/>
+              <a:t>Questions?</a:t>
+            </a:r>
+            <a:endParaRPr lang="en-US" dirty="0"/>
+          </a:p>
+        </p:txBody>
+      </p:sp>
+      <p:sp>
+        <p:nvSpPr>
+          <p:cNvPr id="3" name="Subtitle 2"/>
+          <p:cNvSpPr>
+            <a:spLocks noGrp="1"/>
+          </p:cNvSpPr>
+          <p:nvPr>
+            <p:ph type="subTitle" idx="1"/>
+          </p:nvPr>
+        </p:nvSpPr>
+        <p:spPr/>
+        <p:txBody>
+          <a:bodyPr/>
+          <a:lstStyle/>
+          <a:p>
+            <a:r>
+              <a:rPr lang="en-US" dirty="0" smtClean="0"/>
+              <a:t>Thank you</a:t>
+            </a:r>
             <a:endParaRPr lang="en-US" dirty="0"/>
           </a:p>
         </p:txBody>
@@ -3741,7 +5295,11 @@
           <a:p>
             <a:r>
               <a:rPr lang="en-US" dirty="0" smtClean="0"/>
-              <a:t>AI Classification  </a:t>
+              <a:t>AI </a:t>
+            </a:r>
+            <a:r>
+              <a:rPr lang="en-US" dirty="0" smtClean="0"/>
+              <a:t>Classification (1)  </a:t>
             </a:r>
             <a:endParaRPr lang="en-US" dirty="0"/>
           </a:p>
@@ -3880,17 +5438,19 @@
             <a:spLocks noGrp="1"/>
           </p:cNvSpPr>
           <p:nvPr>
-            <p:ph type="ctrTitle"/>
-          </p:nvPr>
-        </p:nvSpPr>
-        <p:spPr/>
-        <p:txBody>
-          <a:bodyPr/>
-          <a:lstStyle/>
-          <a:p>
-            <a:r>
-              <a:rPr lang="en-US" dirty="0" smtClean="0"/>
-              <a:t>Questions?</a:t>
+            <p:ph type="title"/>
+          </p:nvPr>
+        </p:nvSpPr>
+        <p:spPr/>
+        <p:txBody>
+          <a:bodyPr>
+            <a:normAutofit/>
+          </a:bodyPr>
+          <a:lstStyle/>
+          <a:p>
+            <a:r>
+              <a:rPr lang="en-US" dirty="0" smtClean="0"/>
+              <a:t>Artificial Narrow Intelligence  </a:t>
             </a:r>
             <a:endParaRPr lang="en-US" dirty="0"/>
           </a:p>
@@ -3898,24 +5458,577 @@
       </p:sp>
       <p:sp>
         <p:nvSpPr>
-          <p:cNvPr id="3" name="Subtitle 2"/>
-          <p:cNvSpPr>
-            <a:spLocks noGrp="1"/>
-          </p:cNvSpPr>
-          <p:nvPr>
-            <p:ph type="subTitle" idx="1"/>
-          </p:nvPr>
-        </p:nvSpPr>
-        <p:spPr/>
-        <p:txBody>
-          <a:bodyPr/>
-          <a:lstStyle/>
-          <a:p>
-            <a:r>
-              <a:rPr lang="en-US" dirty="0" smtClean="0"/>
-              <a:t>Thank you</a:t>
+          <p:cNvPr id="3" name="Content Placeholder 2"/>
+          <p:cNvSpPr>
+            <a:spLocks noGrp="1"/>
+          </p:cNvSpPr>
+          <p:nvPr>
+            <p:ph idx="1"/>
+          </p:nvPr>
+        </p:nvSpPr>
+        <p:spPr/>
+        <p:txBody>
+          <a:bodyPr>
+            <a:normAutofit/>
+          </a:bodyPr>
+          <a:lstStyle/>
+          <a:p>
+            <a:r>
+              <a:rPr lang="en-IN" dirty="0" smtClean="0"/>
+              <a:t>Solve one specific problem</a:t>
+            </a:r>
+          </a:p>
+          <a:p>
+            <a:r>
+              <a:rPr lang="en-IN" dirty="0" smtClean="0"/>
+              <a:t>Surpass human level performance</a:t>
+            </a:r>
+          </a:p>
+          <a:p>
+            <a:r>
+              <a:rPr lang="en-IN" dirty="0" smtClean="0"/>
+              <a:t>Narrow capabilities in controlled environments</a:t>
+            </a:r>
+          </a:p>
+          <a:p>
+            <a:r>
+              <a:rPr lang="en-IN" dirty="0" smtClean="0"/>
+              <a:t>Examples – Face recognition, </a:t>
+            </a:r>
+            <a:r>
+              <a:rPr lang="en-IN" dirty="0" smtClean="0"/>
+              <a:t>automatic number plate </a:t>
+            </a:r>
+            <a:r>
+              <a:rPr lang="en-IN" dirty="0" smtClean="0"/>
+              <a:t>recognition</a:t>
+            </a:r>
+            <a:endParaRPr lang="en-US" dirty="0" smtClean="0"/>
+          </a:p>
+        </p:txBody>
+      </p:sp>
+    </p:spTree>
+  </p:cSld>
+  <p:clrMapOvr>
+    <a:masterClrMapping/>
+  </p:clrMapOvr>
+  <p:timing>
+    <p:tnLst>
+      <p:par>
+        <p:cTn id="1" dur="indefinite" restart="never" nodeType="tmRoot"/>
+      </p:par>
+    </p:tnLst>
+  </p:timing>
+</p:sld>
+</file>
+
+<file path=ppt/slides/slide6.xml><?xml version="1.0" encoding="utf-8"?>
+<p:sld xmlns:a="http://schemas.openxmlformats.org/drawingml/2006/main" xmlns:r="http://schemas.openxmlformats.org/officeDocument/2006/relationships" xmlns:p="http://schemas.openxmlformats.org/presentationml/2006/main">
+  <p:cSld>
+    <p:spTree>
+      <p:nvGrpSpPr>
+        <p:cNvPr id="1" name=""/>
+        <p:cNvGrpSpPr/>
+        <p:nvPr/>
+      </p:nvGrpSpPr>
+      <p:grpSpPr>
+        <a:xfrm>
+          <a:off x="0" y="0"/>
+          <a:ext cx="0" cy="0"/>
+          <a:chOff x="0" y="0"/>
+          <a:chExt cx="0" cy="0"/>
+        </a:xfrm>
+      </p:grpSpPr>
+      <p:sp>
+        <p:nvSpPr>
+          <p:cNvPr id="2" name="Title 1"/>
+          <p:cNvSpPr>
+            <a:spLocks noGrp="1"/>
+          </p:cNvSpPr>
+          <p:nvPr>
+            <p:ph type="title"/>
+          </p:nvPr>
+        </p:nvSpPr>
+        <p:spPr/>
+        <p:txBody>
+          <a:bodyPr>
+            <a:normAutofit/>
+          </a:bodyPr>
+          <a:lstStyle/>
+          <a:p>
+            <a:r>
+              <a:rPr lang="en-US" dirty="0" smtClean="0"/>
+              <a:t>Artificial General Intelligence  </a:t>
             </a:r>
             <a:endParaRPr lang="en-US" dirty="0"/>
+          </a:p>
+        </p:txBody>
+      </p:sp>
+      <p:sp>
+        <p:nvSpPr>
+          <p:cNvPr id="3" name="Content Placeholder 2"/>
+          <p:cNvSpPr>
+            <a:spLocks noGrp="1"/>
+          </p:cNvSpPr>
+          <p:nvPr>
+            <p:ph idx="1"/>
+          </p:nvPr>
+        </p:nvSpPr>
+        <p:spPr/>
+        <p:txBody>
+          <a:bodyPr>
+            <a:normAutofit/>
+          </a:bodyPr>
+          <a:lstStyle/>
+          <a:p>
+            <a:r>
+              <a:rPr lang="en-IN" dirty="0" smtClean="0"/>
+              <a:t>Do anything a human can do</a:t>
+            </a:r>
+          </a:p>
+          <a:p>
+            <a:r>
+              <a:rPr lang="en-IN" dirty="0" smtClean="0"/>
+              <a:t>Theoretical concept</a:t>
+            </a:r>
+          </a:p>
+          <a:p>
+            <a:r>
+              <a:rPr lang="en-IN" dirty="0" smtClean="0"/>
+              <a:t>Collection of many Artificial Narrow Intelligence systems</a:t>
+            </a:r>
+            <a:endParaRPr lang="en-US" dirty="0" smtClean="0"/>
+          </a:p>
+        </p:txBody>
+      </p:sp>
+    </p:spTree>
+  </p:cSld>
+  <p:clrMapOvr>
+    <a:masterClrMapping/>
+  </p:clrMapOvr>
+  <p:timing>
+    <p:tnLst>
+      <p:par>
+        <p:cTn id="1" dur="indefinite" restart="never" nodeType="tmRoot"/>
+      </p:par>
+    </p:tnLst>
+  </p:timing>
+</p:sld>
+</file>
+
+<file path=ppt/slides/slide7.xml><?xml version="1.0" encoding="utf-8"?>
+<p:sld xmlns:a="http://schemas.openxmlformats.org/drawingml/2006/main" xmlns:r="http://schemas.openxmlformats.org/officeDocument/2006/relationships" xmlns:p="http://schemas.openxmlformats.org/presentationml/2006/main">
+  <p:cSld>
+    <p:spTree>
+      <p:nvGrpSpPr>
+        <p:cNvPr id="1" name=""/>
+        <p:cNvGrpSpPr/>
+        <p:nvPr/>
+      </p:nvGrpSpPr>
+      <p:grpSpPr>
+        <a:xfrm>
+          <a:off x="0" y="0"/>
+          <a:ext cx="0" cy="0"/>
+          <a:chOff x="0" y="0"/>
+          <a:chExt cx="0" cy="0"/>
+        </a:xfrm>
+      </p:grpSpPr>
+      <p:sp>
+        <p:nvSpPr>
+          <p:cNvPr id="2" name="Title 1"/>
+          <p:cNvSpPr>
+            <a:spLocks noGrp="1"/>
+          </p:cNvSpPr>
+          <p:nvPr>
+            <p:ph type="title"/>
+          </p:nvPr>
+        </p:nvSpPr>
+        <p:spPr/>
+        <p:txBody>
+          <a:bodyPr>
+            <a:normAutofit/>
+          </a:bodyPr>
+          <a:lstStyle/>
+          <a:p>
+            <a:r>
+              <a:rPr lang="en-US" dirty="0" smtClean="0"/>
+              <a:t>Artificial Super Intelligence  </a:t>
+            </a:r>
+            <a:endParaRPr lang="en-US" dirty="0"/>
+          </a:p>
+        </p:txBody>
+      </p:sp>
+      <p:sp>
+        <p:nvSpPr>
+          <p:cNvPr id="3" name="Content Placeholder 2"/>
+          <p:cNvSpPr>
+            <a:spLocks noGrp="1"/>
+          </p:cNvSpPr>
+          <p:nvPr>
+            <p:ph idx="1"/>
+          </p:nvPr>
+        </p:nvSpPr>
+        <p:spPr/>
+        <p:txBody>
+          <a:bodyPr>
+            <a:normAutofit/>
+          </a:bodyPr>
+          <a:lstStyle/>
+          <a:p>
+            <a:r>
+              <a:rPr lang="en-IN" dirty="0" smtClean="0"/>
+              <a:t>Surpass all human capabilities</a:t>
+            </a:r>
+          </a:p>
+          <a:p>
+            <a:r>
+              <a:rPr lang="en-IN" dirty="0" smtClean="0"/>
+              <a:t>Do even more things than any human can do</a:t>
+            </a:r>
+          </a:p>
+          <a:p>
+            <a:r>
+              <a:rPr lang="en-IN" dirty="0" smtClean="0"/>
+              <a:t>Relatively narrow gap between AGI and </a:t>
+            </a:r>
+            <a:r>
+              <a:rPr lang="en-IN" dirty="0" smtClean="0"/>
+              <a:t>ASI</a:t>
+            </a:r>
+          </a:p>
+          <a:p>
+            <a:r>
+              <a:rPr lang="en-IN" dirty="0" smtClean="0"/>
+              <a:t>A nanosecond from AGI to ASI</a:t>
+            </a:r>
+            <a:endParaRPr lang="en-US" dirty="0" smtClean="0"/>
+          </a:p>
+        </p:txBody>
+      </p:sp>
+    </p:spTree>
+  </p:cSld>
+  <p:clrMapOvr>
+    <a:masterClrMapping/>
+  </p:clrMapOvr>
+  <p:timing>
+    <p:tnLst>
+      <p:par>
+        <p:cTn id="1" dur="indefinite" restart="never" nodeType="tmRoot"/>
+      </p:par>
+    </p:tnLst>
+  </p:timing>
+</p:sld>
+</file>
+
+<file path=ppt/slides/slide8.xml><?xml version="1.0" encoding="utf-8"?>
+<p:sld xmlns:a="http://schemas.openxmlformats.org/drawingml/2006/main" xmlns:r="http://schemas.openxmlformats.org/officeDocument/2006/relationships" xmlns:p="http://schemas.openxmlformats.org/presentationml/2006/main">
+  <p:cSld>
+    <p:spTree>
+      <p:nvGrpSpPr>
+        <p:cNvPr id="1" name=""/>
+        <p:cNvGrpSpPr/>
+        <p:nvPr/>
+      </p:nvGrpSpPr>
+      <p:grpSpPr>
+        <a:xfrm>
+          <a:off x="0" y="0"/>
+          <a:ext cx="0" cy="0"/>
+          <a:chOff x="0" y="0"/>
+          <a:chExt cx="0" cy="0"/>
+        </a:xfrm>
+      </p:grpSpPr>
+      <p:sp>
+        <p:nvSpPr>
+          <p:cNvPr id="2" name="Title 1"/>
+          <p:cNvSpPr>
+            <a:spLocks noGrp="1"/>
+          </p:cNvSpPr>
+          <p:nvPr>
+            <p:ph type="title"/>
+          </p:nvPr>
+        </p:nvSpPr>
+        <p:spPr/>
+        <p:txBody>
+          <a:bodyPr>
+            <a:normAutofit/>
+          </a:bodyPr>
+          <a:lstStyle/>
+          <a:p>
+            <a:r>
+              <a:rPr lang="en-US" dirty="0" smtClean="0"/>
+              <a:t>AI </a:t>
+            </a:r>
+            <a:r>
+              <a:rPr lang="en-US" dirty="0" smtClean="0"/>
+              <a:t>Classification (2)  </a:t>
+            </a:r>
+            <a:endParaRPr lang="en-US" dirty="0"/>
+          </a:p>
+        </p:txBody>
+      </p:sp>
+      <p:sp>
+        <p:nvSpPr>
+          <p:cNvPr id="3" name="Content Placeholder 2"/>
+          <p:cNvSpPr>
+            <a:spLocks noGrp="1"/>
+          </p:cNvSpPr>
+          <p:nvPr>
+            <p:ph idx="1"/>
+          </p:nvPr>
+        </p:nvSpPr>
+        <p:spPr/>
+        <p:txBody>
+          <a:bodyPr>
+            <a:normAutofit/>
+          </a:bodyPr>
+          <a:lstStyle/>
+          <a:p>
+            <a:r>
+              <a:rPr lang="en-US" dirty="0" smtClean="0"/>
+              <a:t>Weak </a:t>
+            </a:r>
+            <a:r>
+              <a:rPr lang="en-US" dirty="0" smtClean="0"/>
+              <a:t>AI</a:t>
+            </a:r>
+          </a:p>
+          <a:p>
+            <a:pPr lvl="1"/>
+            <a:r>
+              <a:rPr lang="en-US" dirty="0" smtClean="0"/>
+              <a:t>Artificial Narrow Intelligence</a:t>
+            </a:r>
+          </a:p>
+          <a:p>
+            <a:r>
+              <a:rPr lang="en-US" dirty="0" smtClean="0"/>
+              <a:t>Strong </a:t>
+            </a:r>
+            <a:r>
+              <a:rPr lang="en-US" dirty="0" smtClean="0"/>
+              <a:t>AI</a:t>
+            </a:r>
+          </a:p>
+          <a:p>
+            <a:pPr lvl="1"/>
+            <a:r>
+              <a:rPr lang="en-US" dirty="0" smtClean="0"/>
+              <a:t>Artificial General Intelligence</a:t>
+            </a:r>
+          </a:p>
+          <a:p>
+            <a:pPr lvl="1"/>
+            <a:r>
+              <a:rPr lang="en-US" dirty="0" smtClean="0"/>
+              <a:t>Artificial Super Intelligence</a:t>
+            </a:r>
+            <a:endParaRPr lang="en-US" dirty="0" smtClean="0"/>
+          </a:p>
+        </p:txBody>
+      </p:sp>
+    </p:spTree>
+  </p:cSld>
+  <p:clrMapOvr>
+    <a:masterClrMapping/>
+  </p:clrMapOvr>
+  <p:timing>
+    <p:tnLst>
+      <p:par>
+        <p:cTn id="1" dur="indefinite" restart="never" nodeType="tmRoot"/>
+      </p:par>
+    </p:tnLst>
+  </p:timing>
+</p:sld>
+</file>
+
+<file path=ppt/slides/slide9.xml><?xml version="1.0" encoding="utf-8"?>
+<p:sld xmlns:a="http://schemas.openxmlformats.org/drawingml/2006/main" xmlns:r="http://schemas.openxmlformats.org/officeDocument/2006/relationships" xmlns:p="http://schemas.openxmlformats.org/presentationml/2006/main">
+  <p:cSld>
+    <p:spTree>
+      <p:nvGrpSpPr>
+        <p:cNvPr id="1" name=""/>
+        <p:cNvGrpSpPr/>
+        <p:nvPr/>
+      </p:nvGrpSpPr>
+      <p:grpSpPr>
+        <a:xfrm>
+          <a:off x="0" y="0"/>
+          <a:ext cx="0" cy="0"/>
+          <a:chOff x="0" y="0"/>
+          <a:chExt cx="0" cy="0"/>
+        </a:xfrm>
+      </p:grpSpPr>
+      <p:sp>
+        <p:nvSpPr>
+          <p:cNvPr id="2" name="Title 1"/>
+          <p:cNvSpPr>
+            <a:spLocks noGrp="1"/>
+          </p:cNvSpPr>
+          <p:nvPr>
+            <p:ph type="title"/>
+          </p:nvPr>
+        </p:nvSpPr>
+        <p:spPr/>
+        <p:txBody>
+          <a:bodyPr>
+            <a:normAutofit/>
+          </a:bodyPr>
+          <a:lstStyle/>
+          <a:p>
+            <a:r>
+              <a:rPr lang="en-US" dirty="0" smtClean="0"/>
+              <a:t>Machine </a:t>
+            </a:r>
+            <a:r>
+              <a:rPr lang="en-US" dirty="0" smtClean="0"/>
+              <a:t>Learning </a:t>
+            </a:r>
+            <a:r>
+              <a:rPr lang="en-US" dirty="0" smtClean="0"/>
+              <a:t>– What ?  </a:t>
+            </a:r>
+            <a:endParaRPr lang="en-US" dirty="0"/>
+          </a:p>
+        </p:txBody>
+      </p:sp>
+      <p:sp>
+        <p:nvSpPr>
+          <p:cNvPr id="3" name="Content Placeholder 2"/>
+          <p:cNvSpPr>
+            <a:spLocks noGrp="1"/>
+          </p:cNvSpPr>
+          <p:nvPr>
+            <p:ph idx="1"/>
+          </p:nvPr>
+        </p:nvSpPr>
+        <p:spPr/>
+        <p:txBody>
+          <a:bodyPr>
+            <a:normAutofit/>
+          </a:bodyPr>
+          <a:lstStyle/>
+          <a:p>
+            <a:r>
+              <a:rPr lang="en-IN" dirty="0" smtClean="0"/>
+              <a:t>Improve through experience using data</a:t>
+            </a:r>
+          </a:p>
+          <a:p>
+            <a:r>
+              <a:rPr lang="en-IN" dirty="0" smtClean="0"/>
+              <a:t>A machine is said to learn from </a:t>
+            </a:r>
+            <a:r>
+              <a:rPr lang="en-IN" dirty="0" smtClean="0">
+                <a:solidFill>
+                  <a:srgbClr val="00B050"/>
+                </a:solidFill>
+              </a:rPr>
+              <a:t>experience E</a:t>
+            </a:r>
+            <a:r>
+              <a:rPr lang="en-IN" dirty="0" smtClean="0"/>
+              <a:t> with respect to some class of </a:t>
+            </a:r>
+            <a:r>
+              <a:rPr lang="en-IN" dirty="0" smtClean="0">
+                <a:solidFill>
+                  <a:srgbClr val="00B050"/>
+                </a:solidFill>
+              </a:rPr>
+              <a:t>tasks T</a:t>
+            </a:r>
+            <a:r>
+              <a:rPr lang="en-IN" dirty="0" smtClean="0"/>
+              <a:t> and </a:t>
+            </a:r>
+            <a:r>
+              <a:rPr lang="en-IN" dirty="0" smtClean="0">
+                <a:solidFill>
+                  <a:srgbClr val="00B050"/>
+                </a:solidFill>
+              </a:rPr>
+              <a:t>performance measure </a:t>
+            </a:r>
+            <a:r>
+              <a:rPr lang="en-IN" dirty="0" smtClean="0">
+                <a:solidFill>
+                  <a:srgbClr val="00B050"/>
+                </a:solidFill>
+              </a:rPr>
+              <a:t>P</a:t>
+            </a:r>
+            <a:r>
+              <a:rPr lang="en-IN" dirty="0" smtClean="0"/>
+              <a:t>.</a:t>
+            </a:r>
+            <a:r>
+              <a:rPr lang="en-IN" dirty="0" smtClean="0">
+                <a:solidFill>
+                  <a:srgbClr val="00B050"/>
+                </a:solidFill>
+              </a:rPr>
+              <a:t> </a:t>
+            </a:r>
+          </a:p>
+          <a:p>
+            <a:r>
+              <a:rPr lang="en-IN" dirty="0" smtClean="0"/>
+              <a:t>If </a:t>
+            </a:r>
+            <a:r>
+              <a:rPr lang="en-IN" dirty="0" smtClean="0"/>
+              <a:t>its performance at </a:t>
+            </a:r>
+            <a:r>
+              <a:rPr lang="en-IN" dirty="0" smtClean="0">
+                <a:solidFill>
+                  <a:srgbClr val="00B050"/>
+                </a:solidFill>
+              </a:rPr>
+              <a:t>tasks</a:t>
+            </a:r>
+            <a:r>
+              <a:rPr lang="en-IN" dirty="0" smtClean="0"/>
+              <a:t> in </a:t>
+            </a:r>
+            <a:r>
+              <a:rPr lang="en-IN" dirty="0" smtClean="0">
+                <a:solidFill>
+                  <a:srgbClr val="00B050"/>
+                </a:solidFill>
+              </a:rPr>
+              <a:t>T</a:t>
+            </a:r>
+            <a:r>
+              <a:rPr lang="en-IN" dirty="0" smtClean="0"/>
+              <a:t>, as measured by </a:t>
+            </a:r>
+            <a:r>
+              <a:rPr lang="en-IN" dirty="0" smtClean="0">
+                <a:solidFill>
+                  <a:srgbClr val="00B050"/>
+                </a:solidFill>
+              </a:rPr>
+              <a:t>P</a:t>
+            </a:r>
+            <a:r>
+              <a:rPr lang="en-IN" dirty="0" smtClean="0"/>
+              <a:t>, improves with </a:t>
+            </a:r>
+            <a:r>
+              <a:rPr lang="en-IN" dirty="0" smtClean="0">
+                <a:solidFill>
+                  <a:srgbClr val="00B050"/>
+                </a:solidFill>
+              </a:rPr>
+              <a:t>experience E</a:t>
+            </a:r>
+            <a:r>
+              <a:rPr lang="en-IN" dirty="0" smtClean="0"/>
+              <a:t>.</a:t>
+            </a:r>
+            <a:endParaRPr lang="en-US" dirty="0" smtClean="0"/>
           </a:p>
         </p:txBody>
       </p:sp>

--- a/presentations/AI/ArtificialIntelligence.pptx
+++ b/presentations/AI/ArtificialIntelligence.pptx
@@ -5,7 +5,7 @@
     <p:sldMasterId id="2147483648" r:id="rId1"/>
   </p:sldMasterIdLst>
   <p:notesMasterIdLst>
-    <p:notesMasterId r:id="rId22"/>
+    <p:notesMasterId r:id="rId42"/>
   </p:notesMasterIdLst>
   <p:sldIdLst>
     <p:sldId id="256" r:id="rId2"/>
@@ -13,21 +13,41 @@
     <p:sldId id="427" r:id="rId4"/>
     <p:sldId id="428" r:id="rId5"/>
     <p:sldId id="429" r:id="rId6"/>
-    <p:sldId id="430" r:id="rId7"/>
-    <p:sldId id="431" r:id="rId8"/>
-    <p:sldId id="432" r:id="rId9"/>
-    <p:sldId id="433" r:id="rId10"/>
-    <p:sldId id="434" r:id="rId11"/>
-    <p:sldId id="435" r:id="rId12"/>
-    <p:sldId id="438" r:id="rId13"/>
-    <p:sldId id="436" r:id="rId14"/>
-    <p:sldId id="437" r:id="rId15"/>
-    <p:sldId id="440" r:id="rId16"/>
-    <p:sldId id="439" r:id="rId17"/>
-    <p:sldId id="441" r:id="rId18"/>
-    <p:sldId id="442" r:id="rId19"/>
-    <p:sldId id="443" r:id="rId20"/>
-    <p:sldId id="269" r:id="rId21"/>
+    <p:sldId id="444" r:id="rId7"/>
+    <p:sldId id="430" r:id="rId8"/>
+    <p:sldId id="431" r:id="rId9"/>
+    <p:sldId id="432" r:id="rId10"/>
+    <p:sldId id="433" r:id="rId11"/>
+    <p:sldId id="434" r:id="rId12"/>
+    <p:sldId id="435" r:id="rId13"/>
+    <p:sldId id="438" r:id="rId14"/>
+    <p:sldId id="436" r:id="rId15"/>
+    <p:sldId id="437" r:id="rId16"/>
+    <p:sldId id="440" r:id="rId17"/>
+    <p:sldId id="439" r:id="rId18"/>
+    <p:sldId id="441" r:id="rId19"/>
+    <p:sldId id="442" r:id="rId20"/>
+    <p:sldId id="443" r:id="rId21"/>
+    <p:sldId id="445" r:id="rId22"/>
+    <p:sldId id="446" r:id="rId23"/>
+    <p:sldId id="450" r:id="rId24"/>
+    <p:sldId id="447" r:id="rId25"/>
+    <p:sldId id="448" r:id="rId26"/>
+    <p:sldId id="451" r:id="rId27"/>
+    <p:sldId id="452" r:id="rId28"/>
+    <p:sldId id="449" r:id="rId29"/>
+    <p:sldId id="453" r:id="rId30"/>
+    <p:sldId id="454" r:id="rId31"/>
+    <p:sldId id="455" r:id="rId32"/>
+    <p:sldId id="456" r:id="rId33"/>
+    <p:sldId id="457" r:id="rId34"/>
+    <p:sldId id="458" r:id="rId35"/>
+    <p:sldId id="459" r:id="rId36"/>
+    <p:sldId id="460" r:id="rId37"/>
+    <p:sldId id="461" r:id="rId38"/>
+    <p:sldId id="462" r:id="rId39"/>
+    <p:sldId id="463" r:id="rId40"/>
+    <p:sldId id="269" r:id="rId41"/>
   </p:sldIdLst>
   <p:sldSz cx="9144000" cy="6858000" type="screen4x3"/>
   <p:notesSz cx="6858000" cy="9144000"/>
@@ -212,7 +232,7 @@
             <a:fld id="{98BFDCCA-FFB9-49F6-B56E-F6432283D67C}" type="datetimeFigureOut">
               <a:rPr lang="en-US" smtClean="0"/>
               <a:pPr/>
-              <a:t>12/14/2022</a:t>
+              <a:t>12/16/2022</a:t>
             </a:fld>
             <a:endParaRPr lang="en-US"/>
           </a:p>
@@ -660,7 +680,7 @@
             <a:fld id="{9099FEDA-6AC3-495C-A467-2B0399D71BB7}" type="datetimeFigureOut">
               <a:rPr lang="en-US" smtClean="0"/>
               <a:pPr/>
-              <a:t>12/14/2022</a:t>
+              <a:t>12/16/2022</a:t>
             </a:fld>
             <a:endParaRPr lang="en-US"/>
           </a:p>
@@ -827,7 +847,7 @@
             <a:fld id="{9099FEDA-6AC3-495C-A467-2B0399D71BB7}" type="datetimeFigureOut">
               <a:rPr lang="en-US" smtClean="0"/>
               <a:pPr/>
-              <a:t>12/14/2022</a:t>
+              <a:t>12/16/2022</a:t>
             </a:fld>
             <a:endParaRPr lang="en-US"/>
           </a:p>
@@ -1004,7 +1024,7 @@
             <a:fld id="{9099FEDA-6AC3-495C-A467-2B0399D71BB7}" type="datetimeFigureOut">
               <a:rPr lang="en-US" smtClean="0"/>
               <a:pPr/>
-              <a:t>12/14/2022</a:t>
+              <a:t>12/16/2022</a:t>
             </a:fld>
             <a:endParaRPr lang="en-US"/>
           </a:p>
@@ -1171,7 +1191,7 @@
             <a:fld id="{9099FEDA-6AC3-495C-A467-2B0399D71BB7}" type="datetimeFigureOut">
               <a:rPr lang="en-US" smtClean="0"/>
               <a:pPr/>
-              <a:t>12/14/2022</a:t>
+              <a:t>12/16/2022</a:t>
             </a:fld>
             <a:endParaRPr lang="en-US"/>
           </a:p>
@@ -1414,7 +1434,7 @@
             <a:fld id="{9099FEDA-6AC3-495C-A467-2B0399D71BB7}" type="datetimeFigureOut">
               <a:rPr lang="en-US" smtClean="0"/>
               <a:pPr/>
-              <a:t>12/14/2022</a:t>
+              <a:t>12/16/2022</a:t>
             </a:fld>
             <a:endParaRPr lang="en-US"/>
           </a:p>
@@ -1699,7 +1719,7 @@
             <a:fld id="{9099FEDA-6AC3-495C-A467-2B0399D71BB7}" type="datetimeFigureOut">
               <a:rPr lang="en-US" smtClean="0"/>
               <a:pPr/>
-              <a:t>12/14/2022</a:t>
+              <a:t>12/16/2022</a:t>
             </a:fld>
             <a:endParaRPr lang="en-US"/>
           </a:p>
@@ -2118,7 +2138,7 @@
             <a:fld id="{9099FEDA-6AC3-495C-A467-2B0399D71BB7}" type="datetimeFigureOut">
               <a:rPr lang="en-US" smtClean="0"/>
               <a:pPr/>
-              <a:t>12/14/2022</a:t>
+              <a:t>12/16/2022</a:t>
             </a:fld>
             <a:endParaRPr lang="en-US"/>
           </a:p>
@@ -2233,7 +2253,7 @@
             <a:fld id="{9099FEDA-6AC3-495C-A467-2B0399D71BB7}" type="datetimeFigureOut">
               <a:rPr lang="en-US" smtClean="0"/>
               <a:pPr/>
-              <a:t>12/14/2022</a:t>
+              <a:t>12/16/2022</a:t>
             </a:fld>
             <a:endParaRPr lang="en-US"/>
           </a:p>
@@ -2325,7 +2345,7 @@
             <a:fld id="{9099FEDA-6AC3-495C-A467-2B0399D71BB7}" type="datetimeFigureOut">
               <a:rPr lang="en-US" smtClean="0"/>
               <a:pPr/>
-              <a:t>12/14/2022</a:t>
+              <a:t>12/16/2022</a:t>
             </a:fld>
             <a:endParaRPr lang="en-US"/>
           </a:p>
@@ -2599,7 +2619,7 @@
             <a:fld id="{9099FEDA-6AC3-495C-A467-2B0399D71BB7}" type="datetimeFigureOut">
               <a:rPr lang="en-US" smtClean="0"/>
               <a:pPr/>
-              <a:t>12/14/2022</a:t>
+              <a:t>12/16/2022</a:t>
             </a:fld>
             <a:endParaRPr lang="en-US"/>
           </a:p>
@@ -2849,7 +2869,7 @@
             <a:fld id="{9099FEDA-6AC3-495C-A467-2B0399D71BB7}" type="datetimeFigureOut">
               <a:rPr lang="en-US" smtClean="0"/>
               <a:pPr/>
-              <a:t>12/14/2022</a:t>
+              <a:t>12/16/2022</a:t>
             </a:fld>
             <a:endParaRPr lang="en-US"/>
           </a:p>
@@ -3059,7 +3079,7 @@
             <a:fld id="{9099FEDA-6AC3-495C-A467-2B0399D71BB7}" type="datetimeFigureOut">
               <a:rPr lang="en-US" smtClean="0"/>
               <a:pPr/>
-              <a:t>12/14/2022</a:t>
+              <a:t>12/16/2022</a:t>
             </a:fld>
             <a:endParaRPr lang="en-US"/>
           </a:p>
@@ -3474,20 +3494,14 @@
           <a:lstStyle/>
           <a:p>
             <a:r>
-              <a:rPr lang="en-US" b="1" dirty="0" smtClean="0"/>
-              <a:t>Pritam Prakash Shete</a:t>
-            </a:r>
-          </a:p>
-          <a:p>
-            <a:r>
-              <a:rPr lang="en-US" dirty="0" smtClean="0"/>
-              <a:t>Scientific Officer F,</a:t>
-            </a:r>
-          </a:p>
-          <a:p>
-            <a:r>
-              <a:rPr lang="en-US" dirty="0" smtClean="0"/>
-              <a:t>Computer Division, BARC</a:t>
+              <a:rPr lang="en-US" dirty="0" smtClean="0"/>
+              <a:t>Computer Division</a:t>
+            </a:r>
+          </a:p>
+          <a:p>
+            <a:r>
+              <a:rPr lang="en-US" dirty="0" smtClean="0"/>
+              <a:t>Bhabha Atomic Research Centre</a:t>
             </a:r>
             <a:endParaRPr lang="en-US" dirty="0"/>
           </a:p>
@@ -3544,7 +3558,7 @@
           <a:p>
             <a:r>
               <a:rPr lang="en-US" dirty="0" smtClean="0"/>
-              <a:t>ML Classification  </a:t>
+              <a:t>Machine Learning – What ?  </a:t>
             </a:r>
             <a:endParaRPr lang="en-US" dirty="0"/>
           </a:p>
@@ -3569,31 +3583,111 @@
           <a:p>
             <a:r>
               <a:rPr lang="en-IN" dirty="0" smtClean="0"/>
-              <a:t>Supervised learning</a:t>
-            </a:r>
-          </a:p>
-          <a:p>
-            <a:r>
-              <a:rPr lang="en-IN" dirty="0" smtClean="0"/>
-              <a:t>Unsupervised learning</a:t>
-            </a:r>
-          </a:p>
-          <a:p>
-            <a:r>
-              <a:rPr lang="en-IN" dirty="0" smtClean="0"/>
-              <a:t>Reinforcement learning</a:t>
-            </a:r>
-          </a:p>
-          <a:p>
-            <a:r>
-              <a:rPr lang="en-IN" dirty="0" smtClean="0"/>
-              <a:t>Semi supervised learning</a:t>
-            </a:r>
-          </a:p>
-          <a:p>
-            <a:r>
-              <a:rPr lang="en-IN" dirty="0" smtClean="0"/>
-              <a:t>Self supervised learning</a:t>
+              <a:t>Improve through experience using data</a:t>
+            </a:r>
+          </a:p>
+          <a:p>
+            <a:r>
+              <a:rPr lang="en-IN" dirty="0" smtClean="0"/>
+              <a:t>A machine is said to learn from </a:t>
+            </a:r>
+            <a:r>
+              <a:rPr lang="en-IN" dirty="0" smtClean="0">
+                <a:solidFill>
+                  <a:srgbClr val="00B050"/>
+                </a:solidFill>
+              </a:rPr>
+              <a:t>experience E</a:t>
+            </a:r>
+            <a:r>
+              <a:rPr lang="en-IN" dirty="0" smtClean="0"/>
+              <a:t> with respect to some class of </a:t>
+            </a:r>
+            <a:r>
+              <a:rPr lang="en-IN" dirty="0" smtClean="0">
+                <a:solidFill>
+                  <a:srgbClr val="00B050"/>
+                </a:solidFill>
+              </a:rPr>
+              <a:t>tasks T</a:t>
+            </a:r>
+            <a:r>
+              <a:rPr lang="en-IN" dirty="0" smtClean="0"/>
+              <a:t> and </a:t>
+            </a:r>
+            <a:r>
+              <a:rPr lang="en-IN" dirty="0" smtClean="0">
+                <a:solidFill>
+                  <a:srgbClr val="00B050"/>
+                </a:solidFill>
+              </a:rPr>
+              <a:t>performance measure P</a:t>
+            </a:r>
+            <a:r>
+              <a:rPr lang="en-IN" dirty="0" smtClean="0"/>
+              <a:t>.</a:t>
+            </a:r>
+            <a:r>
+              <a:rPr lang="en-IN" dirty="0" smtClean="0">
+                <a:solidFill>
+                  <a:srgbClr val="00B050"/>
+                </a:solidFill>
+              </a:rPr>
+              <a:t> </a:t>
+            </a:r>
+          </a:p>
+          <a:p>
+            <a:r>
+              <a:rPr lang="en-IN" dirty="0" smtClean="0"/>
+              <a:t>If its performance at </a:t>
+            </a:r>
+            <a:r>
+              <a:rPr lang="en-IN" dirty="0" smtClean="0">
+                <a:solidFill>
+                  <a:srgbClr val="00B050"/>
+                </a:solidFill>
+              </a:rPr>
+              <a:t>tasks</a:t>
+            </a:r>
+            <a:r>
+              <a:rPr lang="en-IN" dirty="0" smtClean="0"/>
+              <a:t> in </a:t>
+            </a:r>
+            <a:r>
+              <a:rPr lang="en-IN" dirty="0" smtClean="0">
+                <a:solidFill>
+                  <a:srgbClr val="00B050"/>
+                </a:solidFill>
+              </a:rPr>
+              <a:t>T</a:t>
+            </a:r>
+            <a:r>
+              <a:rPr lang="en-IN" dirty="0" smtClean="0"/>
+              <a:t>, as measured by </a:t>
+            </a:r>
+            <a:r>
+              <a:rPr lang="en-IN" dirty="0" smtClean="0">
+                <a:solidFill>
+                  <a:srgbClr val="00B050"/>
+                </a:solidFill>
+              </a:rPr>
+              <a:t>P</a:t>
+            </a:r>
+            <a:r>
+              <a:rPr lang="en-IN" dirty="0" smtClean="0"/>
+              <a:t>, improves with </a:t>
+            </a:r>
+            <a:r>
+              <a:rPr lang="en-IN" dirty="0" smtClean="0">
+                <a:solidFill>
+                  <a:srgbClr val="00B050"/>
+                </a:solidFill>
+              </a:rPr>
+              <a:t>experience E</a:t>
+            </a:r>
+            <a:r>
+              <a:rPr lang="en-IN" dirty="0" smtClean="0"/>
+              <a:t>.</a:t>
             </a:r>
             <a:endParaRPr lang="en-US" dirty="0" smtClean="0"/>
           </a:p>
@@ -3650,15 +3744,7 @@
           <a:p>
             <a:r>
               <a:rPr lang="en-US" dirty="0" smtClean="0"/>
-              <a:t>Supervised </a:t>
-            </a:r>
-            <a:r>
-              <a:rPr lang="en-US" dirty="0" smtClean="0"/>
-              <a:t>Learning </a:t>
-            </a:r>
-            <a:r>
-              <a:rPr lang="en-US" dirty="0" smtClean="0"/>
-              <a:t>– What ?  </a:t>
+              <a:t>ML Classification  </a:t>
             </a:r>
             <a:endParaRPr lang="en-US" dirty="0"/>
           </a:p>
@@ -3682,36 +3768,32 @@
           <a:lstStyle/>
           <a:p>
             <a:r>
-              <a:rPr lang="en-US" dirty="0" smtClean="0"/>
-              <a:t>Labeled dataset </a:t>
-            </a:r>
-            <a:endParaRPr lang="en-US" dirty="0" smtClean="0"/>
-          </a:p>
-          <a:p>
-            <a:r>
-              <a:rPr lang="en-US" dirty="0" smtClean="0"/>
-              <a:t>Annotated </a:t>
-            </a:r>
-            <a:r>
-              <a:rPr lang="en-US" dirty="0" smtClean="0"/>
-              <a:t>dataset </a:t>
-            </a:r>
-            <a:endParaRPr lang="en-US" dirty="0" smtClean="0"/>
-          </a:p>
-          <a:p>
-            <a:r>
-              <a:rPr lang="en-US" dirty="0" smtClean="0"/>
-              <a:t>Paired </a:t>
-            </a:r>
-            <a:r>
-              <a:rPr lang="en-US" dirty="0" smtClean="0"/>
-              <a:t>input variables and output variables</a:t>
-            </a:r>
-          </a:p>
-          <a:p>
-            <a:r>
-              <a:rPr lang="en-US" dirty="0" smtClean="0"/>
-              <a:t>Compute mapping from input variables to output variables</a:t>
+              <a:rPr lang="en-IN" dirty="0" smtClean="0"/>
+              <a:t>Supervised learning</a:t>
+            </a:r>
+          </a:p>
+          <a:p>
+            <a:r>
+              <a:rPr lang="en-IN" dirty="0" smtClean="0"/>
+              <a:t>Unsupervised learning</a:t>
+            </a:r>
+          </a:p>
+          <a:p>
+            <a:r>
+              <a:rPr lang="en-IN" dirty="0" smtClean="0"/>
+              <a:t>Reinforcement learning</a:t>
+            </a:r>
+          </a:p>
+          <a:p>
+            <a:r>
+              <a:rPr lang="en-IN" dirty="0" smtClean="0"/>
+              <a:t>Semi supervised learning</a:t>
+            </a:r>
+          </a:p>
+          <a:p>
+            <a:r>
+              <a:rPr lang="en-IN" dirty="0" smtClean="0"/>
+              <a:t>Self supervised learning</a:t>
             </a:r>
             <a:endParaRPr lang="en-US" dirty="0" smtClean="0"/>
           </a:p>
@@ -3762,21 +3844,13 @@
         <p:spPr/>
         <p:txBody>
           <a:bodyPr>
-            <a:normAutofit fontScale="90000"/>
+            <a:normAutofit/>
           </a:bodyPr>
           <a:lstStyle/>
           <a:p>
             <a:r>
               <a:rPr lang="en-US" dirty="0" smtClean="0"/>
-              <a:t>Supervised </a:t>
-            </a:r>
-            <a:r>
-              <a:rPr lang="en-US" dirty="0" smtClean="0"/>
-              <a:t>Learning </a:t>
-            </a:r>
-            <a:r>
-              <a:rPr lang="en-US" dirty="0" smtClean="0"/>
-              <a:t>– Classification  </a:t>
+              <a:t>Supervised Learning – What ?  </a:t>
             </a:r>
             <a:endParaRPr lang="en-US" dirty="0"/>
           </a:p>
@@ -3800,64 +3874,27 @@
           <a:lstStyle/>
           <a:p>
             <a:r>
-              <a:rPr lang="en-IN" dirty="0" smtClean="0"/>
-              <a:t>Regression </a:t>
-            </a:r>
-            <a:r>
-              <a:rPr lang="en-IN" dirty="0" smtClean="0"/>
-              <a:t>model </a:t>
-            </a:r>
-            <a:endParaRPr lang="en-IN" dirty="0" smtClean="0"/>
-          </a:p>
-          <a:p>
-            <a:pPr lvl="1"/>
-            <a:r>
-              <a:rPr lang="en-IN" dirty="0" smtClean="0"/>
-              <a:t>Assign </a:t>
-            </a:r>
-            <a:r>
-              <a:rPr lang="en-IN" dirty="0" smtClean="0"/>
-              <a:t>continuous numerical values to dataset </a:t>
-            </a:r>
-            <a:r>
-              <a:rPr lang="en-IN" dirty="0" smtClean="0"/>
-              <a:t>inputs</a:t>
-            </a:r>
-          </a:p>
-          <a:p>
-            <a:pPr lvl="1"/>
-            <a:r>
-              <a:rPr lang="en-IN" dirty="0" smtClean="0"/>
-              <a:t>Example – House price prediction</a:t>
-            </a:r>
-          </a:p>
-          <a:p>
-            <a:r>
-              <a:rPr lang="en-IN" dirty="0" smtClean="0"/>
-              <a:t>Classification model </a:t>
-            </a:r>
-          </a:p>
-          <a:p>
-            <a:pPr lvl="1"/>
-            <a:r>
-              <a:rPr lang="en-IN" dirty="0" smtClean="0"/>
-              <a:t>Assign discrete label or labels from predefined set of categories to dataset inputs</a:t>
-            </a:r>
-          </a:p>
-          <a:p>
-            <a:pPr lvl="1"/>
-            <a:r>
-              <a:rPr lang="en-IN" dirty="0" smtClean="0"/>
-              <a:t>Example – Face </a:t>
-            </a:r>
-            <a:r>
-              <a:rPr lang="en-IN" dirty="0" smtClean="0"/>
-              <a:t>recognition</a:t>
-            </a:r>
-            <a:endParaRPr lang="en-IN" dirty="0" smtClean="0"/>
-          </a:p>
-          <a:p>
-            <a:endParaRPr lang="en-US" dirty="0" smtClean="0"/>
+              <a:rPr lang="en-US" dirty="0" smtClean="0"/>
+              <a:t>Labeled dataset </a:t>
+            </a:r>
+          </a:p>
+          <a:p>
+            <a:r>
+              <a:rPr lang="en-US" dirty="0" smtClean="0"/>
+              <a:t>Annotated dataset </a:t>
+            </a:r>
+          </a:p>
+          <a:p>
+            <a:r>
+              <a:rPr lang="en-US" dirty="0" smtClean="0"/>
+              <a:t>Paired input variables and output variables</a:t>
+            </a:r>
+          </a:p>
+          <a:p>
+            <a:r>
+              <a:rPr lang="en-US" dirty="0" smtClean="0"/>
+              <a:t>Compute mapping from input variables to output variables</a:t>
+            </a:r>
           </a:p>
         </p:txBody>
       </p:sp>
@@ -3906,131 +3943,80 @@
         <p:spPr/>
         <p:txBody>
           <a:bodyPr>
+            <a:normAutofit fontScale="90000"/>
+          </a:bodyPr>
+          <a:lstStyle/>
+          <a:p>
+            <a:r>
+              <a:rPr lang="en-US" dirty="0" smtClean="0"/>
+              <a:t>Supervised Learning – Classification  </a:t>
+            </a:r>
+            <a:endParaRPr lang="en-US" dirty="0"/>
+          </a:p>
+        </p:txBody>
+      </p:sp>
+      <p:sp>
+        <p:nvSpPr>
+          <p:cNvPr id="3" name="Content Placeholder 2"/>
+          <p:cNvSpPr>
+            <a:spLocks noGrp="1"/>
+          </p:cNvSpPr>
+          <p:nvPr>
+            <p:ph idx="1"/>
+          </p:nvPr>
+        </p:nvSpPr>
+        <p:spPr/>
+        <p:txBody>
+          <a:bodyPr>
             <a:normAutofit/>
           </a:bodyPr>
           <a:lstStyle/>
           <a:p>
             <a:r>
-              <a:rPr lang="en-US" dirty="0" smtClean="0"/>
-              <a:t>Supervised </a:t>
-            </a:r>
-            <a:r>
-              <a:rPr lang="en-US" dirty="0" smtClean="0"/>
-              <a:t>Learning – Example (1)  </a:t>
-            </a:r>
-            <a:endParaRPr lang="en-US" dirty="0"/>
-          </a:p>
-        </p:txBody>
-      </p:sp>
-      <p:sp>
-        <p:nvSpPr>
-          <p:cNvPr id="3" name="Content Placeholder 2"/>
-          <p:cNvSpPr>
-            <a:spLocks noGrp="1"/>
-          </p:cNvSpPr>
-          <p:nvPr>
-            <p:ph idx="1"/>
-          </p:nvPr>
-        </p:nvSpPr>
-        <p:spPr/>
-        <p:txBody>
-          <a:bodyPr>
-            <a:normAutofit lnSpcReduction="10000"/>
-          </a:bodyPr>
-          <a:lstStyle/>
-          <a:p>
-            <a:r>
-              <a:rPr lang="en-IN" dirty="0" smtClean="0"/>
-              <a:t>House price prediction </a:t>
-            </a:r>
-            <a:r>
-              <a:rPr lang="en-IN" dirty="0" smtClean="0"/>
-              <a:t>– Regression model</a:t>
+              <a:rPr lang="en-IN" dirty="0" smtClean="0"/>
+              <a:t>Regression model </a:t>
+            </a:r>
+          </a:p>
+          <a:p>
+            <a:pPr lvl="1"/>
+            <a:r>
+              <a:rPr lang="en-IN" dirty="0" smtClean="0"/>
+              <a:t>Assign continuous numerical values to dataset inputs</a:t>
+            </a:r>
+          </a:p>
+          <a:p>
+            <a:pPr lvl="1"/>
+            <a:r>
+              <a:rPr lang="en-IN" dirty="0" smtClean="0"/>
+              <a:t>Example – House price prediction</a:t>
+            </a:r>
+          </a:p>
+          <a:p>
+            <a:r>
+              <a:rPr lang="en-IN" dirty="0" smtClean="0"/>
+              <a:t>Classification model </a:t>
+            </a:r>
+          </a:p>
+          <a:p>
+            <a:pPr lvl="1"/>
+            <a:r>
+              <a:rPr lang="en-IN" dirty="0" smtClean="0"/>
+              <a:t>Assign discrete label or labels from predefined set of categories to dataset inputs</a:t>
+            </a:r>
+          </a:p>
+          <a:p>
+            <a:pPr lvl="1"/>
+            <a:r>
+              <a:rPr lang="en-IN" dirty="0" smtClean="0"/>
+              <a:t>Example – </a:t>
+            </a:r>
+            <a:r>
+              <a:rPr lang="en-IN" dirty="0" smtClean="0"/>
+              <a:t>Image classification</a:t>
             </a:r>
             <a:endParaRPr lang="en-IN" dirty="0" smtClean="0"/>
           </a:p>
           <a:p>
-            <a:pPr lvl="1"/>
-            <a:r>
-              <a:rPr lang="en-IN" dirty="0" smtClean="0"/>
-              <a:t>Input variables </a:t>
-            </a:r>
-            <a:endParaRPr lang="en-IN" dirty="0" smtClean="0"/>
-          </a:p>
-          <a:p>
-            <a:pPr lvl="2"/>
-            <a:r>
-              <a:rPr lang="en-IN" dirty="0" smtClean="0"/>
-              <a:t>Number of bedrooms</a:t>
-            </a:r>
-          </a:p>
-          <a:p>
-            <a:pPr lvl="2"/>
-            <a:r>
-              <a:rPr lang="en-IN" dirty="0" smtClean="0"/>
-              <a:t>Area </a:t>
-            </a:r>
-            <a:r>
-              <a:rPr lang="en-IN" dirty="0" smtClean="0"/>
-              <a:t>of </a:t>
-            </a:r>
-            <a:r>
-              <a:rPr lang="en-IN" dirty="0" smtClean="0"/>
-              <a:t>house </a:t>
-            </a:r>
-          </a:p>
-          <a:p>
-            <a:pPr lvl="2"/>
-            <a:r>
-              <a:rPr lang="en-IN" dirty="0" smtClean="0"/>
-              <a:t>Locality </a:t>
-            </a:r>
-            <a:r>
-              <a:rPr lang="en-IN" dirty="0" smtClean="0"/>
-              <a:t>of house and so on</a:t>
-            </a:r>
-          </a:p>
-          <a:p>
-            <a:pPr lvl="1"/>
-            <a:r>
-              <a:rPr lang="en-IN" dirty="0" smtClean="0"/>
-              <a:t>Output variable </a:t>
-            </a:r>
-            <a:endParaRPr lang="en-IN" dirty="0" smtClean="0"/>
-          </a:p>
-          <a:p>
-            <a:pPr lvl="2"/>
-            <a:r>
-              <a:rPr lang="en-IN" dirty="0" smtClean="0"/>
-              <a:t>Price of </a:t>
-            </a:r>
-            <a:r>
-              <a:rPr lang="en-IN" dirty="0" smtClean="0"/>
-              <a:t>house</a:t>
-            </a:r>
-          </a:p>
-          <a:p>
-            <a:pPr lvl="1"/>
-            <a:r>
-              <a:rPr lang="en-IN" dirty="0" smtClean="0"/>
-              <a:t>Optimization function </a:t>
-            </a:r>
-            <a:endParaRPr lang="en-IN" dirty="0" smtClean="0"/>
-          </a:p>
-          <a:p>
-            <a:pPr lvl="2"/>
-            <a:r>
-              <a:rPr lang="en-IN" dirty="0" smtClean="0"/>
-              <a:t>Reduce error </a:t>
-            </a:r>
-            <a:r>
-              <a:rPr lang="en-IN" dirty="0" smtClean="0"/>
-              <a:t>between predicted and actual price of </a:t>
-            </a:r>
-            <a:r>
-              <a:rPr lang="en-IN" dirty="0" smtClean="0"/>
-              <a:t>house</a:t>
-            </a:r>
             <a:endParaRPr lang="en-US" dirty="0" smtClean="0"/>
           </a:p>
         </p:txBody>
@@ -4086,11 +4072,7 @@
           <a:p>
             <a:r>
               <a:rPr lang="en-US" dirty="0" smtClean="0"/>
-              <a:t>Supervised </a:t>
-            </a:r>
-            <a:r>
-              <a:rPr lang="en-US" dirty="0" smtClean="0"/>
-              <a:t>Learning – Example (2)  </a:t>
+              <a:t>Supervised Learning – Example (1)  </a:t>
             </a:r>
             <a:endParaRPr lang="en-US" dirty="0"/>
           </a:p>
@@ -4109,23 +4091,14 @@
         <p:spPr/>
         <p:txBody>
           <a:bodyPr>
-            <a:normAutofit/>
+            <a:normAutofit lnSpcReduction="10000"/>
           </a:bodyPr>
           <a:lstStyle/>
           <a:p>
             <a:r>
               <a:rPr lang="en-IN" dirty="0" smtClean="0"/>
-              <a:t>Face </a:t>
-            </a:r>
-            <a:r>
-              <a:rPr lang="en-IN" dirty="0" smtClean="0"/>
-              <a:t>recognition </a:t>
-            </a:r>
-            <a:r>
-              <a:rPr lang="en-IN" dirty="0" smtClean="0"/>
-              <a:t>– Classification model</a:t>
-            </a:r>
-            <a:endParaRPr lang="en-IN" dirty="0" smtClean="0"/>
+              <a:t>House price prediction – Regression model</a:t>
+            </a:r>
           </a:p>
           <a:p>
             <a:pPr lvl="1"/>
@@ -4133,17 +4106,26 @@
               <a:rPr lang="en-IN" dirty="0" smtClean="0"/>
               <a:t>Input variables </a:t>
             </a:r>
-            <a:endParaRPr lang="en-IN" dirty="0" smtClean="0"/>
           </a:p>
           <a:p>
             <a:pPr lvl="2"/>
             <a:r>
               <a:rPr lang="en-IN" dirty="0" smtClean="0"/>
-              <a:t>Input cropped </a:t>
-            </a:r>
-            <a:r>
-              <a:rPr lang="en-IN" dirty="0" smtClean="0"/>
-              <a:t>images</a:t>
+              <a:t>Number of bedrooms</a:t>
+            </a:r>
+          </a:p>
+          <a:p>
+            <a:pPr lvl="2"/>
+            <a:r>
+              <a:rPr lang="en-IN" dirty="0" smtClean="0"/>
+              <a:t>Area of house </a:t>
+            </a:r>
+          </a:p>
+          <a:p>
+            <a:pPr lvl="2"/>
+            <a:r>
+              <a:rPr lang="en-IN" dirty="0" smtClean="0"/>
+              <a:t>Locality of house and so on</a:t>
             </a:r>
           </a:p>
           <a:p>
@@ -4152,17 +4134,12 @@
               <a:rPr lang="en-IN" dirty="0" smtClean="0"/>
               <a:t>Output variable </a:t>
             </a:r>
-            <a:endParaRPr lang="en-IN" dirty="0" smtClean="0"/>
           </a:p>
           <a:p>
             <a:pPr lvl="2"/>
             <a:r>
               <a:rPr lang="en-IN" dirty="0" smtClean="0"/>
-              <a:t>Identity of </a:t>
-            </a:r>
-            <a:r>
-              <a:rPr lang="en-IN" dirty="0" smtClean="0"/>
-              <a:t>person</a:t>
+              <a:t>Price of house</a:t>
             </a:r>
           </a:p>
           <a:p>
@@ -4171,17 +4148,12 @@
               <a:rPr lang="en-IN" dirty="0" smtClean="0"/>
               <a:t>Optimization function </a:t>
             </a:r>
-            <a:endParaRPr lang="en-IN" dirty="0" smtClean="0"/>
           </a:p>
           <a:p>
             <a:pPr lvl="2"/>
             <a:r>
               <a:rPr lang="en-IN" dirty="0" smtClean="0"/>
-              <a:t>Reduce classification </a:t>
-            </a:r>
-            <a:r>
-              <a:rPr lang="en-IN" dirty="0" smtClean="0"/>
-              <a:t>error</a:t>
+              <a:t>Reduce error between predicted and actual price of house</a:t>
             </a:r>
             <a:endParaRPr lang="en-US" dirty="0" smtClean="0"/>
           </a:p>
@@ -4238,15 +4210,7 @@
           <a:p>
             <a:r>
               <a:rPr lang="en-US" dirty="0" smtClean="0"/>
-              <a:t>Unsupervised </a:t>
-            </a:r>
-            <a:r>
-              <a:rPr lang="en-US" dirty="0" smtClean="0"/>
-              <a:t>Learning </a:t>
-            </a:r>
-            <a:r>
-              <a:rPr lang="en-US" dirty="0" smtClean="0"/>
-              <a:t>– What ?  </a:t>
+              <a:t>Supervised Learning – Example (2)  </a:t>
             </a:r>
             <a:endParaRPr lang="en-US" dirty="0"/>
           </a:p>
@@ -4271,46 +4235,56 @@
           <a:p>
             <a:r>
               <a:rPr lang="en-IN" dirty="0" smtClean="0"/>
-              <a:t>Unlabeled dataset </a:t>
+              <a:t>Image classification </a:t>
+            </a:r>
+            <a:r>
+              <a:rPr lang="en-IN" dirty="0" smtClean="0"/>
+              <a:t>– Classification model</a:t>
+            </a:r>
+          </a:p>
+          <a:p>
+            <a:pPr lvl="1"/>
+            <a:r>
+              <a:rPr lang="en-IN" dirty="0" smtClean="0"/>
+              <a:t>Input variables </a:t>
+            </a:r>
+          </a:p>
+          <a:p>
+            <a:pPr lvl="2"/>
+            <a:r>
+              <a:rPr lang="en-IN" dirty="0" smtClean="0"/>
+              <a:t>Input cropped images</a:t>
+            </a:r>
+          </a:p>
+          <a:p>
+            <a:pPr lvl="1"/>
+            <a:r>
+              <a:rPr lang="en-IN" dirty="0" smtClean="0"/>
+              <a:t>Output variable </a:t>
+            </a:r>
+          </a:p>
+          <a:p>
+            <a:pPr lvl="2"/>
+            <a:r>
+              <a:rPr lang="en-IN" dirty="0" smtClean="0"/>
+              <a:t>Classify image</a:t>
             </a:r>
             <a:endParaRPr lang="en-IN" dirty="0" smtClean="0"/>
           </a:p>
           <a:p>
-            <a:r>
-              <a:rPr lang="en-IN" dirty="0" smtClean="0"/>
-              <a:t>No </a:t>
-            </a:r>
-            <a:r>
-              <a:rPr lang="en-IN" dirty="0" smtClean="0"/>
-              <a:t>annotations </a:t>
-            </a:r>
-            <a:endParaRPr lang="en-IN" dirty="0" smtClean="0"/>
-          </a:p>
-          <a:p>
-            <a:r>
-              <a:rPr lang="en-IN" dirty="0" smtClean="0"/>
-              <a:t>Only </a:t>
-            </a:r>
-            <a:r>
-              <a:rPr lang="en-IN" dirty="0" smtClean="0"/>
-              <a:t>input variables </a:t>
-            </a:r>
-            <a:endParaRPr lang="en-IN" dirty="0" smtClean="0"/>
-          </a:p>
-          <a:p>
-            <a:r>
-              <a:rPr lang="en-IN" dirty="0" smtClean="0"/>
-              <a:t>No </a:t>
-            </a:r>
-            <a:r>
-              <a:rPr lang="en-IN" dirty="0" smtClean="0"/>
-              <a:t>output variables or output </a:t>
-            </a:r>
-            <a:r>
-              <a:rPr lang="en-IN" dirty="0" smtClean="0"/>
-              <a:t>annotations</a:t>
-            </a:r>
-            <a:endParaRPr lang="en-IN" dirty="0" smtClean="0"/>
+            <a:pPr lvl="1"/>
+            <a:r>
+              <a:rPr lang="en-IN" dirty="0" smtClean="0"/>
+              <a:t>Optimization function </a:t>
+            </a:r>
+          </a:p>
+          <a:p>
+            <a:pPr lvl="2"/>
+            <a:r>
+              <a:rPr lang="en-IN" dirty="0" smtClean="0"/>
+              <a:t>Reduce classification error</a:t>
+            </a:r>
+            <a:endParaRPr lang="en-US" dirty="0" smtClean="0"/>
           </a:p>
         </p:txBody>
       </p:sp>
@@ -4359,21 +4333,13 @@
         <p:spPr/>
         <p:txBody>
           <a:bodyPr>
-            <a:normAutofit fontScale="90000"/>
+            <a:normAutofit/>
           </a:bodyPr>
           <a:lstStyle/>
           <a:p>
             <a:r>
               <a:rPr lang="en-US" dirty="0" smtClean="0"/>
-              <a:t>Unsupervised </a:t>
-            </a:r>
-            <a:r>
-              <a:rPr lang="en-US" dirty="0" smtClean="0"/>
-              <a:t>Learning </a:t>
-            </a:r>
-            <a:r>
-              <a:rPr lang="en-US" dirty="0" smtClean="0"/>
-              <a:t>– Classification  </a:t>
+              <a:t>Unsupervised Learning – What ?  </a:t>
             </a:r>
             <a:endParaRPr lang="en-US" dirty="0"/>
           </a:p>
@@ -4398,80 +4364,26 @@
           <a:p>
             <a:r>
               <a:rPr lang="en-IN" dirty="0" smtClean="0"/>
-              <a:t>Clustering</a:t>
-            </a:r>
-          </a:p>
-          <a:p>
-            <a:pPr lvl="1"/>
-            <a:r>
-              <a:rPr lang="en-IN" dirty="0" smtClean="0"/>
-              <a:t>Cluster </a:t>
-            </a:r>
-            <a:r>
-              <a:rPr lang="en-IN" dirty="0" smtClean="0"/>
-              <a:t>or group input </a:t>
-            </a:r>
-            <a:r>
-              <a:rPr lang="en-IN" dirty="0" smtClean="0"/>
-              <a:t>variables</a:t>
-            </a:r>
-          </a:p>
-          <a:p>
-            <a:r>
-              <a:rPr lang="en-IN" dirty="0" smtClean="0"/>
-              <a:t>Feature </a:t>
-            </a:r>
-            <a:r>
-              <a:rPr lang="en-IN" dirty="0" smtClean="0"/>
-              <a:t>learning</a:t>
-            </a:r>
-          </a:p>
-          <a:p>
-            <a:pPr lvl="1"/>
-            <a:r>
-              <a:rPr lang="en-IN" dirty="0" smtClean="0"/>
-              <a:t>Learn </a:t>
-            </a:r>
-            <a:r>
-              <a:rPr lang="en-IN" dirty="0" smtClean="0"/>
-              <a:t>features or patterns from input </a:t>
-            </a:r>
-            <a:r>
-              <a:rPr lang="en-IN" dirty="0" smtClean="0"/>
-              <a:t>variables</a:t>
-            </a:r>
-            <a:endParaRPr lang="en-IN" dirty="0" smtClean="0"/>
-          </a:p>
-          <a:p>
-            <a:r>
-              <a:rPr lang="en-IN" dirty="0" smtClean="0"/>
-              <a:t>Association </a:t>
-            </a:r>
-            <a:r>
-              <a:rPr lang="en-IN" dirty="0" smtClean="0"/>
-              <a:t>rules </a:t>
-            </a:r>
-            <a:r>
-              <a:rPr lang="en-IN" dirty="0" smtClean="0"/>
-              <a:t>learning </a:t>
-            </a:r>
-            <a:endParaRPr lang="en-IN" dirty="0" smtClean="0"/>
-          </a:p>
-          <a:p>
-            <a:pPr lvl="1"/>
-            <a:r>
-              <a:rPr lang="en-IN" dirty="0" smtClean="0"/>
-              <a:t>Find </a:t>
-            </a:r>
-            <a:r>
-              <a:rPr lang="en-IN" dirty="0" smtClean="0"/>
-              <a:t>relationships between input </a:t>
-            </a:r>
-            <a:r>
-              <a:rPr lang="en-IN" dirty="0" smtClean="0"/>
-              <a:t>variables</a:t>
-            </a:r>
-            <a:endParaRPr lang="en-US" dirty="0" smtClean="0"/>
+              <a:t>Unlabeled dataset </a:t>
+            </a:r>
+          </a:p>
+          <a:p>
+            <a:r>
+              <a:rPr lang="en-IN" dirty="0" smtClean="0"/>
+              <a:t>No annotations </a:t>
+            </a:r>
+          </a:p>
+          <a:p>
+            <a:r>
+              <a:rPr lang="en-IN" dirty="0" smtClean="0"/>
+              <a:t>Only input variables </a:t>
+            </a:r>
+          </a:p>
+          <a:p>
+            <a:r>
+              <a:rPr lang="en-IN" dirty="0" smtClean="0"/>
+              <a:t>No output variables or output annotations</a:t>
+            </a:r>
           </a:p>
         </p:txBody>
       </p:sp>
@@ -4520,17 +4432,13 @@
         <p:spPr/>
         <p:txBody>
           <a:bodyPr>
-            <a:normAutofit/>
+            <a:normAutofit fontScale="90000"/>
           </a:bodyPr>
           <a:lstStyle/>
           <a:p>
             <a:r>
               <a:rPr lang="en-US" dirty="0" smtClean="0"/>
-              <a:t>Unsupervised </a:t>
-            </a:r>
-            <a:r>
-              <a:rPr lang="en-US" dirty="0" smtClean="0"/>
-              <a:t>Learning – Examples  </a:t>
+              <a:t>Unsupervised Learning – Classification  </a:t>
             </a:r>
             <a:endParaRPr lang="en-US" dirty="0"/>
           </a:p>
@@ -4555,80 +4463,41 @@
           <a:p>
             <a:r>
               <a:rPr lang="en-IN" dirty="0" smtClean="0"/>
-              <a:t>Association </a:t>
-            </a:r>
-            <a:r>
-              <a:rPr lang="en-IN" dirty="0" smtClean="0"/>
-              <a:t>rule learning </a:t>
-            </a:r>
-          </a:p>
-          <a:p>
-            <a:r>
-              <a:rPr lang="en-IN" dirty="0" err="1" smtClean="0"/>
-              <a:t>Apriori</a:t>
-            </a:r>
-            <a:r>
-              <a:rPr lang="en-IN" dirty="0" smtClean="0"/>
-              <a:t> algorithm</a:t>
-            </a:r>
-            <a:endParaRPr lang="en-IN" dirty="0" smtClean="0"/>
-          </a:p>
-          <a:p>
-            <a:r>
-              <a:rPr lang="en-IN" dirty="0" smtClean="0"/>
-              <a:t>If a person buys Bread then he also buys </a:t>
-            </a:r>
-            <a:r>
-              <a:rPr lang="en-IN" dirty="0" smtClean="0"/>
-              <a:t>Jam.</a:t>
+              <a:t>Clustering</a:t>
             </a:r>
           </a:p>
           <a:p>
             <a:pPr lvl="1"/>
             <a:r>
               <a:rPr lang="en-IN" dirty="0" smtClean="0"/>
-              <a:t>Bread </a:t>
-            </a:r>
-            <a:r>
-              <a:rPr lang="en-IN" dirty="0" smtClean="0"/>
-              <a:t>and Jam are bought together</a:t>
-            </a:r>
-          </a:p>
-          <a:p>
-            <a:r>
-              <a:rPr lang="en-IN" dirty="0" smtClean="0"/>
-              <a:t>If a person buys Laptop then he also buys </a:t>
-            </a:r>
-            <a:r>
-              <a:rPr lang="en-IN" dirty="0" smtClean="0"/>
-              <a:t>laptop </a:t>
-            </a:r>
-            <a:r>
-              <a:rPr lang="en-IN" dirty="0" smtClean="0"/>
-              <a:t>bag. </a:t>
-            </a:r>
-            <a:endParaRPr lang="en-IN" dirty="0" smtClean="0"/>
+              <a:t>Cluster or group input variables</a:t>
+            </a:r>
+          </a:p>
+          <a:p>
+            <a:r>
+              <a:rPr lang="en-IN" dirty="0" smtClean="0"/>
+              <a:t>Feature learning</a:t>
+            </a:r>
           </a:p>
           <a:p>
             <a:pPr lvl="1"/>
             <a:r>
               <a:rPr lang="en-IN" dirty="0" smtClean="0"/>
-              <a:t>Laptop </a:t>
-            </a:r>
-            <a:r>
-              <a:rPr lang="en-IN" dirty="0" smtClean="0"/>
-              <a:t>and </a:t>
-            </a:r>
-            <a:r>
-              <a:rPr lang="en-IN" dirty="0" smtClean="0"/>
-              <a:t>laptop </a:t>
-            </a:r>
-            <a:r>
-              <a:rPr lang="en-IN" dirty="0" smtClean="0"/>
-              <a:t>bag are bought together</a:t>
-            </a:r>
-          </a:p>
-          <a:p>
+              <a:t>Learn features or patterns from input variables</a:t>
+            </a:r>
+          </a:p>
+          <a:p>
+            <a:r>
+              <a:rPr lang="en-IN" dirty="0" smtClean="0"/>
+              <a:t>Association rules learning </a:t>
+            </a:r>
+          </a:p>
+          <a:p>
+            <a:pPr lvl="1"/>
+            <a:r>
+              <a:rPr lang="en-IN" dirty="0" smtClean="0"/>
+              <a:t>Find relationships between input variables</a:t>
+            </a:r>
             <a:endParaRPr lang="en-US" dirty="0" smtClean="0"/>
           </a:p>
         </p:txBody>
@@ -4684,11 +4553,7 @@
           <a:p>
             <a:r>
               <a:rPr lang="en-US" dirty="0" smtClean="0"/>
-              <a:t>Unsupervised </a:t>
-            </a:r>
-            <a:r>
-              <a:rPr lang="en-US" dirty="0" smtClean="0"/>
-              <a:t>Learning – Examples  </a:t>
+              <a:t>Unsupervised Learning – Examples  </a:t>
             </a:r>
             <a:endParaRPr lang="en-US" dirty="0"/>
           </a:p>
@@ -4707,117 +4572,52 @@
         <p:spPr/>
         <p:txBody>
           <a:bodyPr>
-            <a:normAutofit fontScale="92500" lnSpcReduction="10000"/>
+            <a:normAutofit/>
           </a:bodyPr>
           <a:lstStyle/>
           <a:p>
             <a:r>
               <a:rPr lang="en-IN" dirty="0" smtClean="0"/>
-              <a:t>Clustering</a:t>
-            </a:r>
-            <a:endParaRPr lang="en-IN" dirty="0" smtClean="0"/>
-          </a:p>
-          <a:p>
-            <a:r>
-              <a:rPr lang="en-IN" dirty="0" smtClean="0"/>
-              <a:t>Customer </a:t>
-            </a:r>
-            <a:r>
-              <a:rPr lang="en-IN" dirty="0" smtClean="0"/>
-              <a:t>segmentation for different shirt sizes</a:t>
-            </a:r>
-            <a:endParaRPr lang="en-IN" dirty="0" smtClean="0"/>
+              <a:t>Association rule learning </a:t>
+            </a:r>
+          </a:p>
+          <a:p>
+            <a:r>
+              <a:rPr lang="en-IN" dirty="0" err="1" smtClean="0"/>
+              <a:t>Apriori</a:t>
+            </a:r>
+            <a:r>
+              <a:rPr lang="en-IN" dirty="0" smtClean="0"/>
+              <a:t> algorithm</a:t>
+            </a:r>
+          </a:p>
+          <a:p>
+            <a:r>
+              <a:rPr lang="en-IN" dirty="0" smtClean="0"/>
+              <a:t>If a person buys Bread then he also buys Jam.</a:t>
+            </a:r>
           </a:p>
           <a:p>
             <a:pPr lvl="1"/>
             <a:r>
               <a:rPr lang="en-IN" dirty="0" smtClean="0"/>
-              <a:t>Input variables </a:t>
-            </a:r>
-            <a:endParaRPr lang="en-IN" dirty="0" smtClean="0"/>
-          </a:p>
-          <a:p>
-            <a:pPr lvl="2"/>
-            <a:r>
-              <a:rPr lang="en-IN" dirty="0" smtClean="0"/>
-              <a:t>Number of </a:t>
-            </a:r>
-            <a:r>
-              <a:rPr lang="en-IN" dirty="0" smtClean="0"/>
-              <a:t>size measurements for </a:t>
-            </a:r>
-            <a:r>
-              <a:rPr lang="en-IN" dirty="0" smtClean="0"/>
-              <a:t>customers</a:t>
+              <a:t>Bread and Jam are bought together</a:t>
+            </a:r>
+          </a:p>
+          <a:p>
+            <a:r>
+              <a:rPr lang="en-IN" dirty="0" smtClean="0"/>
+              <a:t>If a person buys Laptop then he also buys laptop bag. </a:t>
             </a:r>
           </a:p>
           <a:p>
             <a:pPr lvl="1"/>
             <a:r>
               <a:rPr lang="en-IN" dirty="0" smtClean="0"/>
-              <a:t>Output </a:t>
-            </a:r>
-          </a:p>
-          <a:p>
-            <a:pPr lvl="2"/>
-            <a:r>
-              <a:rPr lang="en-IN" dirty="0" smtClean="0"/>
-              <a:t>Clustered number </a:t>
-            </a:r>
-            <a:r>
-              <a:rPr lang="en-IN" dirty="0" smtClean="0"/>
-              <a:t>of shirt sizes </a:t>
-            </a:r>
-            <a:r>
-              <a:rPr lang="en-IN" dirty="0" smtClean="0"/>
-              <a:t>(small, </a:t>
-            </a:r>
-            <a:r>
-              <a:rPr lang="en-IN" dirty="0" smtClean="0"/>
-              <a:t>medium, </a:t>
-            </a:r>
-            <a:r>
-              <a:rPr lang="en-IN" dirty="0" smtClean="0"/>
-              <a:t>and large)</a:t>
-            </a:r>
-            <a:endParaRPr lang="en-IN" dirty="0" smtClean="0"/>
-          </a:p>
-          <a:p>
-            <a:pPr lvl="1"/>
-            <a:r>
-              <a:rPr lang="en-IN" dirty="0" smtClean="0"/>
-              <a:t>Optimization function </a:t>
-            </a:r>
-            <a:endParaRPr lang="en-IN" dirty="0" smtClean="0"/>
-          </a:p>
-          <a:p>
-            <a:pPr lvl="2"/>
-            <a:r>
-              <a:rPr lang="en-IN" dirty="0" smtClean="0"/>
-              <a:t>No </a:t>
-            </a:r>
-            <a:r>
-              <a:rPr lang="en-IN" dirty="0" smtClean="0"/>
-              <a:t>accuracy</a:t>
-            </a:r>
-          </a:p>
-          <a:p>
-            <a:pPr lvl="2"/>
-            <a:r>
-              <a:rPr lang="en-IN" dirty="0" smtClean="0"/>
-              <a:t>Decrease distance between samples from same cluster</a:t>
-            </a:r>
-          </a:p>
-          <a:p>
-            <a:pPr lvl="2"/>
-            <a:r>
-              <a:rPr lang="en-IN" dirty="0" smtClean="0"/>
-              <a:t>Increase distance between samples from different </a:t>
-            </a:r>
-            <a:r>
-              <a:rPr lang="en-IN" dirty="0" smtClean="0"/>
-              <a:t>clusters</a:t>
-            </a:r>
+              <a:t>Laptop and laptop bag are bought together</a:t>
+            </a:r>
+          </a:p>
+          <a:p>
             <a:endParaRPr lang="en-US" dirty="0" smtClean="0"/>
           </a:p>
         </p:txBody>
@@ -4873,11 +4673,7 @@
           <a:p>
             <a:r>
               <a:rPr lang="en-US" dirty="0" smtClean="0"/>
-              <a:t>Unsupervised </a:t>
-            </a:r>
-            <a:r>
-              <a:rPr lang="en-US" dirty="0" smtClean="0"/>
-              <a:t>Learning – Examples  </a:t>
+              <a:t>Unsupervised Learning – Examples  </a:t>
             </a:r>
             <a:endParaRPr lang="en-US" dirty="0"/>
           </a:p>
@@ -4896,46 +4692,75 @@
         <p:spPr/>
         <p:txBody>
           <a:bodyPr>
-            <a:normAutofit/>
+            <a:normAutofit fontScale="92500" lnSpcReduction="10000"/>
           </a:bodyPr>
           <a:lstStyle/>
           <a:p>
             <a:r>
               <a:rPr lang="en-IN" dirty="0" smtClean="0"/>
-              <a:t>Feature learning</a:t>
-            </a:r>
-          </a:p>
-          <a:p>
-            <a:r>
-              <a:rPr lang="en-IN" dirty="0" smtClean="0"/>
-              <a:t>Anomaly </a:t>
-            </a:r>
-            <a:r>
-              <a:rPr lang="en-IN" dirty="0" smtClean="0"/>
-              <a:t>detection</a:t>
-            </a:r>
-            <a:endParaRPr lang="en-IN" dirty="0" smtClean="0"/>
+              <a:t>Clustering</a:t>
+            </a:r>
+          </a:p>
+          <a:p>
+            <a:r>
+              <a:rPr lang="en-IN" dirty="0" smtClean="0"/>
+              <a:t>Customer segmentation for different shirt sizes</a:t>
+            </a:r>
           </a:p>
           <a:p>
             <a:pPr lvl="1"/>
             <a:r>
               <a:rPr lang="en-IN" dirty="0" smtClean="0"/>
-              <a:t>Use </a:t>
-            </a:r>
-            <a:r>
-              <a:rPr lang="en-IN" dirty="0" smtClean="0"/>
-              <a:t>auto-encoder </a:t>
-            </a:r>
-            <a:r>
-              <a:rPr lang="en-IN" dirty="0" smtClean="0"/>
-              <a:t>for feature learning</a:t>
+              <a:t>Input variables </a:t>
+            </a:r>
+          </a:p>
+          <a:p>
+            <a:pPr lvl="2"/>
+            <a:r>
+              <a:rPr lang="en-IN" dirty="0" smtClean="0"/>
+              <a:t>Number of size measurements for customers</a:t>
             </a:r>
           </a:p>
           <a:p>
             <a:pPr lvl="1"/>
             <a:r>
               <a:rPr lang="en-IN" dirty="0" smtClean="0"/>
-              <a:t>Detect anomaly using reconstruction error and threshold</a:t>
+              <a:t>Output </a:t>
+            </a:r>
+          </a:p>
+          <a:p>
+            <a:pPr lvl="2"/>
+            <a:r>
+              <a:rPr lang="en-IN" dirty="0" smtClean="0"/>
+              <a:t>Clustered number of shirt sizes (small, medium, and large)</a:t>
+            </a:r>
+          </a:p>
+          <a:p>
+            <a:pPr lvl="1"/>
+            <a:r>
+              <a:rPr lang="en-IN" dirty="0" smtClean="0"/>
+              <a:t>Optimization function </a:t>
+            </a:r>
+          </a:p>
+          <a:p>
+            <a:pPr lvl="2"/>
+            <a:r>
+              <a:rPr lang="en-IN" dirty="0" smtClean="0"/>
+              <a:t>No accuracy</a:t>
+            </a:r>
+          </a:p>
+          <a:p>
+            <a:pPr lvl="2"/>
+            <a:r>
+              <a:rPr lang="en-IN" dirty="0" smtClean="0"/>
+              <a:t>Decrease distance between samples from same cluster</a:t>
+            </a:r>
+          </a:p>
+          <a:p>
+            <a:pPr lvl="2"/>
+            <a:r>
+              <a:rPr lang="en-IN" dirty="0" smtClean="0"/>
+              <a:t>Increase distance between samples from different clusters</a:t>
             </a:r>
             <a:endParaRPr lang="en-US" dirty="0" smtClean="0"/>
           </a:p>
@@ -5017,12 +4842,23 @@
               <a:rPr lang="en-US" dirty="0" smtClean="0"/>
               <a:t>Artificial Intelligence – What ?</a:t>
             </a:r>
-            <a:endParaRPr lang="en-US" dirty="0" smtClean="0"/>
-          </a:p>
-          <a:p>
-            <a:r>
-              <a:rPr lang="en-US" dirty="0" smtClean="0"/>
-              <a:t>AI </a:t>
+          </a:p>
+          <a:p>
+            <a:r>
+              <a:rPr lang="en-US" dirty="0" smtClean="0"/>
+              <a:t>AI Classification</a:t>
+            </a:r>
+          </a:p>
+          <a:p>
+            <a:r>
+              <a:rPr lang="en-US" dirty="0" smtClean="0"/>
+              <a:t>Machine Learning – What ?</a:t>
+            </a:r>
+          </a:p>
+          <a:p>
+            <a:r>
+              <a:rPr lang="en-US" dirty="0" smtClean="0"/>
+              <a:t>ML </a:t>
             </a:r>
             <a:r>
               <a:rPr lang="en-US" dirty="0" smtClean="0"/>
@@ -5032,17 +4868,11 @@
           <a:p>
             <a:r>
               <a:rPr lang="en-US" dirty="0" smtClean="0"/>
-              <a:t>Machine Learning – What </a:t>
-            </a:r>
-            <a:r>
-              <a:rPr lang="en-US" dirty="0" smtClean="0"/>
-              <a:t>?</a:t>
-            </a:r>
-          </a:p>
-          <a:p>
-            <a:r>
-              <a:rPr lang="en-US" dirty="0" smtClean="0"/>
-              <a:t>ML Classification</a:t>
+              <a:t>Deep Learning </a:t>
+            </a:r>
+            <a:r>
+              <a:rPr lang="en-US" dirty="0" smtClean="0"/>
+              <a:t>– What ?</a:t>
             </a:r>
             <a:endParaRPr lang="en-US" dirty="0" smtClean="0"/>
           </a:p>
@@ -5090,17 +4920,19 @@
             <a:spLocks noGrp="1"/>
           </p:cNvSpPr>
           <p:nvPr>
-            <p:ph type="ctrTitle"/>
-          </p:nvPr>
-        </p:nvSpPr>
-        <p:spPr/>
-        <p:txBody>
-          <a:bodyPr/>
-          <a:lstStyle/>
-          <a:p>
-            <a:r>
-              <a:rPr lang="en-US" dirty="0" smtClean="0"/>
-              <a:t>Questions?</a:t>
+            <p:ph type="title"/>
+          </p:nvPr>
+        </p:nvSpPr>
+        <p:spPr/>
+        <p:txBody>
+          <a:bodyPr>
+            <a:normAutofit/>
+          </a:bodyPr>
+          <a:lstStyle/>
+          <a:p>
+            <a:r>
+              <a:rPr lang="en-US" dirty="0" smtClean="0"/>
+              <a:t>Unsupervised Learning – Examples  </a:t>
             </a:r>
             <a:endParaRPr lang="en-US" dirty="0"/>
           </a:p>
@@ -5108,24 +4940,1248 @@
       </p:sp>
       <p:sp>
         <p:nvSpPr>
-          <p:cNvPr id="3" name="Subtitle 2"/>
-          <p:cNvSpPr>
-            <a:spLocks noGrp="1"/>
-          </p:cNvSpPr>
-          <p:nvPr>
-            <p:ph type="subTitle" idx="1"/>
-          </p:nvPr>
-        </p:nvSpPr>
-        <p:spPr/>
-        <p:txBody>
-          <a:bodyPr/>
-          <a:lstStyle/>
-          <a:p>
-            <a:r>
-              <a:rPr lang="en-US" dirty="0" smtClean="0"/>
-              <a:t>Thank you</a:t>
+          <p:cNvPr id="3" name="Content Placeholder 2"/>
+          <p:cNvSpPr>
+            <a:spLocks noGrp="1"/>
+          </p:cNvSpPr>
+          <p:nvPr>
+            <p:ph idx="1"/>
+          </p:nvPr>
+        </p:nvSpPr>
+        <p:spPr/>
+        <p:txBody>
+          <a:bodyPr>
+            <a:normAutofit/>
+          </a:bodyPr>
+          <a:lstStyle/>
+          <a:p>
+            <a:r>
+              <a:rPr lang="en-IN" dirty="0" smtClean="0"/>
+              <a:t>Feature learning</a:t>
+            </a:r>
+          </a:p>
+          <a:p>
+            <a:r>
+              <a:rPr lang="en-IN" dirty="0" smtClean="0"/>
+              <a:t>Anomaly detection</a:t>
+            </a:r>
+          </a:p>
+          <a:p>
+            <a:pPr lvl="1"/>
+            <a:r>
+              <a:rPr lang="en-IN" dirty="0" smtClean="0"/>
+              <a:t>Use auto-encoder for feature learning</a:t>
+            </a:r>
+          </a:p>
+          <a:p>
+            <a:pPr lvl="1"/>
+            <a:r>
+              <a:rPr lang="en-IN" dirty="0" smtClean="0"/>
+              <a:t>Compute reconstruction error</a:t>
+            </a:r>
+            <a:endParaRPr lang="en-IN" dirty="0" smtClean="0"/>
+          </a:p>
+          <a:p>
+            <a:pPr lvl="1"/>
+            <a:r>
+              <a:rPr lang="en-IN" dirty="0" smtClean="0"/>
+              <a:t>Set appropriate threshold for error</a:t>
+            </a:r>
+          </a:p>
+          <a:p>
+            <a:pPr lvl="1"/>
+            <a:r>
+              <a:rPr lang="en-IN" dirty="0" smtClean="0"/>
+              <a:t>Detect </a:t>
+            </a:r>
+            <a:r>
+              <a:rPr lang="en-IN" dirty="0" smtClean="0"/>
+              <a:t>anomaly using </a:t>
+            </a:r>
+            <a:r>
+              <a:rPr lang="en-IN" dirty="0" smtClean="0"/>
+              <a:t>error </a:t>
+            </a:r>
+            <a:r>
+              <a:rPr lang="en-IN" dirty="0" smtClean="0"/>
+              <a:t>and threshold</a:t>
+            </a:r>
+            <a:endParaRPr lang="en-US" dirty="0" smtClean="0"/>
+          </a:p>
+        </p:txBody>
+      </p:sp>
+    </p:spTree>
+  </p:cSld>
+  <p:clrMapOvr>
+    <a:masterClrMapping/>
+  </p:clrMapOvr>
+  <p:timing>
+    <p:tnLst>
+      <p:par>
+        <p:cTn id="1" dur="indefinite" restart="never" nodeType="tmRoot"/>
+      </p:par>
+    </p:tnLst>
+  </p:timing>
+</p:sld>
+</file>
+
+<file path=ppt/slides/slide21.xml><?xml version="1.0" encoding="utf-8"?>
+<p:sld xmlns:a="http://schemas.openxmlformats.org/drawingml/2006/main" xmlns:r="http://schemas.openxmlformats.org/officeDocument/2006/relationships" xmlns:p="http://schemas.openxmlformats.org/presentationml/2006/main">
+  <p:cSld>
+    <p:spTree>
+      <p:nvGrpSpPr>
+        <p:cNvPr id="1" name=""/>
+        <p:cNvGrpSpPr/>
+        <p:nvPr/>
+      </p:nvGrpSpPr>
+      <p:grpSpPr>
+        <a:xfrm>
+          <a:off x="0" y="0"/>
+          <a:ext cx="0" cy="0"/>
+          <a:chOff x="0" y="0"/>
+          <a:chExt cx="0" cy="0"/>
+        </a:xfrm>
+      </p:grpSpPr>
+      <p:sp>
+        <p:nvSpPr>
+          <p:cNvPr id="2" name="Title 1"/>
+          <p:cNvSpPr>
+            <a:spLocks noGrp="1"/>
+          </p:cNvSpPr>
+          <p:nvPr>
+            <p:ph type="title"/>
+          </p:nvPr>
+        </p:nvSpPr>
+        <p:spPr/>
+        <p:txBody>
+          <a:bodyPr>
+            <a:normAutofit/>
+          </a:bodyPr>
+          <a:lstStyle/>
+          <a:p>
+            <a:r>
+              <a:rPr lang="en-US" dirty="0" smtClean="0"/>
+              <a:t>Reinforcement </a:t>
+            </a:r>
+            <a:r>
+              <a:rPr lang="en-US" dirty="0" smtClean="0"/>
+              <a:t>Learning </a:t>
+            </a:r>
+            <a:r>
+              <a:rPr lang="en-US" dirty="0" smtClean="0"/>
+              <a:t>– What ?  </a:t>
             </a:r>
             <a:endParaRPr lang="en-US" dirty="0"/>
+          </a:p>
+        </p:txBody>
+      </p:sp>
+      <p:sp>
+        <p:nvSpPr>
+          <p:cNvPr id="3" name="Content Placeholder 2"/>
+          <p:cNvSpPr>
+            <a:spLocks noGrp="1"/>
+          </p:cNvSpPr>
+          <p:nvPr>
+            <p:ph idx="1"/>
+          </p:nvPr>
+        </p:nvSpPr>
+        <p:spPr/>
+        <p:txBody>
+          <a:bodyPr>
+            <a:normAutofit/>
+          </a:bodyPr>
+          <a:lstStyle/>
+          <a:p>
+            <a:r>
+              <a:rPr lang="en-IN" dirty="0" smtClean="0"/>
+              <a:t>Learn from experience</a:t>
+            </a:r>
+          </a:p>
+          <a:p>
+            <a:r>
+              <a:rPr lang="en-IN" dirty="0" smtClean="0"/>
+              <a:t>Take suitable action </a:t>
+            </a:r>
+            <a:endParaRPr lang="en-IN" dirty="0" smtClean="0"/>
+          </a:p>
+          <a:p>
+            <a:r>
+              <a:rPr lang="en-IN" dirty="0" smtClean="0"/>
+              <a:t>Maximize </a:t>
+            </a:r>
+            <a:r>
+              <a:rPr lang="en-IN" dirty="0" smtClean="0"/>
+              <a:t>reward in particular situation</a:t>
+            </a:r>
+            <a:endParaRPr lang="en-US" dirty="0" smtClean="0"/>
+          </a:p>
+        </p:txBody>
+      </p:sp>
+    </p:spTree>
+  </p:cSld>
+  <p:clrMapOvr>
+    <a:masterClrMapping/>
+  </p:clrMapOvr>
+  <p:timing>
+    <p:tnLst>
+      <p:par>
+        <p:cTn id="1" dur="indefinite" restart="never" nodeType="tmRoot"/>
+      </p:par>
+    </p:tnLst>
+  </p:timing>
+</p:sld>
+</file>
+
+<file path=ppt/slides/slide22.xml><?xml version="1.0" encoding="utf-8"?>
+<p:sld xmlns:a="http://schemas.openxmlformats.org/drawingml/2006/main" xmlns:r="http://schemas.openxmlformats.org/officeDocument/2006/relationships" xmlns:p="http://schemas.openxmlformats.org/presentationml/2006/main">
+  <p:cSld>
+    <p:spTree>
+      <p:nvGrpSpPr>
+        <p:cNvPr id="1" name=""/>
+        <p:cNvGrpSpPr/>
+        <p:nvPr/>
+      </p:nvGrpSpPr>
+      <p:grpSpPr>
+        <a:xfrm>
+          <a:off x="0" y="0"/>
+          <a:ext cx="0" cy="0"/>
+          <a:chOff x="0" y="0"/>
+          <a:chExt cx="0" cy="0"/>
+        </a:xfrm>
+      </p:grpSpPr>
+      <p:sp>
+        <p:nvSpPr>
+          <p:cNvPr id="2" name="Title 1"/>
+          <p:cNvSpPr>
+            <a:spLocks noGrp="1"/>
+          </p:cNvSpPr>
+          <p:nvPr>
+            <p:ph type="title"/>
+          </p:nvPr>
+        </p:nvSpPr>
+        <p:spPr/>
+        <p:txBody>
+          <a:bodyPr>
+            <a:normAutofit/>
+          </a:bodyPr>
+          <a:lstStyle/>
+          <a:p>
+            <a:r>
+              <a:rPr lang="en-US" dirty="0" smtClean="0"/>
+              <a:t>Reinforcement Learning </a:t>
+            </a:r>
+            <a:r>
+              <a:rPr lang="en-US" dirty="0" smtClean="0"/>
+              <a:t>– Terms  </a:t>
+            </a:r>
+            <a:endParaRPr lang="en-US" dirty="0"/>
+          </a:p>
+        </p:txBody>
+      </p:sp>
+      <p:sp>
+        <p:nvSpPr>
+          <p:cNvPr id="3" name="Content Placeholder 2"/>
+          <p:cNvSpPr>
+            <a:spLocks noGrp="1"/>
+          </p:cNvSpPr>
+          <p:nvPr>
+            <p:ph idx="1"/>
+          </p:nvPr>
+        </p:nvSpPr>
+        <p:spPr/>
+        <p:txBody>
+          <a:bodyPr>
+            <a:normAutofit/>
+          </a:bodyPr>
+          <a:lstStyle/>
+          <a:p>
+            <a:r>
+              <a:rPr lang="en-US" dirty="0" smtClean="0"/>
+              <a:t>Dynamic system or environment</a:t>
+            </a:r>
+          </a:p>
+          <a:p>
+            <a:r>
+              <a:rPr lang="en-US" dirty="0" smtClean="0"/>
+              <a:t>Agent interactions </a:t>
+            </a:r>
+            <a:r>
+              <a:rPr lang="en-US" dirty="0" smtClean="0"/>
+              <a:t>– Episodes </a:t>
+            </a:r>
+            <a:endParaRPr lang="en-US" dirty="0" smtClean="0"/>
+          </a:p>
+          <a:p>
+            <a:r>
+              <a:rPr lang="en-US" dirty="0" smtClean="0"/>
+              <a:t>Feedback </a:t>
+            </a:r>
+            <a:r>
+              <a:rPr lang="en-US" dirty="0" smtClean="0"/>
+              <a:t>– Rewards or </a:t>
+            </a:r>
+            <a:r>
+              <a:rPr lang="en-US" dirty="0" smtClean="0"/>
+              <a:t>penalties</a:t>
+            </a:r>
+          </a:p>
+          <a:p>
+            <a:r>
+              <a:rPr lang="en-US" dirty="0" smtClean="0"/>
+              <a:t>Objective </a:t>
+            </a:r>
+            <a:r>
+              <a:rPr lang="en-US" dirty="0" smtClean="0"/>
+              <a:t>– Maximize rewards </a:t>
+            </a:r>
+          </a:p>
+          <a:p>
+            <a:r>
+              <a:rPr lang="en-US" dirty="0" smtClean="0"/>
+              <a:t>Exploration </a:t>
+            </a:r>
+            <a:r>
+              <a:rPr lang="en-US" dirty="0" smtClean="0"/>
+              <a:t>v/s </a:t>
+            </a:r>
+            <a:r>
+              <a:rPr lang="en-US" dirty="0" smtClean="0"/>
+              <a:t>Exploitation</a:t>
+            </a:r>
+            <a:endParaRPr lang="en-US" dirty="0" smtClean="0"/>
+          </a:p>
+        </p:txBody>
+      </p:sp>
+    </p:spTree>
+  </p:cSld>
+  <p:clrMapOvr>
+    <a:masterClrMapping/>
+  </p:clrMapOvr>
+  <p:timing>
+    <p:tnLst>
+      <p:par>
+        <p:cTn id="1" dur="indefinite" restart="never" nodeType="tmRoot"/>
+      </p:par>
+    </p:tnLst>
+  </p:timing>
+</p:sld>
+</file>
+
+<file path=ppt/slides/slide23.xml><?xml version="1.0" encoding="utf-8"?>
+<p:sld xmlns:a="http://schemas.openxmlformats.org/drawingml/2006/main" xmlns:r="http://schemas.openxmlformats.org/officeDocument/2006/relationships" xmlns:p="http://schemas.openxmlformats.org/presentationml/2006/main">
+  <p:cSld>
+    <p:spTree>
+      <p:nvGrpSpPr>
+        <p:cNvPr id="1" name=""/>
+        <p:cNvGrpSpPr/>
+        <p:nvPr/>
+      </p:nvGrpSpPr>
+      <p:grpSpPr>
+        <a:xfrm>
+          <a:off x="0" y="0"/>
+          <a:ext cx="0" cy="0"/>
+          <a:chOff x="0" y="0"/>
+          <a:chExt cx="0" cy="0"/>
+        </a:xfrm>
+      </p:grpSpPr>
+      <p:sp>
+        <p:nvSpPr>
+          <p:cNvPr id="2" name="Title 1"/>
+          <p:cNvSpPr>
+            <a:spLocks noGrp="1"/>
+          </p:cNvSpPr>
+          <p:nvPr>
+            <p:ph type="title"/>
+          </p:nvPr>
+        </p:nvSpPr>
+        <p:spPr/>
+        <p:txBody>
+          <a:bodyPr>
+            <a:normAutofit fontScale="90000"/>
+          </a:bodyPr>
+          <a:lstStyle/>
+          <a:p>
+            <a:r>
+              <a:rPr lang="en-US" dirty="0" smtClean="0"/>
+              <a:t>Reinforcement Learning </a:t>
+            </a:r>
+            <a:r>
+              <a:rPr lang="en-US" dirty="0" smtClean="0"/>
+              <a:t>– Examples </a:t>
+            </a:r>
+            <a:endParaRPr lang="en-US" dirty="0"/>
+          </a:p>
+        </p:txBody>
+      </p:sp>
+      <p:sp>
+        <p:nvSpPr>
+          <p:cNvPr id="3" name="Content Placeholder 2"/>
+          <p:cNvSpPr>
+            <a:spLocks noGrp="1"/>
+          </p:cNvSpPr>
+          <p:nvPr>
+            <p:ph idx="1"/>
+          </p:nvPr>
+        </p:nvSpPr>
+        <p:spPr/>
+        <p:txBody>
+          <a:bodyPr>
+            <a:normAutofit/>
+          </a:bodyPr>
+          <a:lstStyle/>
+          <a:p>
+            <a:r>
+              <a:rPr lang="en-US" dirty="0" err="1" smtClean="0"/>
+              <a:t>AlphaGo</a:t>
+            </a:r>
+            <a:endParaRPr lang="en-US" dirty="0" smtClean="0"/>
+          </a:p>
+          <a:p>
+            <a:r>
+              <a:rPr lang="en-US" dirty="0" smtClean="0"/>
+              <a:t>Super Mario game</a:t>
+            </a:r>
+          </a:p>
+          <a:p>
+            <a:r>
+              <a:rPr lang="en-US" dirty="0" smtClean="0"/>
+              <a:t>Autonomous drones </a:t>
+            </a:r>
+            <a:r>
+              <a:rPr lang="en-US" dirty="0" smtClean="0"/>
+              <a:t>– Stanford University</a:t>
+            </a:r>
+            <a:endParaRPr lang="en-US" dirty="0" smtClean="0"/>
+          </a:p>
+        </p:txBody>
+      </p:sp>
+    </p:spTree>
+  </p:cSld>
+  <p:clrMapOvr>
+    <a:masterClrMapping/>
+  </p:clrMapOvr>
+  <p:timing>
+    <p:tnLst>
+      <p:par>
+        <p:cTn id="1" dur="indefinite" restart="never" nodeType="tmRoot"/>
+      </p:par>
+    </p:tnLst>
+  </p:timing>
+</p:sld>
+</file>
+
+<file path=ppt/slides/slide24.xml><?xml version="1.0" encoding="utf-8"?>
+<p:sld xmlns:a="http://schemas.openxmlformats.org/drawingml/2006/main" xmlns:r="http://schemas.openxmlformats.org/officeDocument/2006/relationships" xmlns:p="http://schemas.openxmlformats.org/presentationml/2006/main">
+  <p:cSld>
+    <p:spTree>
+      <p:nvGrpSpPr>
+        <p:cNvPr id="1" name=""/>
+        <p:cNvGrpSpPr/>
+        <p:nvPr/>
+      </p:nvGrpSpPr>
+      <p:grpSpPr>
+        <a:xfrm>
+          <a:off x="0" y="0"/>
+          <a:ext cx="0" cy="0"/>
+          <a:chOff x="0" y="0"/>
+          <a:chExt cx="0" cy="0"/>
+        </a:xfrm>
+      </p:grpSpPr>
+      <p:sp>
+        <p:nvSpPr>
+          <p:cNvPr id="2" name="Title 1"/>
+          <p:cNvSpPr>
+            <a:spLocks noGrp="1"/>
+          </p:cNvSpPr>
+          <p:nvPr>
+            <p:ph type="title"/>
+          </p:nvPr>
+        </p:nvSpPr>
+        <p:spPr/>
+        <p:txBody>
+          <a:bodyPr>
+            <a:normAutofit/>
+          </a:bodyPr>
+          <a:lstStyle/>
+          <a:p>
+            <a:r>
+              <a:rPr lang="en-IN" dirty="0" smtClean="0"/>
+              <a:t>Semi Supervised </a:t>
+            </a:r>
+            <a:r>
+              <a:rPr lang="en-IN" dirty="0" smtClean="0"/>
+              <a:t>Learning </a:t>
+            </a:r>
+            <a:r>
+              <a:rPr lang="en-IN" dirty="0" smtClean="0"/>
+              <a:t>– What ?</a:t>
+            </a:r>
+            <a:r>
+              <a:rPr lang="en-US" dirty="0" smtClean="0"/>
+              <a:t>  </a:t>
+            </a:r>
+            <a:endParaRPr lang="en-US" dirty="0"/>
+          </a:p>
+        </p:txBody>
+      </p:sp>
+      <p:sp>
+        <p:nvSpPr>
+          <p:cNvPr id="3" name="Content Placeholder 2"/>
+          <p:cNvSpPr>
+            <a:spLocks noGrp="1"/>
+          </p:cNvSpPr>
+          <p:nvPr>
+            <p:ph idx="1"/>
+          </p:nvPr>
+        </p:nvSpPr>
+        <p:spPr/>
+        <p:txBody>
+          <a:bodyPr>
+            <a:normAutofit/>
+          </a:bodyPr>
+          <a:lstStyle/>
+          <a:p>
+            <a:r>
+              <a:rPr lang="en-US" dirty="0" smtClean="0"/>
+              <a:t>Supervised learning + </a:t>
+            </a:r>
+            <a:r>
+              <a:rPr lang="en-US" dirty="0" smtClean="0"/>
+              <a:t>Unsupervised </a:t>
+            </a:r>
+            <a:r>
+              <a:rPr lang="en-US" dirty="0" smtClean="0"/>
+              <a:t>learning</a:t>
+            </a:r>
+          </a:p>
+          <a:p>
+            <a:r>
+              <a:rPr lang="en-US" dirty="0" smtClean="0"/>
+              <a:t>Small </a:t>
+            </a:r>
+            <a:r>
+              <a:rPr lang="en-US" dirty="0" smtClean="0"/>
+              <a:t>– Labeled dataset </a:t>
+            </a:r>
+          </a:p>
+          <a:p>
+            <a:r>
+              <a:rPr lang="en-US" dirty="0" smtClean="0"/>
+              <a:t>Large – Unlabeled dataset</a:t>
+            </a:r>
+            <a:endParaRPr lang="en-US" dirty="0" smtClean="0"/>
+          </a:p>
+          <a:p>
+            <a:r>
+              <a:rPr lang="en-US" dirty="0" smtClean="0"/>
+              <a:t>Labeled </a:t>
+            </a:r>
+            <a:r>
+              <a:rPr lang="en-US" dirty="0" smtClean="0"/>
+              <a:t>dataset </a:t>
+            </a:r>
+            <a:r>
+              <a:rPr lang="en-US" dirty="0" smtClean="0"/>
+              <a:t>– More </a:t>
+            </a:r>
+            <a:r>
+              <a:rPr lang="en-US" dirty="0" err="1" smtClean="0"/>
+              <a:t>weightage</a:t>
+            </a:r>
+            <a:endParaRPr lang="en-US" dirty="0" smtClean="0"/>
+          </a:p>
+          <a:p>
+            <a:r>
+              <a:rPr lang="en-US" dirty="0" smtClean="0"/>
+              <a:t>Unlabeled </a:t>
+            </a:r>
+            <a:r>
+              <a:rPr lang="en-US" dirty="0" smtClean="0"/>
+              <a:t>dataset – </a:t>
+            </a:r>
+            <a:r>
+              <a:rPr lang="en-US" dirty="0" smtClean="0"/>
+              <a:t>Less </a:t>
+            </a:r>
+            <a:r>
+              <a:rPr lang="en-US" dirty="0" err="1" smtClean="0"/>
+              <a:t>weightage</a:t>
+            </a:r>
+            <a:endParaRPr lang="en-US" dirty="0" smtClean="0"/>
+          </a:p>
+        </p:txBody>
+      </p:sp>
+    </p:spTree>
+  </p:cSld>
+  <p:clrMapOvr>
+    <a:masterClrMapping/>
+  </p:clrMapOvr>
+  <p:timing>
+    <p:tnLst>
+      <p:par>
+        <p:cTn id="1" dur="indefinite" restart="never" nodeType="tmRoot"/>
+      </p:par>
+    </p:tnLst>
+  </p:timing>
+</p:sld>
+</file>
+
+<file path=ppt/slides/slide25.xml><?xml version="1.0" encoding="utf-8"?>
+<p:sld xmlns:a="http://schemas.openxmlformats.org/drawingml/2006/main" xmlns:r="http://schemas.openxmlformats.org/officeDocument/2006/relationships" xmlns:p="http://schemas.openxmlformats.org/presentationml/2006/main">
+  <p:cSld>
+    <p:spTree>
+      <p:nvGrpSpPr>
+        <p:cNvPr id="1" name=""/>
+        <p:cNvGrpSpPr/>
+        <p:nvPr/>
+      </p:nvGrpSpPr>
+      <p:grpSpPr>
+        <a:xfrm>
+          <a:off x="0" y="0"/>
+          <a:ext cx="0" cy="0"/>
+          <a:chOff x="0" y="0"/>
+          <a:chExt cx="0" cy="0"/>
+        </a:xfrm>
+      </p:grpSpPr>
+      <p:sp>
+        <p:nvSpPr>
+          <p:cNvPr id="2" name="Title 1"/>
+          <p:cNvSpPr>
+            <a:spLocks noGrp="1"/>
+          </p:cNvSpPr>
+          <p:nvPr>
+            <p:ph type="title"/>
+          </p:nvPr>
+        </p:nvSpPr>
+        <p:spPr/>
+        <p:txBody>
+          <a:bodyPr>
+            <a:normAutofit/>
+          </a:bodyPr>
+          <a:lstStyle/>
+          <a:p>
+            <a:r>
+              <a:rPr lang="en-IN" dirty="0" smtClean="0"/>
+              <a:t>Semi Supervised </a:t>
+            </a:r>
+            <a:r>
+              <a:rPr lang="en-IN" dirty="0" smtClean="0"/>
+              <a:t>Learning </a:t>
+            </a:r>
+            <a:r>
+              <a:rPr lang="en-IN" dirty="0" smtClean="0"/>
+              <a:t>– What ?</a:t>
+            </a:r>
+            <a:r>
+              <a:rPr lang="en-US" dirty="0" smtClean="0"/>
+              <a:t>  </a:t>
+            </a:r>
+            <a:endParaRPr lang="en-US" dirty="0"/>
+          </a:p>
+        </p:txBody>
+      </p:sp>
+      <p:sp>
+        <p:nvSpPr>
+          <p:cNvPr id="3" name="Content Placeholder 2"/>
+          <p:cNvSpPr>
+            <a:spLocks noGrp="1"/>
+          </p:cNvSpPr>
+          <p:nvPr>
+            <p:ph idx="1"/>
+          </p:nvPr>
+        </p:nvSpPr>
+        <p:spPr/>
+        <p:txBody>
+          <a:bodyPr>
+            <a:normAutofit/>
+          </a:bodyPr>
+          <a:lstStyle/>
+          <a:p>
+            <a:r>
+              <a:rPr lang="en-US" dirty="0" smtClean="0"/>
+              <a:t>Train </a:t>
+            </a:r>
+            <a:r>
+              <a:rPr lang="en-US" dirty="0" smtClean="0"/>
+              <a:t>model using labeled </a:t>
+            </a:r>
+            <a:r>
+              <a:rPr lang="en-US" dirty="0" smtClean="0"/>
+              <a:t>dataset.</a:t>
+            </a:r>
+            <a:endParaRPr lang="en-US" dirty="0" smtClean="0"/>
+          </a:p>
+          <a:p>
+            <a:r>
+              <a:rPr lang="en-US" dirty="0" smtClean="0"/>
+              <a:t>Pseudo labeling </a:t>
+            </a:r>
+            <a:endParaRPr lang="en-US" dirty="0" smtClean="0"/>
+          </a:p>
+          <a:p>
+            <a:pPr lvl="1"/>
+            <a:r>
+              <a:rPr lang="en-US" dirty="0" smtClean="0"/>
+              <a:t>Use </a:t>
+            </a:r>
+            <a:r>
+              <a:rPr lang="en-US" dirty="0" smtClean="0"/>
+              <a:t>trained model to label unlabeled dataset.</a:t>
+            </a:r>
+          </a:p>
+          <a:p>
+            <a:r>
+              <a:rPr lang="en-US" dirty="0" smtClean="0"/>
+              <a:t>Train model using composite </a:t>
+            </a:r>
+            <a:r>
+              <a:rPr lang="en-US" dirty="0" smtClean="0"/>
+              <a:t>dataset. </a:t>
+            </a:r>
+          </a:p>
+          <a:p>
+            <a:r>
+              <a:rPr lang="en-US" dirty="0" smtClean="0"/>
+              <a:t>Improve model performance.</a:t>
+            </a:r>
+            <a:endParaRPr lang="en-US" dirty="0" smtClean="0"/>
+          </a:p>
+        </p:txBody>
+      </p:sp>
+    </p:spTree>
+  </p:cSld>
+  <p:clrMapOvr>
+    <a:masterClrMapping/>
+  </p:clrMapOvr>
+  <p:timing>
+    <p:tnLst>
+      <p:par>
+        <p:cTn id="1" dur="indefinite" restart="never" nodeType="tmRoot"/>
+      </p:par>
+    </p:tnLst>
+  </p:timing>
+</p:sld>
+</file>
+
+<file path=ppt/slides/slide26.xml><?xml version="1.0" encoding="utf-8"?>
+<p:sld xmlns:a="http://schemas.openxmlformats.org/drawingml/2006/main" xmlns:r="http://schemas.openxmlformats.org/officeDocument/2006/relationships" xmlns:p="http://schemas.openxmlformats.org/presentationml/2006/main">
+  <p:cSld>
+    <p:spTree>
+      <p:nvGrpSpPr>
+        <p:cNvPr id="1" name=""/>
+        <p:cNvGrpSpPr/>
+        <p:nvPr/>
+      </p:nvGrpSpPr>
+      <p:grpSpPr>
+        <a:xfrm>
+          <a:off x="0" y="0"/>
+          <a:ext cx="0" cy="0"/>
+          <a:chOff x="0" y="0"/>
+          <a:chExt cx="0" cy="0"/>
+        </a:xfrm>
+      </p:grpSpPr>
+      <p:sp>
+        <p:nvSpPr>
+          <p:cNvPr id="2" name="Title 1"/>
+          <p:cNvSpPr>
+            <a:spLocks noGrp="1"/>
+          </p:cNvSpPr>
+          <p:nvPr>
+            <p:ph type="title"/>
+          </p:nvPr>
+        </p:nvSpPr>
+        <p:spPr/>
+        <p:txBody>
+          <a:bodyPr>
+            <a:normAutofit fontScale="90000"/>
+          </a:bodyPr>
+          <a:lstStyle/>
+          <a:p>
+            <a:r>
+              <a:rPr lang="en-IN" dirty="0" smtClean="0"/>
+              <a:t>Semi Supervised </a:t>
+            </a:r>
+            <a:r>
+              <a:rPr lang="en-IN" dirty="0" smtClean="0"/>
+              <a:t>Learning – Examples</a:t>
+            </a:r>
+            <a:r>
+              <a:rPr lang="en-US" dirty="0" smtClean="0"/>
+              <a:t>  </a:t>
+            </a:r>
+            <a:endParaRPr lang="en-US" dirty="0"/>
+          </a:p>
+        </p:txBody>
+      </p:sp>
+      <p:sp>
+        <p:nvSpPr>
+          <p:cNvPr id="3" name="Content Placeholder 2"/>
+          <p:cNvSpPr>
+            <a:spLocks noGrp="1"/>
+          </p:cNvSpPr>
+          <p:nvPr>
+            <p:ph idx="1"/>
+          </p:nvPr>
+        </p:nvSpPr>
+        <p:spPr/>
+        <p:txBody>
+          <a:bodyPr>
+            <a:normAutofit/>
+          </a:bodyPr>
+          <a:lstStyle/>
+          <a:p>
+            <a:r>
+              <a:rPr lang="en-US" dirty="0" smtClean="0"/>
+              <a:t>Vehicle number plate detection</a:t>
+            </a:r>
+          </a:p>
+          <a:p>
+            <a:pPr lvl="1"/>
+            <a:r>
+              <a:rPr lang="en-US" dirty="0" smtClean="0"/>
+              <a:t>Large open dataset</a:t>
+            </a:r>
+          </a:p>
+          <a:p>
+            <a:pPr lvl="1"/>
+            <a:r>
+              <a:rPr lang="en-US" dirty="0" smtClean="0"/>
+              <a:t>Small Indian dataset </a:t>
+            </a:r>
+          </a:p>
+          <a:p>
+            <a:pPr lvl="1"/>
+            <a:r>
+              <a:rPr lang="en-US" dirty="0" smtClean="0"/>
+              <a:t>Train model </a:t>
+            </a:r>
+            <a:r>
+              <a:rPr lang="en-US" dirty="0" smtClean="0"/>
+              <a:t>using open dataset</a:t>
+            </a:r>
+            <a:endParaRPr lang="en-US" dirty="0" smtClean="0"/>
+          </a:p>
+          <a:p>
+            <a:pPr lvl="1"/>
+            <a:r>
+              <a:rPr lang="en-US" dirty="0" smtClean="0"/>
+              <a:t>Label Indian dataset using trained model</a:t>
+            </a:r>
+          </a:p>
+          <a:p>
+            <a:pPr lvl="1"/>
+            <a:r>
+              <a:rPr lang="en-US" dirty="0" smtClean="0"/>
+              <a:t>Generate composite dataset </a:t>
+            </a:r>
+          </a:p>
+          <a:p>
+            <a:pPr lvl="1"/>
+            <a:r>
+              <a:rPr lang="en-US" dirty="0" smtClean="0"/>
+              <a:t>Improve performance using composite dataset</a:t>
+            </a:r>
+            <a:endParaRPr lang="en-US" dirty="0" smtClean="0"/>
+          </a:p>
+        </p:txBody>
+      </p:sp>
+    </p:spTree>
+  </p:cSld>
+  <p:clrMapOvr>
+    <a:masterClrMapping/>
+  </p:clrMapOvr>
+  <p:timing>
+    <p:tnLst>
+      <p:par>
+        <p:cTn id="1" dur="indefinite" restart="never" nodeType="tmRoot"/>
+      </p:par>
+    </p:tnLst>
+  </p:timing>
+</p:sld>
+</file>
+
+<file path=ppt/slides/slide27.xml><?xml version="1.0" encoding="utf-8"?>
+<p:sld xmlns:a="http://schemas.openxmlformats.org/drawingml/2006/main" xmlns:r="http://schemas.openxmlformats.org/officeDocument/2006/relationships" xmlns:p="http://schemas.openxmlformats.org/presentationml/2006/main">
+  <p:cSld>
+    <p:spTree>
+      <p:nvGrpSpPr>
+        <p:cNvPr id="1" name=""/>
+        <p:cNvGrpSpPr/>
+        <p:nvPr/>
+      </p:nvGrpSpPr>
+      <p:grpSpPr>
+        <a:xfrm>
+          <a:off x="0" y="0"/>
+          <a:ext cx="0" cy="0"/>
+          <a:chOff x="0" y="0"/>
+          <a:chExt cx="0" cy="0"/>
+        </a:xfrm>
+      </p:grpSpPr>
+      <p:sp>
+        <p:nvSpPr>
+          <p:cNvPr id="2" name="Title 1"/>
+          <p:cNvSpPr>
+            <a:spLocks noGrp="1"/>
+          </p:cNvSpPr>
+          <p:nvPr>
+            <p:ph type="title"/>
+          </p:nvPr>
+        </p:nvSpPr>
+        <p:spPr/>
+        <p:txBody>
+          <a:bodyPr>
+            <a:normAutofit fontScale="90000"/>
+          </a:bodyPr>
+          <a:lstStyle/>
+          <a:p>
+            <a:r>
+              <a:rPr lang="en-IN" dirty="0" smtClean="0"/>
+              <a:t>Semi Supervised </a:t>
+            </a:r>
+            <a:r>
+              <a:rPr lang="en-IN" dirty="0" smtClean="0"/>
+              <a:t>Learning – Examples</a:t>
+            </a:r>
+            <a:r>
+              <a:rPr lang="en-US" dirty="0" smtClean="0"/>
+              <a:t>  </a:t>
+            </a:r>
+            <a:endParaRPr lang="en-US" dirty="0"/>
+          </a:p>
+        </p:txBody>
+      </p:sp>
+      <p:sp>
+        <p:nvSpPr>
+          <p:cNvPr id="3" name="Content Placeholder 2"/>
+          <p:cNvSpPr>
+            <a:spLocks noGrp="1"/>
+          </p:cNvSpPr>
+          <p:nvPr>
+            <p:ph idx="1"/>
+          </p:nvPr>
+        </p:nvSpPr>
+        <p:spPr/>
+        <p:txBody>
+          <a:bodyPr>
+            <a:normAutofit/>
+          </a:bodyPr>
+          <a:lstStyle/>
+          <a:p>
+            <a:r>
+              <a:rPr lang="en-US" dirty="0" smtClean="0"/>
+              <a:t>Vehicle number plate recognition</a:t>
+            </a:r>
+          </a:p>
+          <a:p>
+            <a:pPr lvl="1"/>
+            <a:r>
+              <a:rPr lang="en-US" dirty="0" smtClean="0"/>
+              <a:t>Generate </a:t>
+            </a:r>
+            <a:r>
+              <a:rPr lang="en-US" dirty="0" smtClean="0"/>
+              <a:t>synthetic dataset</a:t>
+            </a:r>
+          </a:p>
+          <a:p>
+            <a:pPr lvl="1"/>
+            <a:r>
+              <a:rPr lang="en-US" dirty="0" smtClean="0"/>
+              <a:t>Collect unlabeled real dataset </a:t>
+            </a:r>
+            <a:endParaRPr lang="en-US" dirty="0" smtClean="0"/>
+          </a:p>
+          <a:p>
+            <a:pPr lvl="1"/>
+            <a:r>
+              <a:rPr lang="en-US" dirty="0" smtClean="0"/>
+              <a:t>Train model using synthetic dataset</a:t>
+            </a:r>
+          </a:p>
+          <a:p>
+            <a:pPr lvl="1"/>
+            <a:r>
+              <a:rPr lang="en-US" dirty="0" smtClean="0"/>
+              <a:t>Label real dataset using trained model</a:t>
+            </a:r>
+            <a:endParaRPr lang="en-US" dirty="0" smtClean="0"/>
+          </a:p>
+          <a:p>
+            <a:pPr lvl="1"/>
+            <a:r>
+              <a:rPr lang="en-US" dirty="0" smtClean="0"/>
+              <a:t>Improve performance using composite dataset</a:t>
+            </a:r>
+            <a:endParaRPr lang="en-US" dirty="0" smtClean="0"/>
+          </a:p>
+        </p:txBody>
+      </p:sp>
+    </p:spTree>
+  </p:cSld>
+  <p:clrMapOvr>
+    <a:masterClrMapping/>
+  </p:clrMapOvr>
+  <p:timing>
+    <p:tnLst>
+      <p:par>
+        <p:cTn id="1" dur="indefinite" restart="never" nodeType="tmRoot"/>
+      </p:par>
+    </p:tnLst>
+  </p:timing>
+</p:sld>
+</file>
+
+<file path=ppt/slides/slide28.xml><?xml version="1.0" encoding="utf-8"?>
+<p:sld xmlns:a="http://schemas.openxmlformats.org/drawingml/2006/main" xmlns:r="http://schemas.openxmlformats.org/officeDocument/2006/relationships" xmlns:p="http://schemas.openxmlformats.org/presentationml/2006/main">
+  <p:cSld>
+    <p:spTree>
+      <p:nvGrpSpPr>
+        <p:cNvPr id="1" name=""/>
+        <p:cNvGrpSpPr/>
+        <p:nvPr/>
+      </p:nvGrpSpPr>
+      <p:grpSpPr>
+        <a:xfrm>
+          <a:off x="0" y="0"/>
+          <a:ext cx="0" cy="0"/>
+          <a:chOff x="0" y="0"/>
+          <a:chExt cx="0" cy="0"/>
+        </a:xfrm>
+      </p:grpSpPr>
+      <p:sp>
+        <p:nvSpPr>
+          <p:cNvPr id="2" name="Title 1"/>
+          <p:cNvSpPr>
+            <a:spLocks noGrp="1"/>
+          </p:cNvSpPr>
+          <p:nvPr>
+            <p:ph type="title"/>
+          </p:nvPr>
+        </p:nvSpPr>
+        <p:spPr/>
+        <p:txBody>
+          <a:bodyPr>
+            <a:normAutofit/>
+          </a:bodyPr>
+          <a:lstStyle/>
+          <a:p>
+            <a:r>
+              <a:rPr lang="en-IN" dirty="0" smtClean="0"/>
+              <a:t>Self Supervised </a:t>
+            </a:r>
+            <a:r>
+              <a:rPr lang="en-IN" dirty="0" smtClean="0"/>
+              <a:t>Learning </a:t>
+            </a:r>
+            <a:r>
+              <a:rPr lang="en-IN" dirty="0" smtClean="0"/>
+              <a:t>– What ?</a:t>
+            </a:r>
+            <a:r>
+              <a:rPr lang="en-US" dirty="0" smtClean="0"/>
+              <a:t>  </a:t>
+            </a:r>
+            <a:endParaRPr lang="en-US" dirty="0"/>
+          </a:p>
+        </p:txBody>
+      </p:sp>
+      <p:sp>
+        <p:nvSpPr>
+          <p:cNvPr id="3" name="Content Placeholder 2"/>
+          <p:cNvSpPr>
+            <a:spLocks noGrp="1"/>
+          </p:cNvSpPr>
+          <p:nvPr>
+            <p:ph idx="1"/>
+          </p:nvPr>
+        </p:nvSpPr>
+        <p:spPr/>
+        <p:txBody>
+          <a:bodyPr>
+            <a:normAutofit/>
+          </a:bodyPr>
+          <a:lstStyle/>
+          <a:p>
+            <a:r>
+              <a:rPr lang="en-IN" dirty="0" smtClean="0"/>
+              <a:t>Automatic annotations</a:t>
+            </a:r>
+          </a:p>
+          <a:p>
+            <a:r>
+              <a:rPr lang="en-IN" dirty="0" smtClean="0"/>
+              <a:t>Generate </a:t>
+            </a:r>
+            <a:r>
+              <a:rPr lang="en-IN" dirty="0" smtClean="0"/>
+              <a:t>labelled </a:t>
+            </a:r>
+            <a:r>
+              <a:rPr lang="en-IN" dirty="0" smtClean="0"/>
+              <a:t>dataset using large amount of </a:t>
+            </a:r>
+            <a:r>
+              <a:rPr lang="en-IN" dirty="0" smtClean="0"/>
+              <a:t>dataset</a:t>
+            </a:r>
+            <a:endParaRPr lang="en-IN" dirty="0" smtClean="0"/>
+          </a:p>
+          <a:p>
+            <a:r>
+              <a:rPr lang="en-IN" dirty="0" smtClean="0"/>
+              <a:t>Train model using </a:t>
+            </a:r>
+            <a:r>
+              <a:rPr lang="en-IN" dirty="0" smtClean="0"/>
+              <a:t>labelled dataset</a:t>
+            </a:r>
+            <a:endParaRPr lang="en-US" dirty="0" smtClean="0"/>
+          </a:p>
+        </p:txBody>
+      </p:sp>
+    </p:spTree>
+  </p:cSld>
+  <p:clrMapOvr>
+    <a:masterClrMapping/>
+  </p:clrMapOvr>
+  <p:timing>
+    <p:tnLst>
+      <p:par>
+        <p:cTn id="1" dur="indefinite" restart="never" nodeType="tmRoot"/>
+      </p:par>
+    </p:tnLst>
+  </p:timing>
+</p:sld>
+</file>
+
+<file path=ppt/slides/slide29.xml><?xml version="1.0" encoding="utf-8"?>
+<p:sld xmlns:a="http://schemas.openxmlformats.org/drawingml/2006/main" xmlns:r="http://schemas.openxmlformats.org/officeDocument/2006/relationships" xmlns:p="http://schemas.openxmlformats.org/presentationml/2006/main">
+  <p:cSld>
+    <p:spTree>
+      <p:nvGrpSpPr>
+        <p:cNvPr id="1" name=""/>
+        <p:cNvGrpSpPr/>
+        <p:nvPr/>
+      </p:nvGrpSpPr>
+      <p:grpSpPr>
+        <a:xfrm>
+          <a:off x="0" y="0"/>
+          <a:ext cx="0" cy="0"/>
+          <a:chOff x="0" y="0"/>
+          <a:chExt cx="0" cy="0"/>
+        </a:xfrm>
+      </p:grpSpPr>
+      <p:sp>
+        <p:nvSpPr>
+          <p:cNvPr id="2" name="Title 1"/>
+          <p:cNvSpPr>
+            <a:spLocks noGrp="1"/>
+          </p:cNvSpPr>
+          <p:nvPr>
+            <p:ph type="title"/>
+          </p:nvPr>
+        </p:nvSpPr>
+        <p:spPr/>
+        <p:txBody>
+          <a:bodyPr>
+            <a:normAutofit fontScale="90000"/>
+          </a:bodyPr>
+          <a:lstStyle/>
+          <a:p>
+            <a:r>
+              <a:rPr lang="en-US" dirty="0" smtClean="0"/>
+              <a:t>Self Supervised Learning </a:t>
+            </a:r>
+            <a:r>
+              <a:rPr lang="en-US" dirty="0" smtClean="0"/>
+              <a:t>– Examples </a:t>
+            </a:r>
+            <a:endParaRPr lang="en-US" dirty="0"/>
+          </a:p>
+        </p:txBody>
+      </p:sp>
+      <p:sp>
+        <p:nvSpPr>
+          <p:cNvPr id="3" name="Content Placeholder 2"/>
+          <p:cNvSpPr>
+            <a:spLocks noGrp="1"/>
+          </p:cNvSpPr>
+          <p:nvPr>
+            <p:ph idx="1"/>
+          </p:nvPr>
+        </p:nvSpPr>
+        <p:spPr/>
+        <p:txBody>
+          <a:bodyPr>
+            <a:normAutofit/>
+          </a:bodyPr>
+          <a:lstStyle/>
+          <a:p>
+            <a:r>
+              <a:rPr lang="en-IN" dirty="0" smtClean="0"/>
+              <a:t>Gray images to </a:t>
+            </a:r>
+            <a:r>
+              <a:rPr lang="en-IN" dirty="0" smtClean="0"/>
+              <a:t>colour </a:t>
+            </a:r>
+            <a:r>
+              <a:rPr lang="en-IN" dirty="0" smtClean="0"/>
+              <a:t>images</a:t>
+            </a:r>
+          </a:p>
+          <a:p>
+            <a:pPr lvl="1"/>
+            <a:r>
+              <a:rPr lang="en-IN" dirty="0" smtClean="0"/>
+              <a:t>Use </a:t>
+            </a:r>
+            <a:r>
+              <a:rPr lang="en-IN" dirty="0" smtClean="0"/>
+              <a:t>colour images </a:t>
+            </a:r>
+          </a:p>
+          <a:p>
+            <a:pPr lvl="1"/>
+            <a:r>
+              <a:rPr lang="en-IN" dirty="0" smtClean="0"/>
+              <a:t>Generate </a:t>
+            </a:r>
+            <a:r>
+              <a:rPr lang="en-IN" dirty="0" smtClean="0"/>
+              <a:t>corresponding gray </a:t>
+            </a:r>
+            <a:r>
+              <a:rPr lang="en-IN" dirty="0" smtClean="0"/>
+              <a:t>images</a:t>
+            </a:r>
+          </a:p>
+          <a:p>
+            <a:pPr lvl="1"/>
+            <a:r>
+              <a:rPr lang="en-IN" dirty="0" smtClean="0"/>
+              <a:t>Labelled </a:t>
+            </a:r>
+            <a:r>
+              <a:rPr lang="en-IN" dirty="0" smtClean="0"/>
+              <a:t>dataset</a:t>
+            </a:r>
+          </a:p>
+          <a:p>
+            <a:pPr lvl="1"/>
+            <a:r>
+              <a:rPr lang="en-IN" dirty="0" smtClean="0"/>
+              <a:t>Train model using </a:t>
+            </a:r>
+            <a:r>
+              <a:rPr lang="en-IN" dirty="0" smtClean="0"/>
+              <a:t>labelled </a:t>
+            </a:r>
+            <a:r>
+              <a:rPr lang="en-IN" dirty="0" smtClean="0"/>
+              <a:t>dataset</a:t>
+            </a:r>
+            <a:endParaRPr lang="en-US" dirty="0" smtClean="0"/>
           </a:p>
         </p:txBody>
       </p:sp>
@@ -5180,11 +6236,7 @@
           <a:p>
             <a:r>
               <a:rPr lang="en-US" dirty="0" smtClean="0"/>
-              <a:t>Artificial Intelligence </a:t>
-            </a:r>
-            <a:r>
-              <a:rPr lang="en-US" dirty="0" smtClean="0"/>
-              <a:t>– What ? </a:t>
+              <a:t>Artificial Intelligence – What ? </a:t>
             </a:r>
             <a:endParaRPr lang="en-US" dirty="0"/>
           </a:p>
@@ -5206,8 +6258,20 @@
           <a:lstStyle/>
           <a:p>
             <a:r>
-              <a:rPr lang="en-US" dirty="0" smtClean="0"/>
-              <a:t>Artificial Intelligence – AI </a:t>
+              <a:rPr lang="en-US" dirty="0" smtClean="0">
+                <a:solidFill>
+                  <a:srgbClr val="00B050"/>
+                </a:solidFill>
+              </a:rPr>
+              <a:t>AI </a:t>
+            </a:r>
+            <a:r>
+              <a:rPr lang="en-US" dirty="0" smtClean="0"/>
+              <a:t>– </a:t>
+            </a:r>
+            <a:r>
+              <a:rPr lang="en-US" dirty="0" smtClean="0"/>
+              <a:t>Artificial Intelligence</a:t>
             </a:r>
             <a:endParaRPr lang="en-US" dirty="0" smtClean="0"/>
           </a:p>
@@ -5222,25 +6286,1374 @@
             </a:r>
             <a:r>
               <a:rPr lang="en-IN" dirty="0" smtClean="0"/>
-              <a:t> </a:t>
-            </a:r>
-            <a:r>
-              <a:rPr lang="en-IN" dirty="0" smtClean="0"/>
-              <a:t>– Intelligence demonstrated </a:t>
-            </a:r>
-            <a:r>
-              <a:rPr lang="en-IN" dirty="0" smtClean="0"/>
-              <a:t>by machines as opposed to natural intelligence displayed by </a:t>
-            </a:r>
-            <a:r>
-              <a:rPr lang="en-IN" dirty="0" smtClean="0"/>
-              <a:t>humans and animals</a:t>
+              <a:t> – Intelligence demonstrated by machines as opposed to natural intelligence displayed by humans and animals</a:t>
             </a:r>
             <a:endParaRPr lang="en-US" dirty="0" smtClean="0"/>
           </a:p>
           <a:p>
             <a:pPr lvl="1"/>
             <a:endParaRPr lang="en-US" baseline="-25000" dirty="0"/>
+          </a:p>
+        </p:txBody>
+      </p:sp>
+    </p:spTree>
+  </p:cSld>
+  <p:clrMapOvr>
+    <a:masterClrMapping/>
+  </p:clrMapOvr>
+  <p:timing>
+    <p:tnLst>
+      <p:par>
+        <p:cTn id="1" dur="indefinite" restart="never" nodeType="tmRoot"/>
+      </p:par>
+    </p:tnLst>
+  </p:timing>
+</p:sld>
+</file>
+
+<file path=ppt/slides/slide30.xml><?xml version="1.0" encoding="utf-8"?>
+<p:sld xmlns:a="http://schemas.openxmlformats.org/drawingml/2006/main" xmlns:r="http://schemas.openxmlformats.org/officeDocument/2006/relationships" xmlns:p="http://schemas.openxmlformats.org/presentationml/2006/main">
+  <p:cSld>
+    <p:spTree>
+      <p:nvGrpSpPr>
+        <p:cNvPr id="1" name=""/>
+        <p:cNvGrpSpPr/>
+        <p:nvPr/>
+      </p:nvGrpSpPr>
+      <p:grpSpPr>
+        <a:xfrm>
+          <a:off x="0" y="0"/>
+          <a:ext cx="0" cy="0"/>
+          <a:chOff x="0" y="0"/>
+          <a:chExt cx="0" cy="0"/>
+        </a:xfrm>
+      </p:grpSpPr>
+      <p:sp>
+        <p:nvSpPr>
+          <p:cNvPr id="2" name="Title 1"/>
+          <p:cNvSpPr>
+            <a:spLocks noGrp="1"/>
+          </p:cNvSpPr>
+          <p:nvPr>
+            <p:ph type="title"/>
+          </p:nvPr>
+        </p:nvSpPr>
+        <p:spPr/>
+        <p:txBody>
+          <a:bodyPr>
+            <a:normAutofit fontScale="90000"/>
+          </a:bodyPr>
+          <a:lstStyle/>
+          <a:p>
+            <a:r>
+              <a:rPr lang="en-US" dirty="0" smtClean="0"/>
+              <a:t>Self Supervised Learning </a:t>
+            </a:r>
+            <a:r>
+              <a:rPr lang="en-US" dirty="0" smtClean="0"/>
+              <a:t>– Examples </a:t>
+            </a:r>
+            <a:endParaRPr lang="en-US" dirty="0"/>
+          </a:p>
+        </p:txBody>
+      </p:sp>
+      <p:sp>
+        <p:nvSpPr>
+          <p:cNvPr id="3" name="Content Placeholder 2"/>
+          <p:cNvSpPr>
+            <a:spLocks noGrp="1"/>
+          </p:cNvSpPr>
+          <p:nvPr>
+            <p:ph idx="1"/>
+          </p:nvPr>
+        </p:nvSpPr>
+        <p:spPr/>
+        <p:txBody>
+          <a:bodyPr>
+            <a:normAutofit/>
+          </a:bodyPr>
+          <a:lstStyle/>
+          <a:p>
+            <a:r>
+              <a:rPr lang="en-IN" dirty="0" smtClean="0"/>
+              <a:t>Predict next word </a:t>
+            </a:r>
+            <a:r>
+              <a:rPr lang="en-IN" dirty="0" smtClean="0"/>
+              <a:t>– Language model</a:t>
+            </a:r>
+            <a:endParaRPr lang="en-IN" dirty="0" smtClean="0"/>
+          </a:p>
+          <a:p>
+            <a:pPr lvl="1"/>
+            <a:r>
+              <a:rPr lang="en-IN" dirty="0" smtClean="0"/>
+              <a:t>Collect text dataset using internet web pages</a:t>
+            </a:r>
+          </a:p>
+          <a:p>
+            <a:pPr lvl="1"/>
+            <a:r>
+              <a:rPr lang="en-IN" dirty="0" smtClean="0"/>
+              <a:t>Use text dataset for predicting next word</a:t>
+            </a:r>
+            <a:endParaRPr lang="en-IN" dirty="0" smtClean="0"/>
+          </a:p>
+          <a:p>
+            <a:pPr lvl="1"/>
+            <a:r>
+              <a:rPr lang="en-IN" dirty="0" smtClean="0"/>
+              <a:t>Generate labelled </a:t>
+            </a:r>
+            <a:r>
+              <a:rPr lang="en-IN" dirty="0" smtClean="0"/>
+              <a:t>dataset </a:t>
+            </a:r>
+          </a:p>
+          <a:p>
+            <a:pPr lvl="1"/>
+            <a:r>
+              <a:rPr lang="en-IN" dirty="0" smtClean="0"/>
+              <a:t>Train model using </a:t>
+            </a:r>
+            <a:r>
+              <a:rPr lang="en-IN" dirty="0" smtClean="0"/>
+              <a:t>labelled </a:t>
+            </a:r>
+            <a:r>
+              <a:rPr lang="en-IN" dirty="0" smtClean="0"/>
+              <a:t>dataset</a:t>
+            </a:r>
+            <a:endParaRPr lang="en-US" dirty="0" smtClean="0"/>
+          </a:p>
+        </p:txBody>
+      </p:sp>
+    </p:spTree>
+  </p:cSld>
+  <p:clrMapOvr>
+    <a:masterClrMapping/>
+  </p:clrMapOvr>
+  <p:timing>
+    <p:tnLst>
+      <p:par>
+        <p:cTn id="1" dur="indefinite" restart="never" nodeType="tmRoot"/>
+      </p:par>
+    </p:tnLst>
+  </p:timing>
+</p:sld>
+</file>
+
+<file path=ppt/slides/slide31.xml><?xml version="1.0" encoding="utf-8"?>
+<p:sld xmlns:a="http://schemas.openxmlformats.org/drawingml/2006/main" xmlns:r="http://schemas.openxmlformats.org/officeDocument/2006/relationships" xmlns:p="http://schemas.openxmlformats.org/presentationml/2006/main">
+  <p:cSld>
+    <p:spTree>
+      <p:nvGrpSpPr>
+        <p:cNvPr id="1" name=""/>
+        <p:cNvGrpSpPr/>
+        <p:nvPr/>
+      </p:nvGrpSpPr>
+      <p:grpSpPr>
+        <a:xfrm>
+          <a:off x="0" y="0"/>
+          <a:ext cx="0" cy="0"/>
+          <a:chOff x="0" y="0"/>
+          <a:chExt cx="0" cy="0"/>
+        </a:xfrm>
+      </p:grpSpPr>
+      <p:sp>
+        <p:nvSpPr>
+          <p:cNvPr id="2" name="Title 1"/>
+          <p:cNvSpPr>
+            <a:spLocks noGrp="1"/>
+          </p:cNvSpPr>
+          <p:nvPr>
+            <p:ph type="title"/>
+          </p:nvPr>
+        </p:nvSpPr>
+        <p:spPr/>
+        <p:txBody>
+          <a:bodyPr>
+            <a:normAutofit fontScale="90000"/>
+          </a:bodyPr>
+          <a:lstStyle/>
+          <a:p>
+            <a:r>
+              <a:rPr lang="en-US" dirty="0" smtClean="0"/>
+              <a:t>Supervised Learning – Classification  </a:t>
+            </a:r>
+            <a:endParaRPr lang="en-US" dirty="0"/>
+          </a:p>
+        </p:txBody>
+      </p:sp>
+      <p:sp>
+        <p:nvSpPr>
+          <p:cNvPr id="3" name="Content Placeholder 2"/>
+          <p:cNvSpPr>
+            <a:spLocks noGrp="1"/>
+          </p:cNvSpPr>
+          <p:nvPr>
+            <p:ph idx="1"/>
+          </p:nvPr>
+        </p:nvSpPr>
+        <p:spPr/>
+        <p:txBody>
+          <a:bodyPr>
+            <a:normAutofit/>
+          </a:bodyPr>
+          <a:lstStyle/>
+          <a:p>
+            <a:r>
+              <a:rPr lang="en-IN" dirty="0" smtClean="0"/>
+              <a:t>Artificial neural </a:t>
+            </a:r>
+            <a:r>
+              <a:rPr lang="en-IN" dirty="0" smtClean="0"/>
+              <a:t>network – ANN </a:t>
+            </a:r>
+            <a:endParaRPr lang="en-IN" dirty="0" smtClean="0"/>
+          </a:p>
+          <a:p>
+            <a:r>
+              <a:rPr lang="en-IN" dirty="0" smtClean="0"/>
+              <a:t>Decision tree</a:t>
+            </a:r>
+            <a:endParaRPr lang="en-IN" dirty="0" smtClean="0"/>
+          </a:p>
+          <a:p>
+            <a:r>
+              <a:rPr lang="en-IN" dirty="0" smtClean="0"/>
+              <a:t>Support vector machine – SVM</a:t>
+            </a:r>
+            <a:endParaRPr lang="en-IN" dirty="0" smtClean="0"/>
+          </a:p>
+          <a:p>
+            <a:endParaRPr lang="en-IN" dirty="0" smtClean="0"/>
+          </a:p>
+          <a:p>
+            <a:endParaRPr lang="en-US" dirty="0" smtClean="0"/>
+          </a:p>
+        </p:txBody>
+      </p:sp>
+    </p:spTree>
+  </p:cSld>
+  <p:clrMapOvr>
+    <a:masterClrMapping/>
+  </p:clrMapOvr>
+  <p:timing>
+    <p:tnLst>
+      <p:par>
+        <p:cTn id="1" dur="indefinite" restart="never" nodeType="tmRoot"/>
+      </p:par>
+    </p:tnLst>
+  </p:timing>
+</p:sld>
+</file>
+
+<file path=ppt/slides/slide32.xml><?xml version="1.0" encoding="utf-8"?>
+<p:sld xmlns:a="http://schemas.openxmlformats.org/drawingml/2006/main" xmlns:r="http://schemas.openxmlformats.org/officeDocument/2006/relationships" xmlns:p="http://schemas.openxmlformats.org/presentationml/2006/main">
+  <p:cSld>
+    <p:spTree>
+      <p:nvGrpSpPr>
+        <p:cNvPr id="1" name=""/>
+        <p:cNvGrpSpPr/>
+        <p:nvPr/>
+      </p:nvGrpSpPr>
+      <p:grpSpPr>
+        <a:xfrm>
+          <a:off x="0" y="0"/>
+          <a:ext cx="0" cy="0"/>
+          <a:chOff x="0" y="0"/>
+          <a:chExt cx="0" cy="0"/>
+        </a:xfrm>
+      </p:grpSpPr>
+      <p:sp>
+        <p:nvSpPr>
+          <p:cNvPr id="2" name="Title 1"/>
+          <p:cNvSpPr>
+            <a:spLocks noGrp="1"/>
+          </p:cNvSpPr>
+          <p:nvPr>
+            <p:ph type="title"/>
+          </p:nvPr>
+        </p:nvSpPr>
+        <p:spPr/>
+        <p:txBody>
+          <a:bodyPr>
+            <a:normAutofit/>
+          </a:bodyPr>
+          <a:lstStyle/>
+          <a:p>
+            <a:r>
+              <a:rPr lang="en-US" dirty="0" smtClean="0"/>
+              <a:t>ANN – Classification </a:t>
+            </a:r>
+            <a:endParaRPr lang="en-US" dirty="0"/>
+          </a:p>
+        </p:txBody>
+      </p:sp>
+      <p:sp>
+        <p:nvSpPr>
+          <p:cNvPr id="3" name="Content Placeholder 2"/>
+          <p:cNvSpPr>
+            <a:spLocks noGrp="1"/>
+          </p:cNvSpPr>
+          <p:nvPr>
+            <p:ph idx="1"/>
+          </p:nvPr>
+        </p:nvSpPr>
+        <p:spPr/>
+        <p:txBody>
+          <a:bodyPr>
+            <a:normAutofit/>
+          </a:bodyPr>
+          <a:lstStyle/>
+          <a:p>
+            <a:r>
+              <a:rPr lang="en-IN" dirty="0" smtClean="0"/>
+              <a:t>Linear networks </a:t>
+            </a:r>
+            <a:endParaRPr lang="en-IN" dirty="0" smtClean="0"/>
+          </a:p>
+          <a:p>
+            <a:pPr lvl="1"/>
+            <a:r>
+              <a:rPr lang="en-IN" dirty="0" smtClean="0"/>
+              <a:t>Linear function</a:t>
+            </a:r>
+            <a:endParaRPr lang="en-IN" dirty="0" smtClean="0"/>
+          </a:p>
+          <a:p>
+            <a:pPr lvl="1"/>
+            <a:r>
+              <a:rPr lang="en-IN" dirty="0" smtClean="0"/>
+              <a:t>One </a:t>
+            </a:r>
+            <a:r>
+              <a:rPr lang="en-IN" dirty="0" smtClean="0"/>
+              <a:t>input </a:t>
+            </a:r>
+            <a:r>
+              <a:rPr lang="en-IN" dirty="0" smtClean="0"/>
+              <a:t>and one </a:t>
+            </a:r>
+            <a:r>
+              <a:rPr lang="en-IN" dirty="0" smtClean="0"/>
+              <a:t>output </a:t>
+            </a:r>
+            <a:r>
+              <a:rPr lang="en-IN" dirty="0" smtClean="0"/>
+              <a:t>layer</a:t>
+            </a:r>
+            <a:endParaRPr lang="en-IN" dirty="0" smtClean="0"/>
+          </a:p>
+          <a:p>
+            <a:r>
+              <a:rPr lang="en-IN" dirty="0" smtClean="0"/>
+              <a:t>Feed forward neural network</a:t>
+            </a:r>
+          </a:p>
+          <a:p>
+            <a:r>
+              <a:rPr lang="en-IN" dirty="0" smtClean="0"/>
+              <a:t>Convolutional neural network</a:t>
+            </a:r>
+          </a:p>
+          <a:p>
+            <a:r>
+              <a:rPr lang="en-IN" dirty="0" smtClean="0"/>
+              <a:t>Recurrent neural network</a:t>
+            </a:r>
+            <a:endParaRPr lang="en-IN" dirty="0" smtClean="0"/>
+          </a:p>
+          <a:p>
+            <a:r>
+              <a:rPr lang="en-IN" dirty="0" smtClean="0"/>
+              <a:t>Deep </a:t>
+            </a:r>
+            <a:r>
+              <a:rPr lang="en-IN" dirty="0" smtClean="0"/>
+              <a:t>neural networks </a:t>
+            </a:r>
+            <a:endParaRPr lang="en-IN" dirty="0" smtClean="0"/>
+          </a:p>
+          <a:p>
+            <a:pPr lvl="1"/>
+            <a:r>
+              <a:rPr lang="en-IN" dirty="0" smtClean="0"/>
+              <a:t>More </a:t>
+            </a:r>
+            <a:r>
+              <a:rPr lang="en-IN" dirty="0" smtClean="0"/>
+              <a:t>than one hidden layer</a:t>
+            </a:r>
+          </a:p>
+          <a:p>
+            <a:endParaRPr lang="en-IN" dirty="0" smtClean="0"/>
+          </a:p>
+          <a:p>
+            <a:endParaRPr lang="en-US" dirty="0" smtClean="0"/>
+          </a:p>
+        </p:txBody>
+      </p:sp>
+    </p:spTree>
+  </p:cSld>
+  <p:clrMapOvr>
+    <a:masterClrMapping/>
+  </p:clrMapOvr>
+  <p:timing>
+    <p:tnLst>
+      <p:par>
+        <p:cTn id="1" dur="indefinite" restart="never" nodeType="tmRoot"/>
+      </p:par>
+    </p:tnLst>
+  </p:timing>
+</p:sld>
+</file>
+
+<file path=ppt/slides/slide33.xml><?xml version="1.0" encoding="utf-8"?>
+<p:sld xmlns:a="http://schemas.openxmlformats.org/drawingml/2006/main" xmlns:r="http://schemas.openxmlformats.org/officeDocument/2006/relationships" xmlns:p="http://schemas.openxmlformats.org/presentationml/2006/main">
+  <p:cSld>
+    <p:spTree>
+      <p:nvGrpSpPr>
+        <p:cNvPr id="1" name=""/>
+        <p:cNvGrpSpPr/>
+        <p:nvPr/>
+      </p:nvGrpSpPr>
+      <p:grpSpPr>
+        <a:xfrm>
+          <a:off x="0" y="0"/>
+          <a:ext cx="0" cy="0"/>
+          <a:chOff x="0" y="0"/>
+          <a:chExt cx="0" cy="0"/>
+        </a:xfrm>
+      </p:grpSpPr>
+      <p:sp>
+        <p:nvSpPr>
+          <p:cNvPr id="2" name="Title 1"/>
+          <p:cNvSpPr>
+            <a:spLocks noGrp="1"/>
+          </p:cNvSpPr>
+          <p:nvPr>
+            <p:ph type="title"/>
+          </p:nvPr>
+        </p:nvSpPr>
+        <p:spPr/>
+        <p:txBody>
+          <a:bodyPr>
+            <a:normAutofit/>
+          </a:bodyPr>
+          <a:lstStyle/>
+          <a:p>
+            <a:r>
+              <a:rPr lang="en-US" dirty="0" smtClean="0"/>
+              <a:t>Deep </a:t>
+            </a:r>
+            <a:r>
+              <a:rPr lang="en-US" dirty="0" smtClean="0"/>
+              <a:t>Learning </a:t>
+            </a:r>
+            <a:r>
+              <a:rPr lang="en-US" dirty="0" smtClean="0"/>
+              <a:t>– What ? </a:t>
+            </a:r>
+            <a:endParaRPr lang="en-US" dirty="0"/>
+          </a:p>
+        </p:txBody>
+      </p:sp>
+      <p:sp>
+        <p:nvSpPr>
+          <p:cNvPr id="3" name="Content Placeholder 2"/>
+          <p:cNvSpPr>
+            <a:spLocks noGrp="1"/>
+          </p:cNvSpPr>
+          <p:nvPr>
+            <p:ph idx="1"/>
+          </p:nvPr>
+        </p:nvSpPr>
+        <p:spPr/>
+        <p:txBody>
+          <a:bodyPr>
+            <a:normAutofit/>
+          </a:bodyPr>
+          <a:lstStyle/>
+          <a:p>
+            <a:r>
+              <a:rPr lang="en-IN" dirty="0" smtClean="0"/>
+              <a:t>Input layer </a:t>
+            </a:r>
+            <a:endParaRPr lang="en-IN" dirty="0" smtClean="0"/>
+          </a:p>
+          <a:p>
+            <a:r>
+              <a:rPr lang="en-IN" dirty="0" smtClean="0"/>
+              <a:t>Output </a:t>
+            </a:r>
+            <a:r>
+              <a:rPr lang="en-IN" dirty="0" smtClean="0"/>
+              <a:t>layer</a:t>
+            </a:r>
+          </a:p>
+          <a:p>
+            <a:r>
+              <a:rPr lang="en-IN" dirty="0" smtClean="0"/>
+              <a:t>More than one hidden layer</a:t>
+            </a:r>
+          </a:p>
+          <a:p>
+            <a:endParaRPr lang="en-US" dirty="0" smtClean="0"/>
+          </a:p>
+        </p:txBody>
+      </p:sp>
+    </p:spTree>
+  </p:cSld>
+  <p:clrMapOvr>
+    <a:masterClrMapping/>
+  </p:clrMapOvr>
+  <p:timing>
+    <p:tnLst>
+      <p:par>
+        <p:cTn id="1" dur="indefinite" restart="never" nodeType="tmRoot"/>
+      </p:par>
+    </p:tnLst>
+  </p:timing>
+</p:sld>
+</file>
+
+<file path=ppt/slides/slide34.xml><?xml version="1.0" encoding="utf-8"?>
+<p:sld xmlns:a="http://schemas.openxmlformats.org/drawingml/2006/main" xmlns:r="http://schemas.openxmlformats.org/officeDocument/2006/relationships" xmlns:p="http://schemas.openxmlformats.org/presentationml/2006/main">
+  <p:cSld>
+    <p:spTree>
+      <p:nvGrpSpPr>
+        <p:cNvPr id="1" name=""/>
+        <p:cNvGrpSpPr/>
+        <p:nvPr/>
+      </p:nvGrpSpPr>
+      <p:grpSpPr>
+        <a:xfrm>
+          <a:off x="0" y="0"/>
+          <a:ext cx="0" cy="0"/>
+          <a:chOff x="0" y="0"/>
+          <a:chExt cx="0" cy="0"/>
+        </a:xfrm>
+      </p:grpSpPr>
+      <p:sp>
+        <p:nvSpPr>
+          <p:cNvPr id="2" name="Title 1"/>
+          <p:cNvSpPr>
+            <a:spLocks noGrp="1"/>
+          </p:cNvSpPr>
+          <p:nvPr>
+            <p:ph type="title"/>
+          </p:nvPr>
+        </p:nvSpPr>
+        <p:spPr/>
+        <p:txBody>
+          <a:bodyPr>
+            <a:normAutofit/>
+          </a:bodyPr>
+          <a:lstStyle/>
+          <a:p>
+            <a:r>
+              <a:rPr lang="en-US" dirty="0" smtClean="0"/>
+              <a:t>Deep </a:t>
+            </a:r>
+            <a:r>
+              <a:rPr lang="en-US" dirty="0" smtClean="0"/>
+              <a:t>Learning </a:t>
+            </a:r>
+            <a:r>
+              <a:rPr lang="en-US" dirty="0" smtClean="0"/>
+              <a:t>– Why ? </a:t>
+            </a:r>
+            <a:endParaRPr lang="en-US" dirty="0"/>
+          </a:p>
+        </p:txBody>
+      </p:sp>
+      <p:sp>
+        <p:nvSpPr>
+          <p:cNvPr id="3" name="Content Placeholder 2"/>
+          <p:cNvSpPr>
+            <a:spLocks noGrp="1"/>
+          </p:cNvSpPr>
+          <p:nvPr>
+            <p:ph idx="1"/>
+          </p:nvPr>
+        </p:nvSpPr>
+        <p:spPr/>
+        <p:txBody>
+          <a:bodyPr>
+            <a:normAutofit/>
+          </a:bodyPr>
+          <a:lstStyle/>
+          <a:p>
+            <a:r>
+              <a:rPr lang="en-IN" dirty="0" smtClean="0"/>
+              <a:t>Large amount of data </a:t>
+            </a:r>
+            <a:endParaRPr lang="en-IN" dirty="0" smtClean="0"/>
+          </a:p>
+          <a:p>
+            <a:pPr lvl="1"/>
+            <a:r>
+              <a:rPr lang="en-IN" dirty="0" smtClean="0"/>
+              <a:t>Internet </a:t>
+            </a:r>
+            <a:r>
+              <a:rPr lang="en-IN" dirty="0" smtClean="0"/>
+              <a:t>of Things </a:t>
+            </a:r>
+            <a:r>
+              <a:rPr lang="en-IN" dirty="0" smtClean="0"/>
+              <a:t>– </a:t>
+            </a:r>
+            <a:r>
+              <a:rPr lang="en-IN" dirty="0" err="1" smtClean="0"/>
+              <a:t>IoT</a:t>
+            </a:r>
+            <a:endParaRPr lang="en-IN" dirty="0" smtClean="0"/>
+          </a:p>
+          <a:p>
+            <a:r>
+              <a:rPr lang="en-IN" dirty="0" smtClean="0"/>
+              <a:t>Faster hardware </a:t>
+            </a:r>
+            <a:endParaRPr lang="en-IN" dirty="0" smtClean="0"/>
+          </a:p>
+          <a:p>
+            <a:pPr lvl="1"/>
+            <a:r>
+              <a:rPr lang="en-IN" dirty="0" smtClean="0"/>
+              <a:t>GPU</a:t>
+            </a:r>
+          </a:p>
+          <a:p>
+            <a:pPr lvl="1"/>
+            <a:r>
+              <a:rPr lang="en-IN" dirty="0" smtClean="0"/>
+              <a:t>TPU</a:t>
+            </a:r>
+            <a:endParaRPr lang="en-IN" dirty="0" smtClean="0"/>
+          </a:p>
+          <a:p>
+            <a:r>
+              <a:rPr lang="en-IN" dirty="0" smtClean="0"/>
+              <a:t>Better algorithms </a:t>
+            </a:r>
+            <a:endParaRPr lang="en-IN" dirty="0" smtClean="0"/>
+          </a:p>
+          <a:p>
+            <a:pPr lvl="1"/>
+            <a:r>
+              <a:rPr lang="en-IN" dirty="0" smtClean="0"/>
+              <a:t>Residual networks</a:t>
+            </a:r>
+          </a:p>
+          <a:p>
+            <a:pPr lvl="1"/>
+            <a:r>
+              <a:rPr lang="en-IN" dirty="0" err="1" smtClean="0"/>
+              <a:t>ReLU</a:t>
+            </a:r>
+            <a:r>
+              <a:rPr lang="en-IN" dirty="0" smtClean="0"/>
+              <a:t> </a:t>
+            </a:r>
+            <a:r>
+              <a:rPr lang="en-IN" dirty="0" smtClean="0"/>
+              <a:t>activation</a:t>
+            </a:r>
+            <a:endParaRPr lang="en-US" dirty="0" smtClean="0"/>
+          </a:p>
+        </p:txBody>
+      </p:sp>
+    </p:spTree>
+  </p:cSld>
+  <p:clrMapOvr>
+    <a:masterClrMapping/>
+  </p:clrMapOvr>
+  <p:timing>
+    <p:tnLst>
+      <p:par>
+        <p:cTn id="1" dur="indefinite" restart="never" nodeType="tmRoot"/>
+      </p:par>
+    </p:tnLst>
+  </p:timing>
+</p:sld>
+</file>
+
+<file path=ppt/slides/slide35.xml><?xml version="1.0" encoding="utf-8"?>
+<p:sld xmlns:a="http://schemas.openxmlformats.org/drawingml/2006/main" xmlns:r="http://schemas.openxmlformats.org/officeDocument/2006/relationships" xmlns:p="http://schemas.openxmlformats.org/presentationml/2006/main">
+  <p:cSld>
+    <p:spTree>
+      <p:nvGrpSpPr>
+        <p:cNvPr id="1" name=""/>
+        <p:cNvGrpSpPr/>
+        <p:nvPr/>
+      </p:nvGrpSpPr>
+      <p:grpSpPr>
+        <a:xfrm>
+          <a:off x="0" y="0"/>
+          <a:ext cx="0" cy="0"/>
+          <a:chOff x="0" y="0"/>
+          <a:chExt cx="0" cy="0"/>
+        </a:xfrm>
+      </p:grpSpPr>
+      <p:sp>
+        <p:nvSpPr>
+          <p:cNvPr id="2" name="Title 1"/>
+          <p:cNvSpPr>
+            <a:spLocks noGrp="1"/>
+          </p:cNvSpPr>
+          <p:nvPr>
+            <p:ph type="title"/>
+          </p:nvPr>
+        </p:nvSpPr>
+        <p:spPr/>
+        <p:txBody>
+          <a:bodyPr>
+            <a:normAutofit fontScale="90000"/>
+          </a:bodyPr>
+          <a:lstStyle/>
+          <a:p>
+            <a:r>
+              <a:rPr lang="en-IN" dirty="0" smtClean="0"/>
+              <a:t>Machine Learning v/s Deep Learning</a:t>
+            </a:r>
+            <a:r>
+              <a:rPr lang="en-US" dirty="0" smtClean="0"/>
+              <a:t> </a:t>
+            </a:r>
+            <a:endParaRPr lang="en-US" dirty="0"/>
+          </a:p>
+        </p:txBody>
+      </p:sp>
+      <p:sp>
+        <p:nvSpPr>
+          <p:cNvPr id="3" name="Content Placeholder 2"/>
+          <p:cNvSpPr>
+            <a:spLocks noGrp="1"/>
+          </p:cNvSpPr>
+          <p:nvPr>
+            <p:ph idx="1"/>
+          </p:nvPr>
+        </p:nvSpPr>
+        <p:spPr/>
+        <p:txBody>
+          <a:bodyPr>
+            <a:normAutofit/>
+          </a:bodyPr>
+          <a:lstStyle/>
+          <a:p>
+            <a:r>
+              <a:rPr lang="en-IN" dirty="0" smtClean="0"/>
+              <a:t>Training time</a:t>
+            </a:r>
+          </a:p>
+          <a:p>
+            <a:r>
+              <a:rPr lang="en-IN" dirty="0" smtClean="0"/>
+              <a:t>Machine learning </a:t>
+            </a:r>
+            <a:endParaRPr lang="en-IN" dirty="0" smtClean="0"/>
+          </a:p>
+          <a:p>
+            <a:pPr lvl="1"/>
+            <a:r>
+              <a:rPr lang="en-IN" dirty="0" smtClean="0"/>
+              <a:t>Less number of parameters</a:t>
+            </a:r>
+          </a:p>
+          <a:p>
+            <a:pPr lvl="1"/>
+            <a:r>
+              <a:rPr lang="en-IN" dirty="0" smtClean="0"/>
+              <a:t>Less time</a:t>
+            </a:r>
+            <a:endParaRPr lang="en-IN" dirty="0" smtClean="0"/>
+          </a:p>
+          <a:p>
+            <a:r>
+              <a:rPr lang="en-IN" dirty="0" smtClean="0"/>
+              <a:t>Deep learning </a:t>
+            </a:r>
+            <a:endParaRPr lang="en-IN" dirty="0" smtClean="0"/>
+          </a:p>
+          <a:p>
+            <a:pPr lvl="1"/>
+            <a:r>
+              <a:rPr lang="en-IN" dirty="0" smtClean="0"/>
+              <a:t>Large number of parameters</a:t>
+            </a:r>
+            <a:endParaRPr lang="en-IN" dirty="0" smtClean="0"/>
+          </a:p>
+          <a:p>
+            <a:pPr lvl="1"/>
+            <a:r>
+              <a:rPr lang="en-IN" dirty="0" smtClean="0"/>
+              <a:t>Large time</a:t>
+            </a:r>
+            <a:endParaRPr lang="en-US" dirty="0" smtClean="0"/>
+          </a:p>
+        </p:txBody>
+      </p:sp>
+    </p:spTree>
+  </p:cSld>
+  <p:clrMapOvr>
+    <a:masterClrMapping/>
+  </p:clrMapOvr>
+  <p:timing>
+    <p:tnLst>
+      <p:par>
+        <p:cTn id="1" dur="indefinite" restart="never" nodeType="tmRoot"/>
+      </p:par>
+    </p:tnLst>
+  </p:timing>
+</p:sld>
+</file>
+
+<file path=ppt/slides/slide36.xml><?xml version="1.0" encoding="utf-8"?>
+<p:sld xmlns:a="http://schemas.openxmlformats.org/drawingml/2006/main" xmlns:r="http://schemas.openxmlformats.org/officeDocument/2006/relationships" xmlns:p="http://schemas.openxmlformats.org/presentationml/2006/main">
+  <p:cSld>
+    <p:spTree>
+      <p:nvGrpSpPr>
+        <p:cNvPr id="1" name=""/>
+        <p:cNvGrpSpPr/>
+        <p:nvPr/>
+      </p:nvGrpSpPr>
+      <p:grpSpPr>
+        <a:xfrm>
+          <a:off x="0" y="0"/>
+          <a:ext cx="0" cy="0"/>
+          <a:chOff x="0" y="0"/>
+          <a:chExt cx="0" cy="0"/>
+        </a:xfrm>
+      </p:grpSpPr>
+      <p:sp>
+        <p:nvSpPr>
+          <p:cNvPr id="2" name="Title 1"/>
+          <p:cNvSpPr>
+            <a:spLocks noGrp="1"/>
+          </p:cNvSpPr>
+          <p:nvPr>
+            <p:ph type="title"/>
+          </p:nvPr>
+        </p:nvSpPr>
+        <p:spPr/>
+        <p:txBody>
+          <a:bodyPr>
+            <a:normAutofit fontScale="90000"/>
+          </a:bodyPr>
+          <a:lstStyle/>
+          <a:p>
+            <a:r>
+              <a:rPr lang="en-IN" dirty="0" smtClean="0"/>
+              <a:t>Machine Learning v/s Deep Learning</a:t>
+            </a:r>
+            <a:r>
+              <a:rPr lang="en-US" dirty="0" smtClean="0"/>
+              <a:t> </a:t>
+            </a:r>
+            <a:endParaRPr lang="en-US" dirty="0"/>
+          </a:p>
+        </p:txBody>
+      </p:sp>
+      <p:sp>
+        <p:nvSpPr>
+          <p:cNvPr id="3" name="Content Placeholder 2"/>
+          <p:cNvSpPr>
+            <a:spLocks noGrp="1"/>
+          </p:cNvSpPr>
+          <p:nvPr>
+            <p:ph idx="1"/>
+          </p:nvPr>
+        </p:nvSpPr>
+        <p:spPr/>
+        <p:txBody>
+          <a:bodyPr>
+            <a:normAutofit/>
+          </a:bodyPr>
+          <a:lstStyle/>
+          <a:p>
+            <a:r>
+              <a:rPr lang="en-IN" dirty="0" smtClean="0"/>
+              <a:t>Feature extraction</a:t>
+            </a:r>
+          </a:p>
+          <a:p>
+            <a:r>
+              <a:rPr lang="en-IN" dirty="0" smtClean="0"/>
+              <a:t>Machine learning </a:t>
+            </a:r>
+            <a:endParaRPr lang="en-IN" dirty="0" smtClean="0"/>
+          </a:p>
+          <a:p>
+            <a:pPr lvl="1"/>
+            <a:r>
+              <a:rPr lang="en-IN" dirty="0" smtClean="0"/>
+              <a:t>Domain </a:t>
+            </a:r>
+            <a:r>
+              <a:rPr lang="en-IN" dirty="0" smtClean="0"/>
+              <a:t>expert </a:t>
+            </a:r>
+            <a:endParaRPr lang="en-IN" dirty="0" smtClean="0"/>
+          </a:p>
+          <a:p>
+            <a:pPr lvl="1"/>
+            <a:r>
+              <a:rPr lang="en-IN" dirty="0" smtClean="0"/>
+              <a:t>Reduce </a:t>
+            </a:r>
+            <a:r>
+              <a:rPr lang="en-IN" dirty="0" smtClean="0"/>
+              <a:t>data complexity</a:t>
+            </a:r>
+          </a:p>
+          <a:p>
+            <a:r>
+              <a:rPr lang="en-IN" dirty="0" smtClean="0"/>
+              <a:t>Deep learning </a:t>
+            </a:r>
+            <a:endParaRPr lang="en-IN" dirty="0" smtClean="0"/>
+          </a:p>
+          <a:p>
+            <a:pPr lvl="1"/>
+            <a:r>
+              <a:rPr lang="en-IN" dirty="0" smtClean="0"/>
+              <a:t>Learn </a:t>
+            </a:r>
+            <a:r>
+              <a:rPr lang="en-IN" dirty="0" smtClean="0"/>
+              <a:t>high level features </a:t>
+            </a:r>
+            <a:endParaRPr lang="en-IN" dirty="0" smtClean="0"/>
+          </a:p>
+          <a:p>
+            <a:pPr lvl="1"/>
+            <a:r>
+              <a:rPr lang="en-IN" dirty="0" smtClean="0"/>
+              <a:t>No </a:t>
+            </a:r>
+            <a:r>
+              <a:rPr lang="en-IN" dirty="0" smtClean="0"/>
+              <a:t>need of domain expert</a:t>
+            </a:r>
+          </a:p>
+        </p:txBody>
+      </p:sp>
+    </p:spTree>
+  </p:cSld>
+  <p:clrMapOvr>
+    <a:masterClrMapping/>
+  </p:clrMapOvr>
+  <p:timing>
+    <p:tnLst>
+      <p:par>
+        <p:cTn id="1" dur="indefinite" restart="never" nodeType="tmRoot"/>
+      </p:par>
+    </p:tnLst>
+  </p:timing>
+</p:sld>
+</file>
+
+<file path=ppt/slides/slide37.xml><?xml version="1.0" encoding="utf-8"?>
+<p:sld xmlns:a="http://schemas.openxmlformats.org/drawingml/2006/main" xmlns:r="http://schemas.openxmlformats.org/officeDocument/2006/relationships" xmlns:p="http://schemas.openxmlformats.org/presentationml/2006/main">
+  <p:cSld>
+    <p:spTree>
+      <p:nvGrpSpPr>
+        <p:cNvPr id="1" name=""/>
+        <p:cNvGrpSpPr/>
+        <p:nvPr/>
+      </p:nvGrpSpPr>
+      <p:grpSpPr>
+        <a:xfrm>
+          <a:off x="0" y="0"/>
+          <a:ext cx="0" cy="0"/>
+          <a:chOff x="0" y="0"/>
+          <a:chExt cx="0" cy="0"/>
+        </a:xfrm>
+      </p:grpSpPr>
+      <p:sp>
+        <p:nvSpPr>
+          <p:cNvPr id="2" name="Title 1"/>
+          <p:cNvSpPr>
+            <a:spLocks noGrp="1"/>
+          </p:cNvSpPr>
+          <p:nvPr>
+            <p:ph type="title"/>
+          </p:nvPr>
+        </p:nvSpPr>
+        <p:spPr/>
+        <p:txBody>
+          <a:bodyPr>
+            <a:normAutofit fontScale="90000"/>
+          </a:bodyPr>
+          <a:lstStyle/>
+          <a:p>
+            <a:r>
+              <a:rPr lang="en-IN" dirty="0" smtClean="0"/>
+              <a:t>Machine Learning v/s Deep Learning</a:t>
+            </a:r>
+            <a:r>
+              <a:rPr lang="en-US" dirty="0" smtClean="0"/>
+              <a:t> </a:t>
+            </a:r>
+            <a:endParaRPr lang="en-US" dirty="0"/>
+          </a:p>
+        </p:txBody>
+      </p:sp>
+      <p:sp>
+        <p:nvSpPr>
+          <p:cNvPr id="3" name="Content Placeholder 2"/>
+          <p:cNvSpPr>
+            <a:spLocks noGrp="1"/>
+          </p:cNvSpPr>
+          <p:nvPr>
+            <p:ph idx="1"/>
+          </p:nvPr>
+        </p:nvSpPr>
+        <p:spPr/>
+        <p:txBody>
+          <a:bodyPr>
+            <a:normAutofit/>
+          </a:bodyPr>
+          <a:lstStyle/>
+          <a:p>
+            <a:r>
+              <a:rPr lang="en-IN" dirty="0" smtClean="0"/>
+              <a:t>Interpretability</a:t>
+            </a:r>
+          </a:p>
+          <a:p>
+            <a:r>
+              <a:rPr lang="en-IN" dirty="0" smtClean="0"/>
+              <a:t>Machine learning </a:t>
+            </a:r>
+            <a:endParaRPr lang="en-IN" dirty="0" smtClean="0"/>
+          </a:p>
+          <a:p>
+            <a:pPr lvl="1"/>
+            <a:r>
+              <a:rPr lang="en-IN" dirty="0" smtClean="0"/>
+              <a:t>Inherent </a:t>
+            </a:r>
+            <a:r>
+              <a:rPr lang="en-IN" dirty="0" smtClean="0"/>
+              <a:t>interpretable</a:t>
+            </a:r>
+          </a:p>
+          <a:p>
+            <a:r>
+              <a:rPr lang="en-IN" dirty="0" smtClean="0"/>
+              <a:t>Deep learning </a:t>
+            </a:r>
+            <a:endParaRPr lang="en-IN" dirty="0" smtClean="0"/>
+          </a:p>
+          <a:p>
+            <a:pPr lvl="1"/>
+            <a:r>
+              <a:rPr lang="en-IN" dirty="0" smtClean="0"/>
+              <a:t>Black </a:t>
+            </a:r>
+            <a:r>
+              <a:rPr lang="en-IN" dirty="0" smtClean="0"/>
+              <a:t>box </a:t>
+            </a:r>
+            <a:endParaRPr lang="en-IN" dirty="0" smtClean="0"/>
+          </a:p>
+          <a:p>
+            <a:pPr lvl="1"/>
+            <a:r>
+              <a:rPr lang="en-IN" dirty="0" smtClean="0"/>
+              <a:t>Explainable </a:t>
+            </a:r>
+            <a:r>
+              <a:rPr lang="en-IN" dirty="0" smtClean="0"/>
+              <a:t>AI</a:t>
+            </a:r>
+          </a:p>
+        </p:txBody>
+      </p:sp>
+    </p:spTree>
+  </p:cSld>
+  <p:clrMapOvr>
+    <a:masterClrMapping/>
+  </p:clrMapOvr>
+  <p:timing>
+    <p:tnLst>
+      <p:par>
+        <p:cTn id="1" dur="indefinite" restart="never" nodeType="tmRoot"/>
+      </p:par>
+    </p:tnLst>
+  </p:timing>
+</p:sld>
+</file>
+
+<file path=ppt/slides/slide38.xml><?xml version="1.0" encoding="utf-8"?>
+<p:sld xmlns:a="http://schemas.openxmlformats.org/drawingml/2006/main" xmlns:r="http://schemas.openxmlformats.org/officeDocument/2006/relationships" xmlns:p="http://schemas.openxmlformats.org/presentationml/2006/main">
+  <p:cSld>
+    <p:spTree>
+      <p:nvGrpSpPr>
+        <p:cNvPr id="1" name=""/>
+        <p:cNvGrpSpPr/>
+        <p:nvPr/>
+      </p:nvGrpSpPr>
+      <p:grpSpPr>
+        <a:xfrm>
+          <a:off x="0" y="0"/>
+          <a:ext cx="0" cy="0"/>
+          <a:chOff x="0" y="0"/>
+          <a:chExt cx="0" cy="0"/>
+        </a:xfrm>
+      </p:grpSpPr>
+      <p:sp>
+        <p:nvSpPr>
+          <p:cNvPr id="2" name="Title 1"/>
+          <p:cNvSpPr>
+            <a:spLocks noGrp="1"/>
+          </p:cNvSpPr>
+          <p:nvPr>
+            <p:ph type="title"/>
+          </p:nvPr>
+        </p:nvSpPr>
+        <p:spPr/>
+        <p:txBody>
+          <a:bodyPr>
+            <a:normAutofit fontScale="90000"/>
+          </a:bodyPr>
+          <a:lstStyle/>
+          <a:p>
+            <a:r>
+              <a:rPr lang="en-IN" dirty="0" smtClean="0"/>
+              <a:t>Machine Learning v/s Deep Learning</a:t>
+            </a:r>
+            <a:r>
+              <a:rPr lang="en-US" dirty="0" smtClean="0"/>
+              <a:t> </a:t>
+            </a:r>
+            <a:endParaRPr lang="en-US" dirty="0"/>
+          </a:p>
+        </p:txBody>
+      </p:sp>
+      <p:sp>
+        <p:nvSpPr>
+          <p:cNvPr id="3" name="Content Placeholder 2"/>
+          <p:cNvSpPr>
+            <a:spLocks noGrp="1"/>
+          </p:cNvSpPr>
+          <p:nvPr>
+            <p:ph idx="1"/>
+          </p:nvPr>
+        </p:nvSpPr>
+        <p:spPr/>
+        <p:txBody>
+          <a:bodyPr>
+            <a:normAutofit lnSpcReduction="10000"/>
+          </a:bodyPr>
+          <a:lstStyle/>
+          <a:p>
+            <a:r>
+              <a:rPr lang="en-IN" dirty="0" smtClean="0"/>
+              <a:t>Accuracy</a:t>
+            </a:r>
+          </a:p>
+          <a:p>
+            <a:r>
+              <a:rPr lang="en-IN" dirty="0" smtClean="0"/>
+              <a:t>Machine learning </a:t>
+            </a:r>
+            <a:endParaRPr lang="en-IN" dirty="0" smtClean="0"/>
+          </a:p>
+          <a:p>
+            <a:pPr lvl="1"/>
+            <a:r>
+              <a:rPr lang="en-IN" dirty="0" smtClean="0"/>
+              <a:t>Less </a:t>
+            </a:r>
+            <a:r>
+              <a:rPr lang="en-IN" dirty="0" smtClean="0"/>
+              <a:t>parameters </a:t>
+            </a:r>
+            <a:endParaRPr lang="en-IN" dirty="0" smtClean="0"/>
+          </a:p>
+          <a:p>
+            <a:pPr lvl="1"/>
+            <a:r>
+              <a:rPr lang="en-IN" dirty="0" smtClean="0"/>
+              <a:t>Less </a:t>
+            </a:r>
+            <a:r>
+              <a:rPr lang="en-IN" dirty="0" smtClean="0"/>
+              <a:t>complexity </a:t>
+            </a:r>
+            <a:endParaRPr lang="en-IN" dirty="0" smtClean="0"/>
+          </a:p>
+          <a:p>
+            <a:pPr lvl="1"/>
+            <a:r>
+              <a:rPr lang="en-IN" dirty="0" smtClean="0"/>
+              <a:t>Less </a:t>
+            </a:r>
+            <a:r>
+              <a:rPr lang="en-IN" dirty="0" smtClean="0"/>
+              <a:t>accuracy for large datasets</a:t>
+            </a:r>
+          </a:p>
+          <a:p>
+            <a:r>
+              <a:rPr lang="en-IN" dirty="0" smtClean="0"/>
+              <a:t>Deep learning </a:t>
+            </a:r>
+            <a:endParaRPr lang="en-IN" dirty="0" smtClean="0"/>
+          </a:p>
+          <a:p>
+            <a:pPr lvl="1"/>
+            <a:r>
+              <a:rPr lang="en-IN" dirty="0" smtClean="0"/>
+              <a:t>More </a:t>
+            </a:r>
+            <a:r>
+              <a:rPr lang="en-IN" dirty="0" smtClean="0"/>
+              <a:t>layers </a:t>
+            </a:r>
+            <a:r>
+              <a:rPr lang="en-IN" dirty="0" smtClean="0"/>
+              <a:t>– More parameters </a:t>
+            </a:r>
+          </a:p>
+          <a:p>
+            <a:pPr lvl="1"/>
+            <a:r>
+              <a:rPr lang="en-IN" dirty="0" smtClean="0"/>
+              <a:t>More </a:t>
+            </a:r>
+            <a:r>
+              <a:rPr lang="en-IN" dirty="0" smtClean="0"/>
+              <a:t>complexity </a:t>
+            </a:r>
+            <a:endParaRPr lang="en-IN" dirty="0" smtClean="0"/>
+          </a:p>
+          <a:p>
+            <a:pPr lvl="1"/>
+            <a:r>
+              <a:rPr lang="en-IN" dirty="0" smtClean="0"/>
+              <a:t>More </a:t>
+            </a:r>
+            <a:r>
+              <a:rPr lang="en-IN" dirty="0" smtClean="0"/>
+              <a:t>accuracy for large datasets</a:t>
+            </a:r>
+          </a:p>
+        </p:txBody>
+      </p:sp>
+    </p:spTree>
+  </p:cSld>
+  <p:clrMapOvr>
+    <a:masterClrMapping/>
+  </p:clrMapOvr>
+  <p:timing>
+    <p:tnLst>
+      <p:par>
+        <p:cTn id="1" dur="indefinite" restart="never" nodeType="tmRoot"/>
+      </p:par>
+    </p:tnLst>
+  </p:timing>
+</p:sld>
+</file>
+
+<file path=ppt/slides/slide39.xml><?xml version="1.0" encoding="utf-8"?>
+<p:sld xmlns:a="http://schemas.openxmlformats.org/drawingml/2006/main" xmlns:r="http://schemas.openxmlformats.org/officeDocument/2006/relationships" xmlns:p="http://schemas.openxmlformats.org/presentationml/2006/main">
+  <p:cSld>
+    <p:spTree>
+      <p:nvGrpSpPr>
+        <p:cNvPr id="1" name=""/>
+        <p:cNvGrpSpPr/>
+        <p:nvPr/>
+      </p:nvGrpSpPr>
+      <p:grpSpPr>
+        <a:xfrm>
+          <a:off x="0" y="0"/>
+          <a:ext cx="0" cy="0"/>
+          <a:chOff x="0" y="0"/>
+          <a:chExt cx="0" cy="0"/>
+        </a:xfrm>
+      </p:grpSpPr>
+      <p:sp>
+        <p:nvSpPr>
+          <p:cNvPr id="2" name="Title 1"/>
+          <p:cNvSpPr>
+            <a:spLocks noGrp="1"/>
+          </p:cNvSpPr>
+          <p:nvPr>
+            <p:ph type="title"/>
+          </p:nvPr>
+        </p:nvSpPr>
+        <p:spPr/>
+        <p:txBody>
+          <a:bodyPr>
+            <a:normAutofit/>
+          </a:bodyPr>
+          <a:lstStyle/>
+          <a:p>
+            <a:r>
+              <a:rPr lang="en-IN" dirty="0" smtClean="0"/>
+              <a:t>ANN v/s DNN</a:t>
+            </a:r>
+            <a:endParaRPr lang="en-US" dirty="0"/>
+          </a:p>
+        </p:txBody>
+      </p:sp>
+      <p:sp>
+        <p:nvSpPr>
+          <p:cNvPr id="3" name="Content Placeholder 2"/>
+          <p:cNvSpPr>
+            <a:spLocks noGrp="1"/>
+          </p:cNvSpPr>
+          <p:nvPr>
+            <p:ph idx="1"/>
+          </p:nvPr>
+        </p:nvSpPr>
+        <p:spPr/>
+        <p:txBody>
+          <a:bodyPr>
+            <a:normAutofit/>
+          </a:bodyPr>
+          <a:lstStyle/>
+          <a:p>
+            <a:r>
+              <a:rPr lang="en-IN" dirty="0" smtClean="0"/>
+              <a:t>Artificial Neural Network </a:t>
+            </a:r>
+            <a:endParaRPr lang="en-IN" dirty="0" smtClean="0"/>
+          </a:p>
+          <a:p>
+            <a:pPr lvl="1"/>
+            <a:r>
+              <a:rPr lang="en-IN" dirty="0" smtClean="0"/>
+              <a:t>One </a:t>
+            </a:r>
+            <a:r>
+              <a:rPr lang="en-IN" dirty="0" smtClean="0"/>
+              <a:t>hidden layer</a:t>
+            </a:r>
+          </a:p>
+          <a:p>
+            <a:r>
+              <a:rPr lang="en-IN" dirty="0" smtClean="0"/>
+              <a:t>Deep Neural Network </a:t>
+            </a:r>
+            <a:endParaRPr lang="en-IN" dirty="0" smtClean="0"/>
+          </a:p>
+          <a:p>
+            <a:pPr lvl="1"/>
+            <a:r>
+              <a:rPr lang="en-IN" dirty="0" smtClean="0"/>
+              <a:t>More </a:t>
+            </a:r>
+            <a:r>
+              <a:rPr lang="en-IN" dirty="0" smtClean="0"/>
+              <a:t>than one hidden layer</a:t>
+            </a:r>
           </a:p>
         </p:txBody>
       </p:sp>
@@ -5295,11 +7708,7 @@
           <a:p>
             <a:r>
               <a:rPr lang="en-US" dirty="0" smtClean="0"/>
-              <a:t>AI </a:t>
-            </a:r>
-            <a:r>
-              <a:rPr lang="en-US" dirty="0" smtClean="0"/>
-              <a:t>Classification (1)  </a:t>
+              <a:t>AI Classification (1)  </a:t>
             </a:r>
             <a:endParaRPr lang="en-US" dirty="0"/>
           </a:p>
@@ -5326,7 +7735,6 @@
               <a:rPr lang="en-US" dirty="0" smtClean="0"/>
               <a:t>Artificial Narrow Intelligence </a:t>
             </a:r>
-            <a:endParaRPr lang="en-US" dirty="0" smtClean="0"/>
           </a:p>
           <a:p>
             <a:pPr lvl="1"/>
@@ -5339,11 +7747,7 @@
             <a:pPr lvl="1"/>
             <a:r>
               <a:rPr lang="en-US" dirty="0" smtClean="0"/>
-              <a:t>Stage </a:t>
-            </a:r>
-            <a:r>
-              <a:rPr lang="en-US" dirty="0" smtClean="0"/>
-              <a:t>1</a:t>
+              <a:t>Stage 1</a:t>
             </a:r>
           </a:p>
           <a:p>
@@ -5351,7 +7755,6 @@
               <a:rPr lang="en-US" dirty="0" smtClean="0"/>
               <a:t>Artificial General Intelligence </a:t>
             </a:r>
-            <a:endParaRPr lang="en-US" dirty="0" smtClean="0"/>
           </a:p>
           <a:p>
             <a:pPr lvl="1"/>
@@ -5364,11 +7767,7 @@
             <a:pPr lvl="1"/>
             <a:r>
               <a:rPr lang="en-US" dirty="0" smtClean="0"/>
-              <a:t>Stage </a:t>
-            </a:r>
-            <a:r>
-              <a:rPr lang="en-US" dirty="0" smtClean="0"/>
-              <a:t>2</a:t>
+              <a:t>Stage 2</a:t>
             </a:r>
           </a:p>
           <a:p>
@@ -5376,7 +7775,6 @@
               <a:rPr lang="en-US" dirty="0" smtClean="0"/>
               <a:t>Artificial Super Intelligence </a:t>
             </a:r>
-            <a:endParaRPr lang="en-US" dirty="0" smtClean="0"/>
           </a:p>
           <a:p>
             <a:pPr lvl="1"/>
@@ -5389,13 +7787,86 @@
             <a:pPr lvl="1"/>
             <a:r>
               <a:rPr lang="en-US" dirty="0" smtClean="0"/>
-              <a:t>Stage </a:t>
-            </a:r>
-            <a:r>
-              <a:rPr lang="en-US" dirty="0" smtClean="0"/>
-              <a:t>3  </a:t>
-            </a:r>
-            <a:endParaRPr lang="en-US" dirty="0" smtClean="0"/>
+              <a:t>Stage 3  </a:t>
+            </a:r>
+          </a:p>
+        </p:txBody>
+      </p:sp>
+    </p:spTree>
+  </p:cSld>
+  <p:clrMapOvr>
+    <a:masterClrMapping/>
+  </p:clrMapOvr>
+  <p:timing>
+    <p:tnLst>
+      <p:par>
+        <p:cTn id="1" dur="indefinite" restart="never" nodeType="tmRoot"/>
+      </p:par>
+    </p:tnLst>
+  </p:timing>
+</p:sld>
+</file>
+
+<file path=ppt/slides/slide40.xml><?xml version="1.0" encoding="utf-8"?>
+<p:sld xmlns:a="http://schemas.openxmlformats.org/drawingml/2006/main" xmlns:r="http://schemas.openxmlformats.org/officeDocument/2006/relationships" xmlns:p="http://schemas.openxmlformats.org/presentationml/2006/main">
+  <p:cSld>
+    <p:spTree>
+      <p:nvGrpSpPr>
+        <p:cNvPr id="1" name=""/>
+        <p:cNvGrpSpPr/>
+        <p:nvPr/>
+      </p:nvGrpSpPr>
+      <p:grpSpPr>
+        <a:xfrm>
+          <a:off x="0" y="0"/>
+          <a:ext cx="0" cy="0"/>
+          <a:chOff x="0" y="0"/>
+          <a:chExt cx="0" cy="0"/>
+        </a:xfrm>
+      </p:grpSpPr>
+      <p:sp>
+        <p:nvSpPr>
+          <p:cNvPr id="2" name="Title 1"/>
+          <p:cNvSpPr>
+            <a:spLocks noGrp="1"/>
+          </p:cNvSpPr>
+          <p:nvPr>
+            <p:ph type="ctrTitle"/>
+          </p:nvPr>
+        </p:nvSpPr>
+        <p:spPr/>
+        <p:txBody>
+          <a:bodyPr/>
+          <a:lstStyle/>
+          <a:p>
+            <a:r>
+              <a:rPr lang="en-US" dirty="0" smtClean="0"/>
+              <a:t>Questions?</a:t>
+            </a:r>
+            <a:endParaRPr lang="en-US" dirty="0"/>
+          </a:p>
+        </p:txBody>
+      </p:sp>
+      <p:sp>
+        <p:nvSpPr>
+          <p:cNvPr id="3" name="Subtitle 2"/>
+          <p:cNvSpPr>
+            <a:spLocks noGrp="1"/>
+          </p:cNvSpPr>
+          <p:nvPr>
+            <p:ph type="subTitle" idx="1"/>
+          </p:nvPr>
+        </p:nvSpPr>
+        <p:spPr/>
+        <p:txBody>
+          <a:bodyPr/>
+          <a:lstStyle/>
+          <a:p>
+            <a:r>
+              <a:rPr lang="en-US" dirty="0" smtClean="0"/>
+              <a:t>Thank you</a:t>
+            </a:r>
+            <a:endParaRPr lang="en-US" dirty="0"/>
           </a:p>
         </p:txBody>
       </p:sp>
@@ -5475,33 +7946,31 @@
           <a:p>
             <a:r>
               <a:rPr lang="en-IN" dirty="0" smtClean="0"/>
-              <a:t>Solve one specific problem</a:t>
+              <a:t>Solve one specific </a:t>
+            </a:r>
+            <a:r>
+              <a:rPr lang="en-IN" dirty="0" smtClean="0"/>
+              <a:t>problem</a:t>
+            </a:r>
+            <a:endParaRPr lang="en-IN" dirty="0" smtClean="0"/>
+          </a:p>
+          <a:p>
+            <a:r>
+              <a:rPr lang="en-IN" dirty="0" smtClean="0"/>
+              <a:t>Narrow capabilities </a:t>
+            </a:r>
+            <a:endParaRPr lang="en-IN" dirty="0" smtClean="0"/>
+          </a:p>
+          <a:p>
+            <a:r>
+              <a:rPr lang="en-IN" dirty="0" smtClean="0"/>
+              <a:t>Controlled environments</a:t>
             </a:r>
           </a:p>
           <a:p>
             <a:r>
               <a:rPr lang="en-IN" dirty="0" smtClean="0"/>
               <a:t>Surpass human level performance</a:t>
-            </a:r>
-          </a:p>
-          <a:p>
-            <a:r>
-              <a:rPr lang="en-IN" dirty="0" smtClean="0"/>
-              <a:t>Narrow capabilities in controlled environments</a:t>
-            </a:r>
-          </a:p>
-          <a:p>
-            <a:r>
-              <a:rPr lang="en-IN" dirty="0" smtClean="0"/>
-              <a:t>Examples – Face recognition, </a:t>
-            </a:r>
-            <a:r>
-              <a:rPr lang="en-IN" dirty="0" smtClean="0"/>
-              <a:t>automatic number plate </a:t>
-            </a:r>
-            <a:r>
-              <a:rPr lang="en-IN" dirty="0" smtClean="0"/>
-              <a:t>recognition</a:t>
             </a:r>
             <a:endParaRPr lang="en-US" dirty="0" smtClean="0"/>
           </a:p>
@@ -5558,7 +8027,11 @@
           <a:p>
             <a:r>
               <a:rPr lang="en-US" dirty="0" smtClean="0"/>
-              <a:t>Artificial General Intelligence  </a:t>
+              <a:t>Artificial Narrow </a:t>
+            </a:r>
+            <a:r>
+              <a:rPr lang="en-US" dirty="0" smtClean="0"/>
+              <a:t>Intelligence  </a:t>
             </a:r>
             <a:endParaRPr lang="en-US" dirty="0"/>
           </a:p>
@@ -5583,19 +8056,70 @@
           <a:p>
             <a:r>
               <a:rPr lang="en-IN" dirty="0" smtClean="0"/>
-              <a:t>Do anything a human can do</a:t>
-            </a:r>
-          </a:p>
-          <a:p>
-            <a:r>
-              <a:rPr lang="en-IN" dirty="0" smtClean="0"/>
-              <a:t>Theoretical concept</a:t>
-            </a:r>
-          </a:p>
-          <a:p>
-            <a:r>
-              <a:rPr lang="en-IN" dirty="0" smtClean="0"/>
-              <a:t>Collection of many Artificial Narrow Intelligence systems</a:t>
+              <a:t>Digital voice assistants </a:t>
+            </a:r>
+            <a:r>
+              <a:rPr lang="en-IN" dirty="0" smtClean="0"/>
+              <a:t>– </a:t>
+            </a:r>
+            <a:r>
+              <a:rPr lang="en-IN" dirty="0" err="1" smtClean="0"/>
+              <a:t>Siri</a:t>
+            </a:r>
+            <a:r>
+              <a:rPr lang="en-IN" dirty="0" smtClean="0"/>
+              <a:t>, </a:t>
+            </a:r>
+            <a:r>
+              <a:rPr lang="en-IN" dirty="0" err="1" smtClean="0"/>
+              <a:t>Alexa</a:t>
+            </a:r>
+            <a:endParaRPr lang="en-IN" dirty="0" smtClean="0"/>
+          </a:p>
+          <a:p>
+            <a:r>
+              <a:rPr lang="en-IN" dirty="0" smtClean="0"/>
+              <a:t>Recommendation </a:t>
+            </a:r>
+            <a:r>
+              <a:rPr lang="en-IN" dirty="0" smtClean="0"/>
+              <a:t>engines</a:t>
+            </a:r>
+          </a:p>
+          <a:p>
+            <a:r>
+              <a:rPr lang="en-IN" dirty="0" smtClean="0"/>
+              <a:t>Search </a:t>
+            </a:r>
+            <a:r>
+              <a:rPr lang="en-IN" dirty="0" smtClean="0"/>
+              <a:t>engines</a:t>
+            </a:r>
+          </a:p>
+          <a:p>
+            <a:r>
+              <a:rPr lang="en-IN" dirty="0" smtClean="0"/>
+              <a:t>Chat bots</a:t>
+            </a:r>
+          </a:p>
+          <a:p>
+            <a:r>
+              <a:rPr lang="en-IN" dirty="0" smtClean="0"/>
+              <a:t>Image and speech </a:t>
+            </a:r>
+            <a:r>
+              <a:rPr lang="en-IN" dirty="0" smtClean="0"/>
+              <a:t>recognition</a:t>
+            </a:r>
+          </a:p>
+          <a:p>
+            <a:r>
+              <a:rPr lang="en-IN" dirty="0" smtClean="0"/>
+              <a:t>Predictive </a:t>
+            </a:r>
+            <a:r>
+              <a:rPr lang="en-IN" dirty="0" smtClean="0"/>
+              <a:t>maintenance</a:t>
             </a:r>
             <a:endParaRPr lang="en-US" dirty="0" smtClean="0"/>
           </a:p>
@@ -5652,7 +8176,7 @@
           <a:p>
             <a:r>
               <a:rPr lang="en-US" dirty="0" smtClean="0"/>
-              <a:t>Artificial Super Intelligence  </a:t>
+              <a:t>Artificial General Intelligence  </a:t>
             </a:r>
             <a:endParaRPr lang="en-US" dirty="0"/>
           </a:p>
@@ -5676,30 +8200,37 @@
           <a:lstStyle/>
           <a:p>
             <a:r>
-              <a:rPr lang="en-IN" dirty="0" smtClean="0"/>
-              <a:t>Surpass all human capabilities</a:t>
-            </a:r>
-          </a:p>
-          <a:p>
-            <a:r>
-              <a:rPr lang="en-IN" dirty="0" smtClean="0"/>
-              <a:t>Do even more things than any human can do</a:t>
-            </a:r>
-          </a:p>
-          <a:p>
-            <a:r>
-              <a:rPr lang="en-IN" dirty="0" smtClean="0"/>
-              <a:t>Relatively narrow gap between AGI and </a:t>
-            </a:r>
-            <a:r>
-              <a:rPr lang="en-IN" dirty="0" smtClean="0"/>
-              <a:t>ASI</a:t>
-            </a:r>
-          </a:p>
-          <a:p>
-            <a:r>
-              <a:rPr lang="en-IN" dirty="0" smtClean="0"/>
-              <a:t>A nanosecond from AGI to ASI</a:t>
+              <a:rPr lang="en-IN" dirty="0" smtClean="0">
+                <a:solidFill>
+                  <a:srgbClr val="00B050"/>
+                </a:solidFill>
+              </a:rPr>
+              <a:t>Theoretical concept</a:t>
+            </a:r>
+          </a:p>
+          <a:p>
+            <a:r>
+              <a:rPr lang="en-IN" dirty="0" smtClean="0"/>
+              <a:t>Do </a:t>
+            </a:r>
+            <a:r>
+              <a:rPr lang="en-IN" dirty="0" smtClean="0"/>
+              <a:t>anything a human can </a:t>
+            </a:r>
+            <a:r>
+              <a:rPr lang="en-IN" dirty="0" smtClean="0"/>
+              <a:t>do</a:t>
+            </a:r>
+            <a:endParaRPr lang="en-IN" dirty="0" smtClean="0"/>
+          </a:p>
+          <a:p>
+            <a:r>
+              <a:rPr lang="en-IN" dirty="0" smtClean="0"/>
+              <a:t>Collection of many </a:t>
+            </a:r>
+            <a:r>
+              <a:rPr lang="en-IN" dirty="0" smtClean="0"/>
+              <a:t>ANI systems</a:t>
             </a:r>
             <a:endParaRPr lang="en-US" dirty="0" smtClean="0"/>
           </a:p>
@@ -5756,11 +8287,7 @@
           <a:p>
             <a:r>
               <a:rPr lang="en-US" dirty="0" smtClean="0"/>
-              <a:t>AI </a:t>
-            </a:r>
-            <a:r>
-              <a:rPr lang="en-US" dirty="0" smtClean="0"/>
-              <a:t>Classification (2)  </a:t>
+              <a:t>Artificial Super Intelligence  </a:t>
             </a:r>
             <a:endParaRPr lang="en-US" dirty="0"/>
           </a:p>
@@ -5784,45 +8311,59 @@
           <a:lstStyle/>
           <a:p>
             <a:r>
-              <a:rPr lang="en-US" dirty="0" smtClean="0"/>
-              <a:t>Weak </a:t>
-            </a:r>
-            <a:r>
-              <a:rPr lang="en-US" dirty="0" smtClean="0"/>
-              <a:t>AI</a:t>
-            </a:r>
-          </a:p>
-          <a:p>
-            <a:pPr lvl="1"/>
-            <a:r>
-              <a:rPr lang="en-US" dirty="0" smtClean="0"/>
-              <a:t>Artificial Narrow Intelligence</a:t>
-            </a:r>
-          </a:p>
-          <a:p>
-            <a:r>
-              <a:rPr lang="en-US" dirty="0" smtClean="0"/>
-              <a:t>Strong </a:t>
-            </a:r>
-            <a:r>
-              <a:rPr lang="en-US" dirty="0" smtClean="0"/>
-              <a:t>AI</a:t>
-            </a:r>
-          </a:p>
-          <a:p>
-            <a:pPr lvl="1"/>
-            <a:r>
-              <a:rPr lang="en-US" dirty="0" smtClean="0"/>
-              <a:t>Artificial General Intelligence</a:t>
-            </a:r>
-          </a:p>
-          <a:p>
-            <a:pPr lvl="1"/>
-            <a:r>
-              <a:rPr lang="en-US" dirty="0" smtClean="0"/>
-              <a:t>Artificial Super Intelligence</a:t>
-            </a:r>
-            <a:endParaRPr lang="en-US" dirty="0" smtClean="0"/>
+              <a:rPr lang="en-IN" dirty="0" smtClean="0">
+                <a:solidFill>
+                  <a:srgbClr val="00B050"/>
+                </a:solidFill>
+              </a:rPr>
+              <a:t>Theoretical concept</a:t>
+            </a:r>
+            <a:endParaRPr lang="en-IN" dirty="0" smtClean="0"/>
+          </a:p>
+          <a:p>
+            <a:r>
+              <a:rPr lang="en-IN" dirty="0" smtClean="0"/>
+              <a:t>Surpass </a:t>
+            </a:r>
+            <a:r>
+              <a:rPr lang="en-IN" dirty="0" smtClean="0"/>
+              <a:t>all human capabilities</a:t>
+            </a:r>
+          </a:p>
+          <a:p>
+            <a:r>
+              <a:rPr lang="en-IN" dirty="0" smtClean="0"/>
+              <a:t>Do even more things than any human can do</a:t>
+            </a:r>
+          </a:p>
+          <a:p>
+            <a:r>
+              <a:rPr lang="en-IN" dirty="0" smtClean="0"/>
+              <a:t>Relatively narrow gap between AGI and ASI</a:t>
+            </a:r>
+          </a:p>
+          <a:p>
+            <a:r>
+              <a:rPr lang="en-IN" dirty="0" smtClean="0">
+                <a:solidFill>
+                  <a:srgbClr val="00B050"/>
+                </a:solidFill>
+              </a:rPr>
+              <a:t>A nanosecond from AGI to </a:t>
+            </a:r>
+            <a:r>
+              <a:rPr lang="en-IN" dirty="0" smtClean="0">
+                <a:solidFill>
+                  <a:srgbClr val="00B050"/>
+                </a:solidFill>
+              </a:rPr>
+              <a:t>ASI</a:t>
+            </a:r>
+            <a:endParaRPr lang="en-US" dirty="0" smtClean="0">
+              <a:solidFill>
+                <a:srgbClr val="00B050"/>
+              </a:solidFill>
+            </a:endParaRPr>
           </a:p>
         </p:txBody>
       </p:sp>
@@ -5877,15 +8418,7 @@
           <a:p>
             <a:r>
               <a:rPr lang="en-US" dirty="0" smtClean="0"/>
-              <a:t>Machine </a:t>
-            </a:r>
-            <a:r>
-              <a:rPr lang="en-US" dirty="0" smtClean="0"/>
-              <a:t>Learning </a:t>
-            </a:r>
-            <a:r>
-              <a:rPr lang="en-US" dirty="0" smtClean="0"/>
-              <a:t>– What ?  </a:t>
+              <a:t>AI Classification (2)  </a:t>
             </a:r>
             <a:endParaRPr lang="en-US" dirty="0"/>
           </a:p>
@@ -5909,126 +8442,36 @@
           <a:lstStyle/>
           <a:p>
             <a:r>
-              <a:rPr lang="en-IN" dirty="0" smtClean="0"/>
-              <a:t>Improve through experience using data</a:t>
-            </a:r>
-          </a:p>
-          <a:p>
-            <a:r>
-              <a:rPr lang="en-IN" dirty="0" smtClean="0"/>
-              <a:t>A machine is said to learn from </a:t>
-            </a:r>
-            <a:r>
-              <a:rPr lang="en-IN" dirty="0" smtClean="0">
-                <a:solidFill>
-                  <a:srgbClr val="00B050"/>
-                </a:solidFill>
-              </a:rPr>
-              <a:t>experience E</a:t>
-            </a:r>
-            <a:r>
-              <a:rPr lang="en-IN" dirty="0" smtClean="0"/>
-              <a:t> with respect to some class of </a:t>
-            </a:r>
-            <a:r>
-              <a:rPr lang="en-IN" dirty="0" smtClean="0">
-                <a:solidFill>
-                  <a:srgbClr val="00B050"/>
-                </a:solidFill>
-              </a:rPr>
-              <a:t>tasks T</a:t>
-            </a:r>
-            <a:r>
-              <a:rPr lang="en-IN" dirty="0" smtClean="0"/>
-              <a:t> and </a:t>
-            </a:r>
-            <a:r>
-              <a:rPr lang="en-IN" dirty="0" smtClean="0">
-                <a:solidFill>
-                  <a:srgbClr val="00B050"/>
-                </a:solidFill>
-              </a:rPr>
-              <a:t>performance measure </a:t>
-            </a:r>
-            <a:r>
-              <a:rPr lang="en-IN" dirty="0" smtClean="0">
-                <a:solidFill>
-                  <a:srgbClr val="00B050"/>
-                </a:solidFill>
-              </a:rPr>
-              <a:t>P</a:t>
-            </a:r>
-            <a:r>
-              <a:rPr lang="en-IN" dirty="0" smtClean="0"/>
-              <a:t>.</a:t>
-            </a:r>
-            <a:r>
-              <a:rPr lang="en-IN" dirty="0" smtClean="0">
-                <a:solidFill>
-                  <a:srgbClr val="00B050"/>
-                </a:solidFill>
-              </a:rPr>
-              <a:t> </a:t>
-            </a:r>
-          </a:p>
-          <a:p>
-            <a:r>
-              <a:rPr lang="en-IN" dirty="0" smtClean="0"/>
-              <a:t>If </a:t>
-            </a:r>
-            <a:r>
-              <a:rPr lang="en-IN" dirty="0" smtClean="0"/>
-              <a:t>its performance at </a:t>
-            </a:r>
-            <a:r>
-              <a:rPr lang="en-IN" dirty="0" smtClean="0">
-                <a:solidFill>
-                  <a:srgbClr val="00B050"/>
-                </a:solidFill>
-              </a:rPr>
-              <a:t>tasks</a:t>
-            </a:r>
-            <a:r>
-              <a:rPr lang="en-IN" dirty="0" smtClean="0"/>
-              <a:t> in </a:t>
-            </a:r>
-            <a:r>
-              <a:rPr lang="en-IN" dirty="0" smtClean="0">
-                <a:solidFill>
-                  <a:srgbClr val="00B050"/>
-                </a:solidFill>
-              </a:rPr>
-              <a:t>T</a:t>
-            </a:r>
-            <a:r>
-              <a:rPr lang="en-IN" dirty="0" smtClean="0"/>
-              <a:t>, as measured by </a:t>
-            </a:r>
-            <a:r>
-              <a:rPr lang="en-IN" dirty="0" smtClean="0">
-                <a:solidFill>
-                  <a:srgbClr val="00B050"/>
-                </a:solidFill>
-              </a:rPr>
-              <a:t>P</a:t>
-            </a:r>
-            <a:r>
-              <a:rPr lang="en-IN" dirty="0" smtClean="0"/>
-              <a:t>, improves with </a:t>
-            </a:r>
-            <a:r>
-              <a:rPr lang="en-IN" dirty="0" smtClean="0">
-                <a:solidFill>
-                  <a:srgbClr val="00B050"/>
-                </a:solidFill>
-              </a:rPr>
-              <a:t>experience E</a:t>
-            </a:r>
-            <a:r>
-              <a:rPr lang="en-IN" dirty="0" smtClean="0"/>
-              <a:t>.</a:t>
-            </a:r>
-            <a:endParaRPr lang="en-US" dirty="0" smtClean="0"/>
+              <a:rPr lang="en-US" dirty="0" smtClean="0"/>
+              <a:t>Weak AI</a:t>
+            </a:r>
+          </a:p>
+          <a:p>
+            <a:pPr lvl="1"/>
+            <a:r>
+              <a:rPr lang="en-US" dirty="0" smtClean="0"/>
+              <a:t>Artificial Narrow Intelligence</a:t>
+            </a:r>
+          </a:p>
+          <a:p>
+            <a:r>
+              <a:rPr lang="en-US" dirty="0" smtClean="0"/>
+              <a:t>Strong AI</a:t>
+            </a:r>
+          </a:p>
+          <a:p>
+            <a:pPr lvl="1"/>
+            <a:r>
+              <a:rPr lang="en-US" dirty="0" smtClean="0"/>
+              <a:t>Artificial General Intelligence</a:t>
+            </a:r>
+          </a:p>
+          <a:p>
+            <a:pPr lvl="1"/>
+            <a:r>
+              <a:rPr lang="en-US" dirty="0" smtClean="0"/>
+              <a:t>Artificial Super Intelligence</a:t>
+            </a:r>
           </a:p>
         </p:txBody>
       </p:sp>
